--- a/Báo cáo/thuyết trình báo cáo.pptx
+++ b/Báo cáo/thuyết trình báo cáo.pptx
@@ -5,7 +5,7 @@
     <p:sldMasterId id="2147483660" r:id="rId1"/>
   </p:sldMasterIdLst>
   <p:notesMasterIdLst>
-    <p:notesMasterId r:id="rId21"/>
+    <p:notesMasterId r:id="rId26"/>
   </p:notesMasterIdLst>
   <p:sldIdLst>
     <p:sldId id="294" r:id="rId2"/>
@@ -18,48 +18,53 @@
     <p:sldId id="299" r:id="rId9"/>
     <p:sldId id="301" r:id="rId10"/>
     <p:sldId id="302" r:id="rId11"/>
-    <p:sldId id="292" r:id="rId12"/>
-    <p:sldId id="304" r:id="rId13"/>
-    <p:sldId id="305" r:id="rId14"/>
-    <p:sldId id="306" r:id="rId15"/>
-    <p:sldId id="307" r:id="rId16"/>
-    <p:sldId id="308" r:id="rId17"/>
-    <p:sldId id="293" r:id="rId18"/>
-    <p:sldId id="310" r:id="rId19"/>
-    <p:sldId id="311" r:id="rId20"/>
+    <p:sldId id="312" r:id="rId12"/>
+    <p:sldId id="313" r:id="rId13"/>
+    <p:sldId id="314" r:id="rId14"/>
+    <p:sldId id="315" r:id="rId15"/>
+    <p:sldId id="316" r:id="rId16"/>
+    <p:sldId id="292" r:id="rId17"/>
+    <p:sldId id="304" r:id="rId18"/>
+    <p:sldId id="305" r:id="rId19"/>
+    <p:sldId id="306" r:id="rId20"/>
+    <p:sldId id="307" r:id="rId21"/>
+    <p:sldId id="308" r:id="rId22"/>
+    <p:sldId id="310" r:id="rId23"/>
+    <p:sldId id="293" r:id="rId24"/>
+    <p:sldId id="311" r:id="rId25"/>
   </p:sldIdLst>
   <p:sldSz cx="9144000" cy="5143500" type="screen16x9"/>
   <p:notesSz cx="6858000" cy="9144000"/>
   <p:embeddedFontLst>
     <p:embeddedFont>
+      <p:font typeface="Wingdings 2" panose="05020102010507070707" pitchFamily="18" charset="2"/>
+      <p:regular r:id="rId27"/>
+    </p:embeddedFont>
+    <p:embeddedFont>
+      <p:font typeface="Verdana" panose="020B0604030504040204" pitchFamily="34" charset="0"/>
+      <p:regular r:id="rId28"/>
+      <p:bold r:id="rId29"/>
+      <p:italic r:id="rId30"/>
+      <p:boldItalic r:id="rId31"/>
+    </p:embeddedFont>
+    <p:embeddedFont>
+      <p:font typeface="Tahoma" panose="020B0604030504040204" pitchFamily="34" charset="0"/>
+      <p:regular r:id="rId32"/>
+      <p:bold r:id="rId33"/>
+    </p:embeddedFont>
+    <p:embeddedFont>
       <p:font typeface="Corbel" panose="020B0503020204020204" pitchFamily="34" charset="0"/>
-      <p:regular r:id="rId22"/>
-      <p:bold r:id="rId23"/>
-      <p:italic r:id="rId24"/>
-      <p:boldItalic r:id="rId25"/>
+      <p:regular r:id="rId34"/>
+      <p:bold r:id="rId35"/>
+      <p:italic r:id="rId36"/>
+      <p:boldItalic r:id="rId37"/>
     </p:embeddedFont>
     <p:embeddedFont>
       <p:font typeface="Cabin" panose="020B0604020202020204" charset="0"/>
-      <p:regular r:id="rId26"/>
-      <p:bold r:id="rId27"/>
-      <p:italic r:id="rId28"/>
-      <p:boldItalic r:id="rId29"/>
-    </p:embeddedFont>
-    <p:embeddedFont>
-      <p:font typeface="Wingdings 2" panose="05020102010507070707" pitchFamily="18" charset="2"/>
-      <p:regular r:id="rId30"/>
-    </p:embeddedFont>
-    <p:embeddedFont>
-      <p:font typeface="Verdana" panose="020B0604030504040204" pitchFamily="34" charset="0"/>
-      <p:regular r:id="rId31"/>
-      <p:bold r:id="rId32"/>
-      <p:italic r:id="rId33"/>
-      <p:boldItalic r:id="rId34"/>
-    </p:embeddedFont>
-    <p:embeddedFont>
-      <p:font typeface="Tahoma" panose="020B0604030504040204" pitchFamily="34" charset="0"/>
-      <p:regular r:id="rId35"/>
-      <p:bold r:id="rId36"/>
+      <p:regular r:id="rId38"/>
+      <p:bold r:id="rId39"/>
+      <p:italic r:id="rId40"/>
+      <p:boldItalic r:id="rId41"/>
     </p:embeddedFont>
   </p:embeddedFontLst>
   <p:defaultTextStyle>
@@ -1804,6 +1809,13 @@
         </dgm:presLayoutVars>
       </dgm:prSet>
       <dgm:spPr/>
+      <dgm:t>
+        <a:bodyPr/>
+        <a:lstStyle/>
+        <a:p>
+          <a:endParaRPr lang="en-US"/>
+        </a:p>
+      </dgm:t>
     </dgm:pt>
     <dgm:pt modelId="{649FE80B-A924-4D97-A872-5A76B8910674}" type="pres">
       <dgm:prSet presAssocID="{877D7005-5E32-4253-8CDF-1F66FF72461A}" presName="parentLin" presStyleCnt="0"/>
@@ -1812,6 +1824,13 @@
     <dgm:pt modelId="{1812CB78-1010-4B43-93FB-3F72970AF1A7}" type="pres">
       <dgm:prSet presAssocID="{877D7005-5E32-4253-8CDF-1F66FF72461A}" presName="parentLeftMargin" presStyleLbl="node1" presStyleIdx="0" presStyleCnt="3"/>
       <dgm:spPr/>
+      <dgm:t>
+        <a:bodyPr/>
+        <a:lstStyle/>
+        <a:p>
+          <a:endParaRPr lang="en-US"/>
+        </a:p>
+      </dgm:t>
     </dgm:pt>
     <dgm:pt modelId="{DDF3E8B7-3B4B-4FDA-AD84-2F3A93AF2C7A}" type="pres">
       <dgm:prSet presAssocID="{877D7005-5E32-4253-8CDF-1F66FF72461A}" presName="parentText" presStyleLbl="node1" presStyleIdx="0" presStyleCnt="3">
@@ -1852,6 +1871,13 @@
     <dgm:pt modelId="{BE8457C3-98D1-4369-AC7F-AB0DE71C90F4}" type="pres">
       <dgm:prSet presAssocID="{C0BA349B-25AE-47A2-A980-7172E394E8E4}" presName="parentLeftMargin" presStyleLbl="node1" presStyleIdx="0" presStyleCnt="3"/>
       <dgm:spPr/>
+      <dgm:t>
+        <a:bodyPr/>
+        <a:lstStyle/>
+        <a:p>
+          <a:endParaRPr lang="en-US"/>
+        </a:p>
+      </dgm:t>
     </dgm:pt>
     <dgm:pt modelId="{F3AC5734-9A65-4EA1-9F87-8FA9BEEAE88F}" type="pres">
       <dgm:prSet presAssocID="{C0BA349B-25AE-47A2-A980-7172E394E8E4}" presName="parentText" presStyleLbl="node1" presStyleIdx="1" presStyleCnt="3">
@@ -1892,6 +1918,13 @@
     <dgm:pt modelId="{6E03645A-1594-4866-94D2-A9993ED12D3E}" type="pres">
       <dgm:prSet presAssocID="{56FA8F81-C237-4264-9A6A-84A63B80A647}" presName="parentLeftMargin" presStyleLbl="node1" presStyleIdx="1" presStyleCnt="3"/>
       <dgm:spPr/>
+      <dgm:t>
+        <a:bodyPr/>
+        <a:lstStyle/>
+        <a:p>
+          <a:endParaRPr lang="en-US"/>
+        </a:p>
+      </dgm:t>
     </dgm:pt>
     <dgm:pt modelId="{6A40638A-D461-4D94-B38C-882B5AE6A179}" type="pres">
       <dgm:prSet presAssocID="{56FA8F81-C237-4264-9A6A-84A63B80A647}" presName="parentText" presStyleLbl="node1" presStyleIdx="2" presStyleCnt="3">
@@ -1923,15 +1956,15 @@
     </dgm:pt>
   </dgm:ptLst>
   <dgm:cxnLst>
+    <dgm:cxn modelId="{CA407C93-A3D1-4EE7-8A1D-E1AB485728B9}" type="presOf" srcId="{877D7005-5E32-4253-8CDF-1F66FF72461A}" destId="{1812CB78-1010-4B43-93FB-3F72970AF1A7}" srcOrd="0" destOrd="0" presId="urn:microsoft.com/office/officeart/2005/8/layout/list1"/>
+    <dgm:cxn modelId="{C4A45DC7-33BC-4E83-B912-9C18383BD95C}" type="presOf" srcId="{C0BA349B-25AE-47A2-A980-7172E394E8E4}" destId="{F3AC5734-9A65-4EA1-9F87-8FA9BEEAE88F}" srcOrd="1" destOrd="0" presId="urn:microsoft.com/office/officeart/2005/8/layout/list1"/>
     <dgm:cxn modelId="{918971F7-56C9-4B0E-A8A8-FD6A5F12B8B5}" type="presOf" srcId="{877D7005-5E32-4253-8CDF-1F66FF72461A}" destId="{DDF3E8B7-3B4B-4FDA-AD84-2F3A93AF2C7A}" srcOrd="1" destOrd="0" presId="urn:microsoft.com/office/officeart/2005/8/layout/list1"/>
-    <dgm:cxn modelId="{CA407C93-A3D1-4EE7-8A1D-E1AB485728B9}" type="presOf" srcId="{877D7005-5E32-4253-8CDF-1F66FF72461A}" destId="{1812CB78-1010-4B43-93FB-3F72970AF1A7}" srcOrd="0" destOrd="0" presId="urn:microsoft.com/office/officeart/2005/8/layout/list1"/>
     <dgm:cxn modelId="{5E769A5E-FCF1-4FFE-A565-EBC665EBB3D3}" type="presOf" srcId="{56FA8F81-C237-4264-9A6A-84A63B80A647}" destId="{6E03645A-1594-4866-94D2-A9993ED12D3E}" srcOrd="0" destOrd="0" presId="urn:microsoft.com/office/officeart/2005/8/layout/list1"/>
+    <dgm:cxn modelId="{00C085FB-CFD7-4D35-BFE7-2E23E532F23B}" srcId="{1E68B099-7C36-4EF6-929B-F3DB03DDCAC3}" destId="{C0BA349B-25AE-47A2-A980-7172E394E8E4}" srcOrd="1" destOrd="0" parTransId="{98DEFAB6-5600-41D9-99E9-3C78B813DFE6}" sibTransId="{4B7E3DE8-787D-4301-B785-C1CC847186BF}"/>
+    <dgm:cxn modelId="{4AD86D39-88EA-4F80-B55C-05BEA48C9F78}" type="presOf" srcId="{1E68B099-7C36-4EF6-929B-F3DB03DDCAC3}" destId="{01FF8158-6F41-4959-BCA2-6C21285C354A}" srcOrd="0" destOrd="0" presId="urn:microsoft.com/office/officeart/2005/8/layout/list1"/>
+    <dgm:cxn modelId="{ED229EDC-F77B-49DB-B12F-BF529A3D90EF}" srcId="{1E68B099-7C36-4EF6-929B-F3DB03DDCAC3}" destId="{877D7005-5E32-4253-8CDF-1F66FF72461A}" srcOrd="0" destOrd="0" parTransId="{CD396FDC-DD86-4FE9-9682-568A4D56B820}" sibTransId="{DA1A8AB0-3D67-4F6D-B04C-92084D260452}"/>
+    <dgm:cxn modelId="{E0EF321A-77DE-4352-B73E-F9FA7481685E}" srcId="{1E68B099-7C36-4EF6-929B-F3DB03DDCAC3}" destId="{56FA8F81-C237-4264-9A6A-84A63B80A647}" srcOrd="2" destOrd="0" parTransId="{1341E1A1-651A-4B10-8D62-A3AAFFB1502D}" sibTransId="{7BC0761C-D214-4917-8B77-FE1BFE50B59B}"/>
     <dgm:cxn modelId="{84D2EBA6-BBFE-44D6-A8B0-D30D1738AE8D}" type="presOf" srcId="{C0BA349B-25AE-47A2-A980-7172E394E8E4}" destId="{BE8457C3-98D1-4369-AC7F-AB0DE71C90F4}" srcOrd="0" destOrd="0" presId="urn:microsoft.com/office/officeart/2005/8/layout/list1"/>
-    <dgm:cxn modelId="{4AD86D39-88EA-4F80-B55C-05BEA48C9F78}" type="presOf" srcId="{1E68B099-7C36-4EF6-929B-F3DB03DDCAC3}" destId="{01FF8158-6F41-4959-BCA2-6C21285C354A}" srcOrd="0" destOrd="0" presId="urn:microsoft.com/office/officeart/2005/8/layout/list1"/>
-    <dgm:cxn modelId="{E0EF321A-77DE-4352-B73E-F9FA7481685E}" srcId="{1E68B099-7C36-4EF6-929B-F3DB03DDCAC3}" destId="{56FA8F81-C237-4264-9A6A-84A63B80A647}" srcOrd="2" destOrd="0" parTransId="{1341E1A1-651A-4B10-8D62-A3AAFFB1502D}" sibTransId="{7BC0761C-D214-4917-8B77-FE1BFE50B59B}"/>
-    <dgm:cxn modelId="{ED229EDC-F77B-49DB-B12F-BF529A3D90EF}" srcId="{1E68B099-7C36-4EF6-929B-F3DB03DDCAC3}" destId="{877D7005-5E32-4253-8CDF-1F66FF72461A}" srcOrd="0" destOrd="0" parTransId="{CD396FDC-DD86-4FE9-9682-568A4D56B820}" sibTransId="{DA1A8AB0-3D67-4F6D-B04C-92084D260452}"/>
-    <dgm:cxn modelId="{C4A45DC7-33BC-4E83-B912-9C18383BD95C}" type="presOf" srcId="{C0BA349B-25AE-47A2-A980-7172E394E8E4}" destId="{F3AC5734-9A65-4EA1-9F87-8FA9BEEAE88F}" srcOrd="1" destOrd="0" presId="urn:microsoft.com/office/officeart/2005/8/layout/list1"/>
-    <dgm:cxn modelId="{00C085FB-CFD7-4D35-BFE7-2E23E532F23B}" srcId="{1E68B099-7C36-4EF6-929B-F3DB03DDCAC3}" destId="{C0BA349B-25AE-47A2-A980-7172E394E8E4}" srcOrd="1" destOrd="0" parTransId="{98DEFAB6-5600-41D9-99E9-3C78B813DFE6}" sibTransId="{4B7E3DE8-787D-4301-B785-C1CC847186BF}"/>
     <dgm:cxn modelId="{7D484BD5-4239-4D3C-8E92-19E602B6C673}" type="presOf" srcId="{56FA8F81-C237-4264-9A6A-84A63B80A647}" destId="{6A40638A-D461-4D94-B38C-882B5AE6A179}" srcOrd="1" destOrd="0" presId="urn:microsoft.com/office/officeart/2005/8/layout/list1"/>
     <dgm:cxn modelId="{A2D5F934-678C-47F1-9A9C-920BD8653A5B}" type="presParOf" srcId="{01FF8158-6F41-4959-BCA2-6C21285C354A}" destId="{649FE80B-A924-4D97-A872-5A76B8910674}" srcOrd="0" destOrd="0" presId="urn:microsoft.com/office/officeart/2005/8/layout/list1"/>
     <dgm:cxn modelId="{DD6DD014-203E-4747-A27E-AD22F51434C3}" type="presParOf" srcId="{649FE80B-A924-4D97-A872-5A76B8910674}" destId="{1812CB78-1010-4B43-93FB-3F72970AF1A7}" srcOrd="0" destOrd="0" presId="urn:microsoft.com/office/officeart/2005/8/layout/list1"/>
@@ -1984,7 +2017,11 @@
         <a:p>
           <a:r>
             <a:rPr lang="en-US" smtClean="0"/>
-            <a:t>5. Demo</a:t>
+            <a:t>5. </a:t>
+          </a:r>
+          <a:r>
+            <a:rPr lang="en-US" smtClean="0"/>
+            <a:t>Kết luận</a:t>
           </a:r>
           <a:endParaRPr lang="en-US"/>
         </a:p>
@@ -2021,7 +2058,11 @@
         <a:p>
           <a:r>
             <a:rPr lang="en-US" smtClean="0"/>
-            <a:t>6. Kết luận</a:t>
+            <a:t>6. </a:t>
+          </a:r>
+          <a:r>
+            <a:rPr lang="en-US" smtClean="0"/>
+            <a:t>Demo</a:t>
           </a:r>
           <a:endParaRPr lang="en-US"/>
         </a:p>
@@ -2058,6 +2099,13 @@
         </dgm:presLayoutVars>
       </dgm:prSet>
       <dgm:spPr/>
+      <dgm:t>
+        <a:bodyPr/>
+        <a:lstStyle/>
+        <a:p>
+          <a:endParaRPr lang="en-US"/>
+        </a:p>
+      </dgm:t>
     </dgm:pt>
     <dgm:pt modelId="{7B67D5C5-8B38-4CB8-99E8-F31CFB060B52}" type="pres">
       <dgm:prSet presAssocID="{C0BA349B-25AE-47A2-A980-7172E394E8E4}" presName="parentLin" presStyleCnt="0"/>
@@ -2066,6 +2114,13 @@
     <dgm:pt modelId="{BE8457C3-98D1-4369-AC7F-AB0DE71C90F4}" type="pres">
       <dgm:prSet presAssocID="{C0BA349B-25AE-47A2-A980-7172E394E8E4}" presName="parentLeftMargin" presStyleLbl="node1" presStyleIdx="0" presStyleCnt="2"/>
       <dgm:spPr/>
+      <dgm:t>
+        <a:bodyPr/>
+        <a:lstStyle/>
+        <a:p>
+          <a:endParaRPr lang="en-US"/>
+        </a:p>
+      </dgm:t>
     </dgm:pt>
     <dgm:pt modelId="{F3AC5734-9A65-4EA1-9F87-8FA9BEEAE88F}" type="pres">
       <dgm:prSet presAssocID="{C0BA349B-25AE-47A2-A980-7172E394E8E4}" presName="parentText" presStyleLbl="node1" presStyleIdx="0" presStyleCnt="2">
@@ -2106,6 +2161,13 @@
     <dgm:pt modelId="{6E03645A-1594-4866-94D2-A9993ED12D3E}" type="pres">
       <dgm:prSet presAssocID="{56FA8F81-C237-4264-9A6A-84A63B80A647}" presName="parentLeftMargin" presStyleLbl="node1" presStyleIdx="0" presStyleCnt="2"/>
       <dgm:spPr/>
+      <dgm:t>
+        <a:bodyPr/>
+        <a:lstStyle/>
+        <a:p>
+          <a:endParaRPr lang="en-US"/>
+        </a:p>
+      </dgm:t>
     </dgm:pt>
     <dgm:pt modelId="{6A40638A-D461-4D94-B38C-882B5AE6A179}" type="pres">
       <dgm:prSet presAssocID="{56FA8F81-C237-4264-9A6A-84A63B80A647}" presName="parentText" presStyleLbl="node1" presStyleIdx="1" presStyleCnt="2">
@@ -2137,13 +2199,13 @@
     </dgm:pt>
   </dgm:ptLst>
   <dgm:cxnLst>
+    <dgm:cxn modelId="{5E769A5E-FCF1-4FFE-A565-EBC665EBB3D3}" type="presOf" srcId="{56FA8F81-C237-4264-9A6A-84A63B80A647}" destId="{6E03645A-1594-4866-94D2-A9993ED12D3E}" srcOrd="0" destOrd="0" presId="urn:microsoft.com/office/officeart/2005/8/layout/list1"/>
+    <dgm:cxn modelId="{00C085FB-CFD7-4D35-BFE7-2E23E532F23B}" srcId="{1E68B099-7C36-4EF6-929B-F3DB03DDCAC3}" destId="{C0BA349B-25AE-47A2-A980-7172E394E8E4}" srcOrd="0" destOrd="0" parTransId="{98DEFAB6-5600-41D9-99E9-3C78B813DFE6}" sibTransId="{4B7E3DE8-787D-4301-B785-C1CC847186BF}"/>
     <dgm:cxn modelId="{84D2EBA6-BBFE-44D6-A8B0-D30D1738AE8D}" type="presOf" srcId="{C0BA349B-25AE-47A2-A980-7172E394E8E4}" destId="{BE8457C3-98D1-4369-AC7F-AB0DE71C90F4}" srcOrd="0" destOrd="0" presId="urn:microsoft.com/office/officeart/2005/8/layout/list1"/>
     <dgm:cxn modelId="{C4A45DC7-33BC-4E83-B912-9C18383BD95C}" type="presOf" srcId="{C0BA349B-25AE-47A2-A980-7172E394E8E4}" destId="{F3AC5734-9A65-4EA1-9F87-8FA9BEEAE88F}" srcOrd="1" destOrd="0" presId="urn:microsoft.com/office/officeart/2005/8/layout/list1"/>
     <dgm:cxn modelId="{4AD86D39-88EA-4F80-B55C-05BEA48C9F78}" type="presOf" srcId="{1E68B099-7C36-4EF6-929B-F3DB03DDCAC3}" destId="{01FF8158-6F41-4959-BCA2-6C21285C354A}" srcOrd="0" destOrd="0" presId="urn:microsoft.com/office/officeart/2005/8/layout/list1"/>
+    <dgm:cxn modelId="{7D484BD5-4239-4D3C-8E92-19E602B6C673}" type="presOf" srcId="{56FA8F81-C237-4264-9A6A-84A63B80A647}" destId="{6A40638A-D461-4D94-B38C-882B5AE6A179}" srcOrd="1" destOrd="0" presId="urn:microsoft.com/office/officeart/2005/8/layout/list1"/>
     <dgm:cxn modelId="{E0EF321A-77DE-4352-B73E-F9FA7481685E}" srcId="{1E68B099-7C36-4EF6-929B-F3DB03DDCAC3}" destId="{56FA8F81-C237-4264-9A6A-84A63B80A647}" srcOrd="1" destOrd="0" parTransId="{1341E1A1-651A-4B10-8D62-A3AAFFB1502D}" sibTransId="{7BC0761C-D214-4917-8B77-FE1BFE50B59B}"/>
-    <dgm:cxn modelId="{00C085FB-CFD7-4D35-BFE7-2E23E532F23B}" srcId="{1E68B099-7C36-4EF6-929B-F3DB03DDCAC3}" destId="{C0BA349B-25AE-47A2-A980-7172E394E8E4}" srcOrd="0" destOrd="0" parTransId="{98DEFAB6-5600-41D9-99E9-3C78B813DFE6}" sibTransId="{4B7E3DE8-787D-4301-B785-C1CC847186BF}"/>
-    <dgm:cxn modelId="{5E769A5E-FCF1-4FFE-A565-EBC665EBB3D3}" type="presOf" srcId="{56FA8F81-C237-4264-9A6A-84A63B80A647}" destId="{6E03645A-1594-4866-94D2-A9993ED12D3E}" srcOrd="0" destOrd="0" presId="urn:microsoft.com/office/officeart/2005/8/layout/list1"/>
-    <dgm:cxn modelId="{7D484BD5-4239-4D3C-8E92-19E602B6C673}" type="presOf" srcId="{56FA8F81-C237-4264-9A6A-84A63B80A647}" destId="{6A40638A-D461-4D94-B38C-882B5AE6A179}" srcOrd="1" destOrd="0" presId="urn:microsoft.com/office/officeart/2005/8/layout/list1"/>
     <dgm:cxn modelId="{2CC70E12-DA0E-47A7-85CD-768E47E9E390}" type="presParOf" srcId="{01FF8158-6F41-4959-BCA2-6C21285C354A}" destId="{7B67D5C5-8B38-4CB8-99E8-F31CFB060B52}" srcOrd="0" destOrd="0" presId="urn:microsoft.com/office/officeart/2005/8/layout/list1"/>
     <dgm:cxn modelId="{E74DA251-A836-4224-94AE-CBB7E2C04728}" type="presParOf" srcId="{7B67D5C5-8B38-4CB8-99E8-F31CFB060B52}" destId="{BE8457C3-98D1-4369-AC7F-AB0DE71C90F4}" srcOrd="0" destOrd="0" presId="urn:microsoft.com/office/officeart/2005/8/layout/list1"/>
     <dgm:cxn modelId="{33E7DCA2-911C-426F-B84C-D7102B2193AB}" type="presParOf" srcId="{7B67D5C5-8B38-4CB8-99E8-F31CFB060B52}" destId="{F3AC5734-9A65-4EA1-9F87-8FA9BEEAE88F}" srcOrd="1" destOrd="0" presId="urn:microsoft.com/office/officeart/2005/8/layout/list1"/>
@@ -2676,7 +2738,11 @@
           </a:pPr>
           <a:r>
             <a:rPr lang="en-US" sz="1900" kern="1200" smtClean="0"/>
-            <a:t>5. Demo</a:t>
+            <a:t>5. </a:t>
+          </a:r>
+          <a:r>
+            <a:rPr lang="en-US" sz="1900" kern="1200" smtClean="0"/>
+            <a:t>Kết luận</a:t>
           </a:r>
           <a:endParaRPr lang="en-US" sz="1900" kern="1200"/>
         </a:p>
@@ -2801,7 +2867,11 @@
           </a:pPr>
           <a:r>
             <a:rPr lang="en-US" sz="1900" kern="1200" smtClean="0"/>
-            <a:t>6. Kết luận</a:t>
+            <a:t>6. </a:t>
+          </a:r>
+          <a:r>
+            <a:rPr lang="en-US" sz="1900" kern="1200" smtClean="0"/>
+            <a:t>Demo</a:t>
           </a:r>
           <a:endParaRPr lang="en-US" sz="1900" kern="1200"/>
         </a:p>
@@ -5982,7 +6052,7 @@
     </p:spTree>
     <p:extLst>
       <p:ext uri="{BB962C8B-B14F-4D97-AF65-F5344CB8AC3E}">
-        <p14:creationId xmlns:p14="http://schemas.microsoft.com/office/powerpoint/2010/main" val="4276224470"/>
+        <p14:creationId xmlns:p14="http://schemas.microsoft.com/office/powerpoint/2010/main" val="1438407115"/>
       </p:ext>
     </p:extLst>
   </p:cSld>
@@ -6091,7 +6161,552 @@
     </p:spTree>
     <p:extLst>
       <p:ext uri="{BB962C8B-B14F-4D97-AF65-F5344CB8AC3E}">
+        <p14:creationId xmlns:p14="http://schemas.microsoft.com/office/powerpoint/2010/main" val="51736305"/>
+      </p:ext>
+    </p:extLst>
+  </p:cSld>
+  <p:clrMapOvr>
+    <a:masterClrMapping/>
+  </p:clrMapOvr>
+</p:notes>
+</file>
+
+<file path=ppt/notesSlides/notesSlide12.xml><?xml version="1.0" encoding="utf-8"?>
+<p:notes xmlns:a="http://schemas.openxmlformats.org/drawingml/2006/main" xmlns:r="http://schemas.openxmlformats.org/officeDocument/2006/relationships" xmlns:p="http://schemas.openxmlformats.org/presentationml/2006/main" showMasterSp="0" showMasterPhAnim="0">
+  <p:cSld>
+    <p:spTree>
+      <p:nvGrpSpPr>
+        <p:cNvPr id="1" name="Shape 59"/>
+        <p:cNvGrpSpPr/>
+        <p:nvPr/>
+      </p:nvGrpSpPr>
+      <p:grpSpPr>
+        <a:xfrm>
+          <a:off x="0" y="0"/>
+          <a:ext cx="0" cy="0"/>
+          <a:chOff x="0" y="0"/>
+          <a:chExt cx="0" cy="0"/>
+        </a:xfrm>
+      </p:grpSpPr>
+      <p:sp>
+        <p:nvSpPr>
+          <p:cNvPr id="60" name="Google Shape;60;g3606f1c2d_30:notes"/>
+          <p:cNvSpPr>
+            <a:spLocks noGrp="1" noRot="1" noChangeAspect="1"/>
+          </p:cNvSpPr>
+          <p:nvPr>
+            <p:ph type="sldImg" idx="2"/>
+          </p:nvPr>
+        </p:nvSpPr>
+        <p:spPr>
+          <a:xfrm>
+            <a:off x="381000" y="685800"/>
+            <a:ext cx="6096000" cy="3429000"/>
+          </a:xfrm>
+          <a:custGeom>
+            <a:avLst/>
+            <a:gdLst/>
+            <a:ahLst/>
+            <a:cxnLst/>
+            <a:rect l="l" t="t" r="r" b="b"/>
+            <a:pathLst>
+              <a:path w="120000" h="120000" extrusionOk="0">
+                <a:moveTo>
+                  <a:pt x="0" y="0"/>
+                </a:moveTo>
+                <a:lnTo>
+                  <a:pt x="120000" y="0"/>
+                </a:lnTo>
+                <a:lnTo>
+                  <a:pt x="120000" y="120000"/>
+                </a:lnTo>
+                <a:lnTo>
+                  <a:pt x="0" y="120000"/>
+                </a:lnTo>
+                <a:close/>
+              </a:path>
+            </a:pathLst>
+          </a:custGeom>
+        </p:spPr>
+      </p:sp>
+      <p:sp>
+        <p:nvSpPr>
+          <p:cNvPr id="61" name="Google Shape;61;g3606f1c2d_30:notes"/>
+          <p:cNvSpPr txBox="1">
+            <a:spLocks noGrp="1"/>
+          </p:cNvSpPr>
+          <p:nvPr>
+            <p:ph type="body" idx="1"/>
+          </p:nvPr>
+        </p:nvSpPr>
+        <p:spPr>
+          <a:xfrm>
+            <a:off x="685800" y="4343400"/>
+            <a:ext cx="5486400" cy="4114800"/>
+          </a:xfrm>
+          <a:prstGeom prst="rect">
+            <a:avLst/>
+          </a:prstGeom>
+        </p:spPr>
+        <p:txBody>
+          <a:bodyPr spcFirstLastPara="1" wrap="square" lIns="91425" tIns="91425" rIns="91425" bIns="91425" anchor="t" anchorCtr="0">
+            <a:noAutofit/>
+          </a:bodyPr>
+          <a:lstStyle/>
+          <a:p>
+            <a:pPr marL="0" lvl="0" indent="0" algn="l" rtl="0">
+              <a:spcBef>
+                <a:spcPts val="0"/>
+              </a:spcBef>
+              <a:spcAft>
+                <a:spcPts val="0"/>
+              </a:spcAft>
+              <a:buNone/>
+            </a:pPr>
+            <a:endParaRPr/>
+          </a:p>
+        </p:txBody>
+      </p:sp>
+    </p:spTree>
+    <p:extLst>
+      <p:ext uri="{BB962C8B-B14F-4D97-AF65-F5344CB8AC3E}">
+        <p14:creationId xmlns:p14="http://schemas.microsoft.com/office/powerpoint/2010/main" val="2043452419"/>
+      </p:ext>
+    </p:extLst>
+  </p:cSld>
+  <p:clrMapOvr>
+    <a:masterClrMapping/>
+  </p:clrMapOvr>
+</p:notes>
+</file>
+
+<file path=ppt/notesSlides/notesSlide13.xml><?xml version="1.0" encoding="utf-8"?>
+<p:notes xmlns:a="http://schemas.openxmlformats.org/drawingml/2006/main" xmlns:r="http://schemas.openxmlformats.org/officeDocument/2006/relationships" xmlns:p="http://schemas.openxmlformats.org/presentationml/2006/main" showMasterSp="0" showMasterPhAnim="0">
+  <p:cSld>
+    <p:spTree>
+      <p:nvGrpSpPr>
+        <p:cNvPr id="1" name="Shape 59"/>
+        <p:cNvGrpSpPr/>
+        <p:nvPr/>
+      </p:nvGrpSpPr>
+      <p:grpSpPr>
+        <a:xfrm>
+          <a:off x="0" y="0"/>
+          <a:ext cx="0" cy="0"/>
+          <a:chOff x="0" y="0"/>
+          <a:chExt cx="0" cy="0"/>
+        </a:xfrm>
+      </p:grpSpPr>
+      <p:sp>
+        <p:nvSpPr>
+          <p:cNvPr id="60" name="Google Shape;60;g3606f1c2d_30:notes"/>
+          <p:cNvSpPr>
+            <a:spLocks noGrp="1" noRot="1" noChangeAspect="1"/>
+          </p:cNvSpPr>
+          <p:nvPr>
+            <p:ph type="sldImg" idx="2"/>
+          </p:nvPr>
+        </p:nvSpPr>
+        <p:spPr>
+          <a:xfrm>
+            <a:off x="381000" y="685800"/>
+            <a:ext cx="6096000" cy="3429000"/>
+          </a:xfrm>
+          <a:custGeom>
+            <a:avLst/>
+            <a:gdLst/>
+            <a:ahLst/>
+            <a:cxnLst/>
+            <a:rect l="l" t="t" r="r" b="b"/>
+            <a:pathLst>
+              <a:path w="120000" h="120000" extrusionOk="0">
+                <a:moveTo>
+                  <a:pt x="0" y="0"/>
+                </a:moveTo>
+                <a:lnTo>
+                  <a:pt x="120000" y="0"/>
+                </a:lnTo>
+                <a:lnTo>
+                  <a:pt x="120000" y="120000"/>
+                </a:lnTo>
+                <a:lnTo>
+                  <a:pt x="0" y="120000"/>
+                </a:lnTo>
+                <a:close/>
+              </a:path>
+            </a:pathLst>
+          </a:custGeom>
+        </p:spPr>
+      </p:sp>
+      <p:sp>
+        <p:nvSpPr>
+          <p:cNvPr id="61" name="Google Shape;61;g3606f1c2d_30:notes"/>
+          <p:cNvSpPr txBox="1">
+            <a:spLocks noGrp="1"/>
+          </p:cNvSpPr>
+          <p:nvPr>
+            <p:ph type="body" idx="1"/>
+          </p:nvPr>
+        </p:nvSpPr>
+        <p:spPr>
+          <a:xfrm>
+            <a:off x="685800" y="4343400"/>
+            <a:ext cx="5486400" cy="4114800"/>
+          </a:xfrm>
+          <a:prstGeom prst="rect">
+            <a:avLst/>
+          </a:prstGeom>
+        </p:spPr>
+        <p:txBody>
+          <a:bodyPr spcFirstLastPara="1" wrap="square" lIns="91425" tIns="91425" rIns="91425" bIns="91425" anchor="t" anchorCtr="0">
+            <a:noAutofit/>
+          </a:bodyPr>
+          <a:lstStyle/>
+          <a:p>
+            <a:pPr marL="0" lvl="0" indent="0" algn="l" rtl="0">
+              <a:spcBef>
+                <a:spcPts val="0"/>
+              </a:spcBef>
+              <a:spcAft>
+                <a:spcPts val="0"/>
+              </a:spcAft>
+              <a:buNone/>
+            </a:pPr>
+            <a:endParaRPr/>
+          </a:p>
+        </p:txBody>
+      </p:sp>
+    </p:spTree>
+    <p:extLst>
+      <p:ext uri="{BB962C8B-B14F-4D97-AF65-F5344CB8AC3E}">
+        <p14:creationId xmlns:p14="http://schemas.microsoft.com/office/powerpoint/2010/main" val="3584674932"/>
+      </p:ext>
+    </p:extLst>
+  </p:cSld>
+  <p:clrMapOvr>
+    <a:masterClrMapping/>
+  </p:clrMapOvr>
+</p:notes>
+</file>
+
+<file path=ppt/notesSlides/notesSlide14.xml><?xml version="1.0" encoding="utf-8"?>
+<p:notes xmlns:a="http://schemas.openxmlformats.org/drawingml/2006/main" xmlns:r="http://schemas.openxmlformats.org/officeDocument/2006/relationships" xmlns:p="http://schemas.openxmlformats.org/presentationml/2006/main" showMasterSp="0" showMasterPhAnim="0">
+  <p:cSld>
+    <p:spTree>
+      <p:nvGrpSpPr>
+        <p:cNvPr id="1" name="Shape 59"/>
+        <p:cNvGrpSpPr/>
+        <p:nvPr/>
+      </p:nvGrpSpPr>
+      <p:grpSpPr>
+        <a:xfrm>
+          <a:off x="0" y="0"/>
+          <a:ext cx="0" cy="0"/>
+          <a:chOff x="0" y="0"/>
+          <a:chExt cx="0" cy="0"/>
+        </a:xfrm>
+      </p:grpSpPr>
+      <p:sp>
+        <p:nvSpPr>
+          <p:cNvPr id="60" name="Google Shape;60;g3606f1c2d_30:notes"/>
+          <p:cNvSpPr>
+            <a:spLocks noGrp="1" noRot="1" noChangeAspect="1"/>
+          </p:cNvSpPr>
+          <p:nvPr>
+            <p:ph type="sldImg" idx="2"/>
+          </p:nvPr>
+        </p:nvSpPr>
+        <p:spPr>
+          <a:xfrm>
+            <a:off x="381000" y="685800"/>
+            <a:ext cx="6096000" cy="3429000"/>
+          </a:xfrm>
+          <a:custGeom>
+            <a:avLst/>
+            <a:gdLst/>
+            <a:ahLst/>
+            <a:cxnLst/>
+            <a:rect l="l" t="t" r="r" b="b"/>
+            <a:pathLst>
+              <a:path w="120000" h="120000" extrusionOk="0">
+                <a:moveTo>
+                  <a:pt x="0" y="0"/>
+                </a:moveTo>
+                <a:lnTo>
+                  <a:pt x="120000" y="0"/>
+                </a:lnTo>
+                <a:lnTo>
+                  <a:pt x="120000" y="120000"/>
+                </a:lnTo>
+                <a:lnTo>
+                  <a:pt x="0" y="120000"/>
+                </a:lnTo>
+                <a:close/>
+              </a:path>
+            </a:pathLst>
+          </a:custGeom>
+        </p:spPr>
+      </p:sp>
+      <p:sp>
+        <p:nvSpPr>
+          <p:cNvPr id="61" name="Google Shape;61;g3606f1c2d_30:notes"/>
+          <p:cNvSpPr txBox="1">
+            <a:spLocks noGrp="1"/>
+          </p:cNvSpPr>
+          <p:nvPr>
+            <p:ph type="body" idx="1"/>
+          </p:nvPr>
+        </p:nvSpPr>
+        <p:spPr>
+          <a:xfrm>
+            <a:off x="685800" y="4343400"/>
+            <a:ext cx="5486400" cy="4114800"/>
+          </a:xfrm>
+          <a:prstGeom prst="rect">
+            <a:avLst/>
+          </a:prstGeom>
+        </p:spPr>
+        <p:txBody>
+          <a:bodyPr spcFirstLastPara="1" wrap="square" lIns="91425" tIns="91425" rIns="91425" bIns="91425" anchor="t" anchorCtr="0">
+            <a:noAutofit/>
+          </a:bodyPr>
+          <a:lstStyle/>
+          <a:p>
+            <a:pPr marL="0" lvl="0" indent="0" algn="l" rtl="0">
+              <a:spcBef>
+                <a:spcPts val="0"/>
+              </a:spcBef>
+              <a:spcAft>
+                <a:spcPts val="0"/>
+              </a:spcAft>
+              <a:buNone/>
+            </a:pPr>
+            <a:endParaRPr/>
+          </a:p>
+        </p:txBody>
+      </p:sp>
+    </p:spTree>
+    <p:extLst>
+      <p:ext uri="{BB962C8B-B14F-4D97-AF65-F5344CB8AC3E}">
+        <p14:creationId xmlns:p14="http://schemas.microsoft.com/office/powerpoint/2010/main" val="2870052458"/>
+      </p:ext>
+    </p:extLst>
+  </p:cSld>
+  <p:clrMapOvr>
+    <a:masterClrMapping/>
+  </p:clrMapOvr>
+</p:notes>
+</file>
+
+<file path=ppt/notesSlides/notesSlide15.xml><?xml version="1.0" encoding="utf-8"?>
+<p:notes xmlns:a="http://schemas.openxmlformats.org/drawingml/2006/main" xmlns:r="http://schemas.openxmlformats.org/officeDocument/2006/relationships" xmlns:p="http://schemas.openxmlformats.org/presentationml/2006/main" showMasterSp="0" showMasterPhAnim="0">
+  <p:cSld>
+    <p:spTree>
+      <p:nvGrpSpPr>
+        <p:cNvPr id="1" name="Shape 59"/>
+        <p:cNvGrpSpPr/>
+        <p:nvPr/>
+      </p:nvGrpSpPr>
+      <p:grpSpPr>
+        <a:xfrm>
+          <a:off x="0" y="0"/>
+          <a:ext cx="0" cy="0"/>
+          <a:chOff x="0" y="0"/>
+          <a:chExt cx="0" cy="0"/>
+        </a:xfrm>
+      </p:grpSpPr>
+      <p:sp>
+        <p:nvSpPr>
+          <p:cNvPr id="60" name="Google Shape;60;g3606f1c2d_30:notes"/>
+          <p:cNvSpPr>
+            <a:spLocks noGrp="1" noRot="1" noChangeAspect="1"/>
+          </p:cNvSpPr>
+          <p:nvPr>
+            <p:ph type="sldImg" idx="2"/>
+          </p:nvPr>
+        </p:nvSpPr>
+        <p:spPr>
+          <a:xfrm>
+            <a:off x="381000" y="685800"/>
+            <a:ext cx="6096000" cy="3429000"/>
+          </a:xfrm>
+          <a:custGeom>
+            <a:avLst/>
+            <a:gdLst/>
+            <a:ahLst/>
+            <a:cxnLst/>
+            <a:rect l="l" t="t" r="r" b="b"/>
+            <a:pathLst>
+              <a:path w="120000" h="120000" extrusionOk="0">
+                <a:moveTo>
+                  <a:pt x="0" y="0"/>
+                </a:moveTo>
+                <a:lnTo>
+                  <a:pt x="120000" y="0"/>
+                </a:lnTo>
+                <a:lnTo>
+                  <a:pt x="120000" y="120000"/>
+                </a:lnTo>
+                <a:lnTo>
+                  <a:pt x="0" y="120000"/>
+                </a:lnTo>
+                <a:close/>
+              </a:path>
+            </a:pathLst>
+          </a:custGeom>
+        </p:spPr>
+      </p:sp>
+      <p:sp>
+        <p:nvSpPr>
+          <p:cNvPr id="61" name="Google Shape;61;g3606f1c2d_30:notes"/>
+          <p:cNvSpPr txBox="1">
+            <a:spLocks noGrp="1"/>
+          </p:cNvSpPr>
+          <p:nvPr>
+            <p:ph type="body" idx="1"/>
+          </p:nvPr>
+        </p:nvSpPr>
+        <p:spPr>
+          <a:xfrm>
+            <a:off x="685800" y="4343400"/>
+            <a:ext cx="5486400" cy="4114800"/>
+          </a:xfrm>
+          <a:prstGeom prst="rect">
+            <a:avLst/>
+          </a:prstGeom>
+        </p:spPr>
+        <p:txBody>
+          <a:bodyPr spcFirstLastPara="1" wrap="square" lIns="91425" tIns="91425" rIns="91425" bIns="91425" anchor="t" anchorCtr="0">
+            <a:noAutofit/>
+          </a:bodyPr>
+          <a:lstStyle/>
+          <a:p>
+            <a:pPr marL="0" lvl="0" indent="0" algn="l" rtl="0">
+              <a:spcBef>
+                <a:spcPts val="0"/>
+              </a:spcBef>
+              <a:spcAft>
+                <a:spcPts val="0"/>
+              </a:spcAft>
+              <a:buNone/>
+            </a:pPr>
+            <a:endParaRPr/>
+          </a:p>
+        </p:txBody>
+      </p:sp>
+    </p:spTree>
+    <p:extLst>
+      <p:ext uri="{BB962C8B-B14F-4D97-AF65-F5344CB8AC3E}">
         <p14:creationId xmlns:p14="http://schemas.microsoft.com/office/powerpoint/2010/main" val="880820475"/>
+      </p:ext>
+    </p:extLst>
+  </p:cSld>
+  <p:clrMapOvr>
+    <a:masterClrMapping/>
+  </p:clrMapOvr>
+</p:notes>
+</file>
+
+<file path=ppt/notesSlides/notesSlide16.xml><?xml version="1.0" encoding="utf-8"?>
+<p:notes xmlns:a="http://schemas.openxmlformats.org/drawingml/2006/main" xmlns:r="http://schemas.openxmlformats.org/officeDocument/2006/relationships" xmlns:p="http://schemas.openxmlformats.org/presentationml/2006/main" showMasterSp="0" showMasterPhAnim="0">
+  <p:cSld>
+    <p:spTree>
+      <p:nvGrpSpPr>
+        <p:cNvPr id="1" name="Shape 59"/>
+        <p:cNvGrpSpPr/>
+        <p:nvPr/>
+      </p:nvGrpSpPr>
+      <p:grpSpPr>
+        <a:xfrm>
+          <a:off x="0" y="0"/>
+          <a:ext cx="0" cy="0"/>
+          <a:chOff x="0" y="0"/>
+          <a:chExt cx="0" cy="0"/>
+        </a:xfrm>
+      </p:grpSpPr>
+      <p:sp>
+        <p:nvSpPr>
+          <p:cNvPr id="60" name="Google Shape;60;g3606f1c2d_30:notes"/>
+          <p:cNvSpPr>
+            <a:spLocks noGrp="1" noRot="1" noChangeAspect="1"/>
+          </p:cNvSpPr>
+          <p:nvPr>
+            <p:ph type="sldImg" idx="2"/>
+          </p:nvPr>
+        </p:nvSpPr>
+        <p:spPr>
+          <a:xfrm>
+            <a:off x="381000" y="685800"/>
+            <a:ext cx="6096000" cy="3429000"/>
+          </a:xfrm>
+          <a:custGeom>
+            <a:avLst/>
+            <a:gdLst/>
+            <a:ahLst/>
+            <a:cxnLst/>
+            <a:rect l="l" t="t" r="r" b="b"/>
+            <a:pathLst>
+              <a:path w="120000" h="120000" extrusionOk="0">
+                <a:moveTo>
+                  <a:pt x="0" y="0"/>
+                </a:moveTo>
+                <a:lnTo>
+                  <a:pt x="120000" y="0"/>
+                </a:lnTo>
+                <a:lnTo>
+                  <a:pt x="120000" y="120000"/>
+                </a:lnTo>
+                <a:lnTo>
+                  <a:pt x="0" y="120000"/>
+                </a:lnTo>
+                <a:close/>
+              </a:path>
+            </a:pathLst>
+          </a:custGeom>
+        </p:spPr>
+      </p:sp>
+      <p:sp>
+        <p:nvSpPr>
+          <p:cNvPr id="61" name="Google Shape;61;g3606f1c2d_30:notes"/>
+          <p:cNvSpPr txBox="1">
+            <a:spLocks noGrp="1"/>
+          </p:cNvSpPr>
+          <p:nvPr>
+            <p:ph type="body" idx="1"/>
+          </p:nvPr>
+        </p:nvSpPr>
+        <p:spPr>
+          <a:xfrm>
+            <a:off x="685800" y="4343400"/>
+            <a:ext cx="5486400" cy="4114800"/>
+          </a:xfrm>
+          <a:prstGeom prst="rect">
+            <a:avLst/>
+          </a:prstGeom>
+        </p:spPr>
+        <p:txBody>
+          <a:bodyPr spcFirstLastPara="1" wrap="square" lIns="91425" tIns="91425" rIns="91425" bIns="91425" anchor="t" anchorCtr="0">
+            <a:noAutofit/>
+          </a:bodyPr>
+          <a:lstStyle/>
+          <a:p>
+            <a:pPr marL="0" lvl="0" indent="0" algn="l" rtl="0">
+              <a:spcBef>
+                <a:spcPts val="0"/>
+              </a:spcBef>
+              <a:spcAft>
+                <a:spcPts val="0"/>
+              </a:spcAft>
+              <a:buNone/>
+            </a:pPr>
+            <a:endParaRPr/>
+          </a:p>
+        </p:txBody>
+      </p:sp>
+    </p:spTree>
+    <p:extLst>
+      <p:ext uri="{BB962C8B-B14F-4D97-AF65-F5344CB8AC3E}">
+        <p14:creationId xmlns:p14="http://schemas.microsoft.com/office/powerpoint/2010/main" val="4276224470"/>
       </p:ext>
     </p:extLst>
   </p:cSld>
@@ -6527,7 +7142,7 @@
     </p:spTree>
     <p:extLst>
       <p:ext uri="{BB962C8B-B14F-4D97-AF65-F5344CB8AC3E}">
-        <p14:creationId xmlns:p14="http://schemas.microsoft.com/office/powerpoint/2010/main" val="1438407115"/>
+        <p14:creationId xmlns:p14="http://schemas.microsoft.com/office/powerpoint/2010/main" val="2159512697"/>
       </p:ext>
     </p:extLst>
   </p:cSld>
@@ -6636,7 +7251,7 @@
     </p:spTree>
     <p:extLst>
       <p:ext uri="{BB962C8B-B14F-4D97-AF65-F5344CB8AC3E}">
-        <p14:creationId xmlns:p14="http://schemas.microsoft.com/office/powerpoint/2010/main" val="51736305"/>
+        <p14:creationId xmlns:p14="http://schemas.microsoft.com/office/powerpoint/2010/main" val="1347518288"/>
       </p:ext>
     </p:extLst>
   </p:cSld>
@@ -6745,7 +7360,7 @@
     </p:spTree>
     <p:extLst>
       <p:ext uri="{BB962C8B-B14F-4D97-AF65-F5344CB8AC3E}">
-        <p14:creationId xmlns:p14="http://schemas.microsoft.com/office/powerpoint/2010/main" val="2043452419"/>
+        <p14:creationId xmlns:p14="http://schemas.microsoft.com/office/powerpoint/2010/main" val="2836651262"/>
       </p:ext>
     </p:extLst>
   </p:cSld>
@@ -6854,7 +7469,7 @@
     </p:spTree>
     <p:extLst>
       <p:ext uri="{BB962C8B-B14F-4D97-AF65-F5344CB8AC3E}">
-        <p14:creationId xmlns:p14="http://schemas.microsoft.com/office/powerpoint/2010/main" val="3584674932"/>
+        <p14:creationId xmlns:p14="http://schemas.microsoft.com/office/powerpoint/2010/main" val="1479104683"/>
       </p:ext>
     </p:extLst>
   </p:cSld>
@@ -6963,7 +7578,7 @@
     </p:spTree>
     <p:extLst>
       <p:ext uri="{BB962C8B-B14F-4D97-AF65-F5344CB8AC3E}">
-        <p14:creationId xmlns:p14="http://schemas.microsoft.com/office/powerpoint/2010/main" val="2870052458"/>
+        <p14:creationId xmlns:p14="http://schemas.microsoft.com/office/powerpoint/2010/main" val="4231821648"/>
       </p:ext>
     </p:extLst>
   </p:cSld>
@@ -7198,7 +7813,7 @@
             <a:fld id="{5586B75A-687E-405C-8A0B-8D00578BA2C3}" type="datetimeFigureOut">
               <a:rPr lang="en-US" dirty="0"/>
               <a:pPr/>
-              <a:t>3/28/2022</a:t>
+              <a:t>3/30/2022</a:t>
             </a:fld>
             <a:endParaRPr lang="en-US" dirty="0"/>
           </a:p>
@@ -7379,7 +7994,7 @@
             <a:fld id="{5586B75A-687E-405C-8A0B-8D00578BA2C3}" type="datetimeFigureOut">
               <a:rPr lang="en-US" dirty="0"/>
               <a:pPr/>
-              <a:t>3/28/2022</a:t>
+              <a:t>3/30/2022</a:t>
             </a:fld>
             <a:endParaRPr lang="en-US" dirty="0"/>
           </a:p>
@@ -7570,7 +8185,7 @@
             <a:fld id="{5586B75A-687E-405C-8A0B-8D00578BA2C3}" type="datetimeFigureOut">
               <a:rPr lang="en-US" dirty="0"/>
               <a:pPr/>
-              <a:t>3/28/2022</a:t>
+              <a:t>3/30/2022</a:t>
             </a:fld>
             <a:endParaRPr lang="en-US" dirty="0"/>
           </a:p>
@@ -8356,7 +8971,7 @@
             <a:fld id="{5586B75A-687E-405C-8A0B-8D00578BA2C3}" type="datetimeFigureOut">
               <a:rPr lang="en-US" dirty="0"/>
               <a:pPr/>
-              <a:t>3/28/2022</a:t>
+              <a:t>3/30/2022</a:t>
             </a:fld>
             <a:endParaRPr lang="en-US" dirty="0"/>
           </a:p>
@@ -8625,7 +9240,7 @@
             <a:fld id="{5586B75A-687E-405C-8A0B-8D00578BA2C3}" type="datetimeFigureOut">
               <a:rPr lang="en-US" dirty="0"/>
               <a:pPr/>
-              <a:t>3/28/2022</a:t>
+              <a:t>3/30/2022</a:t>
             </a:fld>
             <a:endParaRPr lang="en-US" dirty="0"/>
           </a:p>
@@ -8924,7 +9539,7 @@
             <a:fld id="{5586B75A-687E-405C-8A0B-8D00578BA2C3}" type="datetimeFigureOut">
               <a:rPr lang="en-US" dirty="0"/>
               <a:pPr/>
-              <a:t>3/28/2022</a:t>
+              <a:t>3/30/2022</a:t>
             </a:fld>
             <a:endParaRPr lang="en-US" dirty="0"/>
           </a:p>
@@ -9377,7 +9992,7 @@
             <a:fld id="{5586B75A-687E-405C-8A0B-8D00578BA2C3}" type="datetimeFigureOut">
               <a:rPr lang="en-US" dirty="0"/>
               <a:pPr/>
-              <a:t>3/28/2022</a:t>
+              <a:t>3/30/2022</a:t>
             </a:fld>
             <a:endParaRPr lang="en-US" dirty="0"/>
           </a:p>
@@ -9506,7 +10121,7 @@
             <a:fld id="{5586B75A-687E-405C-8A0B-8D00578BA2C3}" type="datetimeFigureOut">
               <a:rPr lang="en-US" dirty="0"/>
               <a:pPr/>
-              <a:t>3/28/2022</a:t>
+              <a:t>3/30/2022</a:t>
             </a:fld>
             <a:endParaRPr lang="en-US" dirty="0"/>
           </a:p>
@@ -9612,7 +10227,7 @@
             <a:fld id="{5586B75A-687E-405C-8A0B-8D00578BA2C3}" type="datetimeFigureOut">
               <a:rPr lang="en-US" dirty="0"/>
               <a:pPr/>
-              <a:t>3/28/2022</a:t>
+              <a:t>3/30/2022</a:t>
             </a:fld>
             <a:endParaRPr lang="en-US" dirty="0"/>
           </a:p>
@@ -9911,7 +10526,7 @@
             <a:fld id="{5586B75A-687E-405C-8A0B-8D00578BA2C3}" type="datetimeFigureOut">
               <a:rPr lang="en-US" dirty="0"/>
               <a:pPr/>
-              <a:t>3/28/2022</a:t>
+              <a:t>3/30/2022</a:t>
             </a:fld>
             <a:endParaRPr lang="en-US" dirty="0"/>
           </a:p>
@@ -10195,7 +10810,7 @@
             <a:fld id="{5586B75A-687E-405C-8A0B-8D00578BA2C3}" type="datetimeFigureOut">
               <a:rPr lang="en-US" dirty="0"/>
               <a:pPr/>
-              <a:t>3/28/2022</a:t>
+              <a:t>3/30/2022</a:t>
             </a:fld>
             <a:endParaRPr lang="en-US" dirty="0"/>
           </a:p>
@@ -10503,7 +11118,7 @@
             <a:fld id="{5586B75A-687E-405C-8A0B-8D00578BA2C3}" type="datetimeFigureOut">
               <a:rPr lang="en-US" dirty="0"/>
               <a:pPr/>
-              <a:t>3/28/2022</a:t>
+              <a:t>3/30/2022</a:t>
             </a:fld>
             <a:endParaRPr lang="en-US" dirty="0"/>
           </a:p>
@@ -11137,15 +11752,7 @@
                   <a:schemeClr val="bg1"/>
                 </a:solidFill>
               </a:rPr>
-              <a:t>XÂY DỰNG MÔ HÌNH HỆ TƯ VẤN TÌM VIỆC ONLINE CHO SINH VIÊN TRONG TRẠNG THÁI BÌNH THƯỜNG </a:t>
-            </a:r>
-            <a:r>
-              <a:rPr lang="vi-VN" sz="1400" b="1" smtClean="0">
-                <a:solidFill>
-                  <a:schemeClr val="bg1"/>
-                </a:solidFill>
-              </a:rPr>
-              <a:t>MỚI</a:t>
+              <a:t>XÂY DỰNG MÔ HÌNH HỆ TƯ VẤN TÌM VIỆC ONLINE CHO SINH VIÊN TRONG TRẠNG THÁI BÌNH THƯỜNG MỚI</a:t>
             </a:r>
             <a:endParaRPr lang="en-US" sz="1400" b="1" smtClean="0">
               <a:solidFill>
@@ -11249,17 +11856,7 @@
                 <a:latin typeface="Times New Roman" panose="02020603050405020304" pitchFamily="18" charset="0"/>
                 <a:cs typeface="Times New Roman" panose="02020603050405020304" pitchFamily="18" charset="0"/>
               </a:rPr>
-              <a:t>Kim </a:t>
-            </a:r>
-            <a:r>
-              <a:rPr lang="en-US" sz="2000" smtClean="0">
-                <a:solidFill>
-                  <a:schemeClr val="bg1"/>
-                </a:solidFill>
-                <a:latin typeface="Times New Roman" panose="02020603050405020304" pitchFamily="18" charset="0"/>
-                <a:cs typeface="Times New Roman" panose="02020603050405020304" pitchFamily="18" charset="0"/>
-              </a:rPr>
-              <a:t>Chi</a:t>
+              <a:t>Kim Chi</a:t>
             </a:r>
           </a:p>
           <a:p>
@@ -11613,11 +12210,7 @@
             <a:pPr algn="ctr"/>
             <a:r>
               <a:rPr lang="vi-VN"/>
-              <a:t>Bảng dữ liệu chứa thông tin ngành nghề/công việc của nhà tuyển dụng, ứng viên và trường dữ </a:t>
-            </a:r>
-            <a:r>
-              <a:rPr lang="vi-VN"/>
-              <a:t>liệu </a:t>
+              <a:t>Bảng dữ liệu chứa thông tin ngành nghề/công việc của nhà tuyển dụng, ứng viên và trường dữ liệu </a:t>
             </a:r>
             <a:r>
               <a:rPr lang="vi-VN" smtClean="0"/>
@@ -12472,6 +13065,4643 @@
 <file path=ppt/slides/slide11.xml><?xml version="1.0" encoding="utf-8"?>
 <p:sld xmlns:a="http://schemas.openxmlformats.org/drawingml/2006/main" xmlns:r="http://schemas.openxmlformats.org/officeDocument/2006/relationships" xmlns:p="http://schemas.openxmlformats.org/presentationml/2006/main">
   <p:cSld>
+    <p:spTree>
+      <p:nvGrpSpPr>
+        <p:cNvPr id="1" name="Shape 62"/>
+        <p:cNvGrpSpPr/>
+        <p:nvPr/>
+      </p:nvGrpSpPr>
+      <p:grpSpPr>
+        <a:xfrm>
+          <a:off x="0" y="0"/>
+          <a:ext cx="0" cy="0"/>
+          <a:chOff x="0" y="0"/>
+          <a:chExt cx="0" cy="0"/>
+        </a:xfrm>
+      </p:grpSpPr>
+      <p:sp>
+        <p:nvSpPr>
+          <p:cNvPr id="63" name="Google Shape;63;p14"/>
+          <p:cNvSpPr txBox="1">
+            <a:spLocks noGrp="1"/>
+          </p:cNvSpPr>
+          <p:nvPr>
+            <p:ph type="title"/>
+          </p:nvPr>
+        </p:nvSpPr>
+        <p:spPr>
+          <a:xfrm>
+            <a:off x="217516" y="574531"/>
+            <a:ext cx="1700700" cy="2200199"/>
+          </a:xfrm>
+          <a:prstGeom prst="rect">
+            <a:avLst/>
+          </a:prstGeom>
+        </p:spPr>
+        <p:txBody>
+          <a:bodyPr spcFirstLastPara="1" wrap="square" lIns="91425" tIns="91425" rIns="91425" bIns="91425" anchor="t" anchorCtr="0">
+            <a:noAutofit/>
+          </a:bodyPr>
+          <a:lstStyle/>
+          <a:p>
+            <a:pPr marL="0" lvl="0" indent="0" algn="ctr" rtl="0">
+              <a:spcBef>
+                <a:spcPts val="0"/>
+              </a:spcBef>
+              <a:spcAft>
+                <a:spcPts val="0"/>
+              </a:spcAft>
+              <a:buNone/>
+            </a:pPr>
+            <a:r>
+              <a:rPr lang="en" sz="3000" dirty="0">
+                <a:latin typeface="Times New Roman" panose="02020603050405020304" pitchFamily="18" charset="0"/>
+                <a:cs typeface="Times New Roman" panose="02020603050405020304" pitchFamily="18" charset="0"/>
+              </a:rPr>
+              <a:t>4</a:t>
+            </a:r>
+            <a:r>
+              <a:rPr lang="en" sz="3000" smtClean="0">
+                <a:latin typeface="Times New Roman" panose="02020603050405020304" pitchFamily="18" charset="0"/>
+                <a:cs typeface="Times New Roman" panose="02020603050405020304" pitchFamily="18" charset="0"/>
+              </a:rPr>
+              <a:t>. Thực nghiệm</a:t>
+            </a:r>
+            <a:endParaRPr sz="3000" dirty="0">
+              <a:latin typeface="Times New Roman" panose="02020603050405020304" pitchFamily="18" charset="0"/>
+              <a:cs typeface="Times New Roman" panose="02020603050405020304" pitchFamily="18" charset="0"/>
+            </a:endParaRPr>
+          </a:p>
+        </p:txBody>
+      </p:sp>
+      <p:sp>
+        <p:nvSpPr>
+          <p:cNvPr id="73" name="Google Shape;73;p14"/>
+          <p:cNvSpPr txBox="1">
+            <a:spLocks noGrp="1"/>
+          </p:cNvSpPr>
+          <p:nvPr>
+            <p:ph type="sldNum" idx="12"/>
+          </p:nvPr>
+        </p:nvSpPr>
+        <p:spPr>
+          <a:prstGeom prst="rect">
+            <a:avLst/>
+          </a:prstGeom>
+        </p:spPr>
+        <p:txBody>
+          <a:bodyPr spcFirstLastPara="1" wrap="square" lIns="91425" tIns="91425" rIns="91425" bIns="91425" anchor="t" anchorCtr="0">
+            <a:noAutofit/>
+          </a:bodyPr>
+          <a:lstStyle/>
+          <a:p>
+            <a:pPr marL="0" lvl="0" indent="0" algn="r" rtl="0">
+              <a:spcBef>
+                <a:spcPts val="0"/>
+              </a:spcBef>
+              <a:spcAft>
+                <a:spcPts val="0"/>
+              </a:spcAft>
+              <a:buNone/>
+            </a:pPr>
+            <a:fld id="{00000000-1234-1234-1234-123412341234}" type="slidenum">
+              <a:rPr lang="en"/>
+              <a:t>11</a:t>
+            </a:fld>
+            <a:endParaRPr/>
+          </a:p>
+        </p:txBody>
+      </p:sp>
+      <p:sp>
+        <p:nvSpPr>
+          <p:cNvPr id="2" name="TextBox 1"/>
+          <p:cNvSpPr txBox="1"/>
+          <p:nvPr/>
+        </p:nvSpPr>
+        <p:spPr>
+          <a:xfrm>
+            <a:off x="2971800" y="218209"/>
+            <a:ext cx="5112327" cy="369332"/>
+          </a:xfrm>
+          <a:prstGeom prst="rect">
+            <a:avLst/>
+          </a:prstGeom>
+          <a:noFill/>
+        </p:spPr>
+        <p:txBody>
+          <a:bodyPr wrap="square" rtlCol="0">
+            <a:spAutoFit/>
+          </a:bodyPr>
+          <a:lstStyle/>
+          <a:p>
+            <a:r>
+              <a:rPr lang="en-US" smtClean="0"/>
+              <a:t>Ví dụ về hệ thống gợi ý trong thực tế</a:t>
+            </a:r>
+            <a:endParaRPr lang="en-US"/>
+          </a:p>
+        </p:txBody>
+      </p:sp>
+      <p:sp>
+        <p:nvSpPr>
+          <p:cNvPr id="3" name="TextBox 2"/>
+          <p:cNvSpPr txBox="1"/>
+          <p:nvPr/>
+        </p:nvSpPr>
+        <p:spPr>
+          <a:xfrm>
+            <a:off x="2888673" y="696191"/>
+            <a:ext cx="5668111" cy="954107"/>
+          </a:xfrm>
+          <a:prstGeom prst="rect">
+            <a:avLst/>
+          </a:prstGeom>
+          <a:noFill/>
+        </p:spPr>
+        <p:txBody>
+          <a:bodyPr wrap="square" rtlCol="0">
+            <a:spAutoFit/>
+          </a:bodyPr>
+          <a:lstStyle/>
+          <a:p>
+            <a:r>
+              <a:rPr lang="vi-VN" sz="1400"/>
+              <a:t>Đầu tiên vấn đề đặt ra là làm thế nào mà các website như facebook</a:t>
+            </a:r>
+            <a:r>
+              <a:rPr lang="vi-VN" sz="1400"/>
+              <a:t>, </a:t>
+            </a:r>
+            <a:r>
+              <a:rPr lang="vi-VN" sz="1400" smtClean="0"/>
+              <a:t>đưa </a:t>
+            </a:r>
+            <a:r>
+              <a:rPr lang="vi-VN" sz="1400"/>
+              <a:t>ra được mấy cái </a:t>
+            </a:r>
+            <a:r>
+              <a:rPr lang="vi-VN" sz="1400"/>
+              <a:t>chỗ </a:t>
+            </a:r>
+            <a:r>
+              <a:rPr lang="vi-VN" sz="1400" smtClean="0"/>
+              <a:t>Recommed </a:t>
+            </a:r>
+            <a:r>
+              <a:rPr lang="vi-VN" sz="1400"/>
+              <a:t>nhiều khi rất là không liên </a:t>
+            </a:r>
+            <a:r>
+              <a:rPr lang="vi-VN" sz="1400"/>
+              <a:t>quan </a:t>
+            </a:r>
+            <a:r>
+              <a:rPr lang="vi-VN" sz="1400" smtClean="0"/>
+              <a:t>(gợi </a:t>
+            </a:r>
+            <a:r>
+              <a:rPr lang="vi-VN" sz="1400"/>
+              <a:t>ý bạn có 1 bạn chung </a:t>
+            </a:r>
+            <a:r>
+              <a:rPr lang="vi-VN" sz="1400"/>
+              <a:t>với </a:t>
+            </a:r>
+            <a:r>
+              <a:rPr lang="vi-VN" sz="1400" smtClean="0"/>
+              <a:t>bạn</a:t>
+            </a:r>
+            <a:r>
+              <a:rPr lang="en-US" sz="1400" smtClean="0"/>
+              <a:t>).  </a:t>
+            </a:r>
+            <a:r>
+              <a:rPr lang="vi-VN" sz="1400" smtClean="0"/>
+              <a:t>đơn </a:t>
+            </a:r>
+            <a:r>
+              <a:rPr lang="vi-VN" sz="1400"/>
+              <a:t>giản là họ có một hệ thống gợi ý </a:t>
+            </a:r>
+            <a:r>
+              <a:rPr lang="vi-VN" sz="1400"/>
+              <a:t>- </a:t>
+            </a:r>
+            <a:r>
+              <a:rPr lang="vi-VN" sz="1400" smtClean="0"/>
+              <a:t>Recommend System</a:t>
+            </a:r>
+            <a:endParaRPr lang="en-US" sz="1400"/>
+          </a:p>
+        </p:txBody>
+      </p:sp>
+      <p:sp>
+        <p:nvSpPr>
+          <p:cNvPr id="7" name="TextBox 6"/>
+          <p:cNvSpPr txBox="1"/>
+          <p:nvPr/>
+        </p:nvSpPr>
+        <p:spPr>
+          <a:xfrm>
+            <a:off x="2888672" y="647121"/>
+            <a:ext cx="5668112" cy="1600438"/>
+          </a:xfrm>
+          <a:prstGeom prst="rect">
+            <a:avLst/>
+          </a:prstGeom>
+          <a:noFill/>
+        </p:spPr>
+        <p:txBody>
+          <a:bodyPr wrap="square" rtlCol="0">
+            <a:spAutoFit/>
+          </a:bodyPr>
+          <a:lstStyle/>
+          <a:p>
+            <a:r>
+              <a:rPr lang="vi-VN" sz="1400"/>
+              <a:t>Trong trường </a:t>
+            </a:r>
+            <a:r>
+              <a:rPr lang="vi-VN" sz="1400"/>
+              <a:t>hợp </a:t>
+            </a:r>
+            <a:r>
+              <a:rPr lang="vi-VN" sz="1400" smtClean="0"/>
+              <a:t>FB, </a:t>
+            </a:r>
+            <a:r>
+              <a:rPr lang="vi-VN" sz="1400"/>
+              <a:t>thì gợi ý bạn bè có thể đưa ra theo kiểu: cùng quê, cùng nơi đang sống, làm việc, </a:t>
+            </a:r>
+            <a:r>
+              <a:rPr lang="vi-VN" sz="1400"/>
+              <a:t>học </a:t>
+            </a:r>
+            <a:r>
+              <a:rPr lang="vi-VN" sz="1400" smtClean="0"/>
+              <a:t>tập</a:t>
+            </a:r>
+            <a:r>
+              <a:rPr lang="en-US" sz="1400" smtClean="0"/>
+              <a:t>, </a:t>
+            </a:r>
+            <a:r>
+              <a:rPr lang="en-US" sz="1400" smtClean="0">
+                <a:latin typeface="Verdana" panose="020B0604030504040204" pitchFamily="34" charset="0"/>
+                <a:ea typeface="Verdana" panose="020B0604030504040204" pitchFamily="34" charset="0"/>
+              </a:rPr>
+              <a:t>hội cùng sở thích uống trà sữa, . .  .</a:t>
+            </a:r>
+          </a:p>
+          <a:p>
+            <a:r>
+              <a:rPr lang="vi-VN" sz="1400"/>
+              <a:t>Đây chính là gợi ý dựa trên đặc thù của chính đối tượng - content based recommendation. Tương tự với sách thì có thể dùng nhà xuất bản, tác giả, thẻ nội dung, thể loại… làm căn cứ.</a:t>
+            </a:r>
+            <a:endParaRPr lang="en-US" sz="1400">
+              <a:latin typeface="Verdana" panose="020B0604030504040204" pitchFamily="34" charset="0"/>
+              <a:ea typeface="Verdana" panose="020B0604030504040204" pitchFamily="34" charset="0"/>
+            </a:endParaRPr>
+          </a:p>
+        </p:txBody>
+      </p:sp>
+      <p:sp>
+        <p:nvSpPr>
+          <p:cNvPr id="8" name="TextBox 7"/>
+          <p:cNvSpPr txBox="1"/>
+          <p:nvPr/>
+        </p:nvSpPr>
+        <p:spPr>
+          <a:xfrm>
+            <a:off x="2971800" y="2307138"/>
+            <a:ext cx="5584984" cy="954107"/>
+          </a:xfrm>
+          <a:prstGeom prst="rect">
+            <a:avLst/>
+          </a:prstGeom>
+          <a:noFill/>
+        </p:spPr>
+        <p:txBody>
+          <a:bodyPr wrap="square" rtlCol="0">
+            <a:spAutoFit/>
+          </a:bodyPr>
+          <a:lstStyle/>
+          <a:p>
+            <a:r>
+              <a:rPr lang="vi-VN" sz="1400"/>
+              <a:t>Tuy nhiên có các đối tượng có nội dung không rõ ràng như </a:t>
+            </a:r>
+            <a:r>
+              <a:rPr lang="vi-VN" sz="1400"/>
+              <a:t>nhạc </a:t>
+            </a:r>
+            <a:r>
+              <a:rPr lang="en-US" sz="1400" smtClean="0">
+                <a:latin typeface="Verdana" panose="020B0604030504040204" pitchFamily="34" charset="0"/>
+                <a:ea typeface="Verdana" panose="020B0604030504040204" pitchFamily="34" charset="0"/>
+              </a:rPr>
+              <a:t>hoặc là phim, thì </a:t>
+            </a:r>
+            <a:r>
+              <a:rPr lang="vi-VN" sz="1400">
+                <a:latin typeface="Verdana" panose="020B0604030504040204" pitchFamily="34" charset="0"/>
+                <a:ea typeface="Verdana" panose="020B0604030504040204" pitchFamily="34" charset="0"/>
+              </a:rPr>
+              <a:t>k</a:t>
+            </a:r>
+            <a:r>
+              <a:rPr lang="vi-VN" sz="1400"/>
+              <a:t>hó mà phân biệt được chính xác </a:t>
+            </a:r>
+            <a:r>
+              <a:rPr lang="vi-VN" sz="1400"/>
+              <a:t>nội </a:t>
+            </a:r>
+            <a:r>
+              <a:rPr lang="vi-VN" sz="1400" smtClean="0"/>
+              <a:t>dung</a:t>
+            </a:r>
+            <a:r>
+              <a:rPr lang="en-US" sz="1400" smtClean="0"/>
+              <a:t> </a:t>
+            </a:r>
+            <a:r>
+              <a:rPr lang="en-US" sz="1400" smtClean="0">
+                <a:latin typeface="Verdana" panose="020B0604030504040204" pitchFamily="34" charset="0"/>
+                <a:ea typeface="Verdana" panose="020B0604030504040204" pitchFamily="34" charset="0"/>
+              </a:rPr>
+              <a:t>của chúng. </a:t>
+            </a:r>
+            <a:r>
+              <a:rPr lang="en-US" sz="1400">
+                <a:latin typeface="Verdana" panose="020B0604030504040204" pitchFamily="34" charset="0"/>
+                <a:ea typeface="Verdana" panose="020B0604030504040204" pitchFamily="34" charset="0"/>
+              </a:rPr>
+              <a:t>Có thể dùng tác giả, thể loại vv.. làm căn cứ </a:t>
+            </a:r>
+            <a:r>
+              <a:rPr lang="en-US" sz="1400">
+                <a:latin typeface="Verdana" panose="020B0604030504040204" pitchFamily="34" charset="0"/>
+                <a:ea typeface="Verdana" panose="020B0604030504040204" pitchFamily="34" charset="0"/>
+              </a:rPr>
+              <a:t>tuy </a:t>
+            </a:r>
+            <a:r>
+              <a:rPr lang="en-US" sz="1400" smtClean="0">
+                <a:latin typeface="Verdana" panose="020B0604030504040204" pitchFamily="34" charset="0"/>
+                <a:ea typeface="Verdana" panose="020B0604030504040204" pitchFamily="34" charset="0"/>
+              </a:rPr>
+              <a:t>nhiên việc này rất khó để xác định.</a:t>
+            </a:r>
+            <a:endParaRPr lang="en-US" sz="1400">
+              <a:latin typeface="Verdana" panose="020B0604030504040204" pitchFamily="34" charset="0"/>
+              <a:ea typeface="Verdana" panose="020B0604030504040204" pitchFamily="34" charset="0"/>
+            </a:endParaRPr>
+          </a:p>
+        </p:txBody>
+      </p:sp>
+    </p:spTree>
+    <p:extLst>
+      <p:ext uri="{BB962C8B-B14F-4D97-AF65-F5344CB8AC3E}">
+        <p14:creationId xmlns:p14="http://schemas.microsoft.com/office/powerpoint/2010/main" val="2186018879"/>
+      </p:ext>
+    </p:extLst>
+  </p:cSld>
+  <p:clrMapOvr>
+    <a:masterClrMapping/>
+  </p:clrMapOvr>
+  <p:transition spd="slow">
+    <p:push dir="u"/>
+  </p:transition>
+  <p:timing>
+    <p:tnLst>
+      <p:par>
+        <p:cTn id="1" dur="indefinite" restart="never" nodeType="tmRoot">
+          <p:childTnLst>
+            <p:seq concurrent="1" nextAc="seek">
+              <p:cTn id="2" dur="indefinite" nodeType="mainSeq">
+                <p:childTnLst>
+                  <p:par>
+                    <p:cTn id="3" fill="hold">
+                      <p:stCondLst>
+                        <p:cond delay="indefinite"/>
+                      </p:stCondLst>
+                      <p:childTnLst>
+                        <p:par>
+                          <p:cTn id="4" fill="hold">
+                            <p:stCondLst>
+                              <p:cond delay="0"/>
+                            </p:stCondLst>
+                            <p:childTnLst>
+                              <p:par>
+                                <p:cTn id="5" presetID="2" presetClass="exit" presetSubtype="4" fill="hold" grpId="0" nodeType="clickEffect">
+                                  <p:stCondLst>
+                                    <p:cond delay="0"/>
+                                  </p:stCondLst>
+                                  <p:childTnLst>
+                                    <p:anim calcmode="lin" valueType="num">
+                                      <p:cBhvr additive="base">
+                                        <p:cTn id="6" dur="500"/>
+                                        <p:tgtEl>
+                                          <p:spTgt spid="3"/>
+                                        </p:tgtEl>
+                                        <p:attrNameLst>
+                                          <p:attrName>ppt_x</p:attrName>
+                                        </p:attrNameLst>
+                                      </p:cBhvr>
+                                      <p:tavLst>
+                                        <p:tav tm="0">
+                                          <p:val>
+                                            <p:strVal val="ppt_x"/>
+                                          </p:val>
+                                        </p:tav>
+                                        <p:tav tm="100000">
+                                          <p:val>
+                                            <p:strVal val="ppt_x"/>
+                                          </p:val>
+                                        </p:tav>
+                                      </p:tavLst>
+                                    </p:anim>
+                                    <p:anim calcmode="lin" valueType="num">
+                                      <p:cBhvr additive="base">
+                                        <p:cTn id="7" dur="500"/>
+                                        <p:tgtEl>
+                                          <p:spTgt spid="3"/>
+                                        </p:tgtEl>
+                                        <p:attrNameLst>
+                                          <p:attrName>ppt_y</p:attrName>
+                                        </p:attrNameLst>
+                                      </p:cBhvr>
+                                      <p:tavLst>
+                                        <p:tav tm="0">
+                                          <p:val>
+                                            <p:strVal val="ppt_y"/>
+                                          </p:val>
+                                        </p:tav>
+                                        <p:tav tm="100000">
+                                          <p:val>
+                                            <p:strVal val="1+ppt_h/2"/>
+                                          </p:val>
+                                        </p:tav>
+                                      </p:tavLst>
+                                    </p:anim>
+                                    <p:set>
+                                      <p:cBhvr>
+                                        <p:cTn id="8" dur="1" fill="hold">
+                                          <p:stCondLst>
+                                            <p:cond delay="499"/>
+                                          </p:stCondLst>
+                                        </p:cTn>
+                                        <p:tgtEl>
+                                          <p:spTgt spid="3"/>
+                                        </p:tgtEl>
+                                        <p:attrNameLst>
+                                          <p:attrName>style.visibility</p:attrName>
+                                        </p:attrNameLst>
+                                      </p:cBhvr>
+                                      <p:to>
+                                        <p:strVal val="hidden"/>
+                                      </p:to>
+                                    </p:set>
+                                  </p:childTnLst>
+                                </p:cTn>
+                              </p:par>
+                            </p:childTnLst>
+                          </p:cTn>
+                        </p:par>
+                      </p:childTnLst>
+                    </p:cTn>
+                  </p:par>
+                  <p:par>
+                    <p:cTn id="9" fill="hold">
+                      <p:stCondLst>
+                        <p:cond delay="indefinite"/>
+                      </p:stCondLst>
+                      <p:childTnLst>
+                        <p:par>
+                          <p:cTn id="10" fill="hold">
+                            <p:stCondLst>
+                              <p:cond delay="0"/>
+                            </p:stCondLst>
+                            <p:childTnLst>
+                              <p:par>
+                                <p:cTn id="11" presetID="2" presetClass="entr" presetSubtype="4" fill="hold" grpId="0" nodeType="clickEffect">
+                                  <p:stCondLst>
+                                    <p:cond delay="0"/>
+                                  </p:stCondLst>
+                                  <p:childTnLst>
+                                    <p:set>
+                                      <p:cBhvr>
+                                        <p:cTn id="12" dur="1" fill="hold">
+                                          <p:stCondLst>
+                                            <p:cond delay="0"/>
+                                          </p:stCondLst>
+                                        </p:cTn>
+                                        <p:tgtEl>
+                                          <p:spTgt spid="7"/>
+                                        </p:tgtEl>
+                                        <p:attrNameLst>
+                                          <p:attrName>style.visibility</p:attrName>
+                                        </p:attrNameLst>
+                                      </p:cBhvr>
+                                      <p:to>
+                                        <p:strVal val="visible"/>
+                                      </p:to>
+                                    </p:set>
+                                    <p:anim calcmode="lin" valueType="num">
+                                      <p:cBhvr additive="base">
+                                        <p:cTn id="13" dur="500" fill="hold"/>
+                                        <p:tgtEl>
+                                          <p:spTgt spid="7"/>
+                                        </p:tgtEl>
+                                        <p:attrNameLst>
+                                          <p:attrName>ppt_x</p:attrName>
+                                        </p:attrNameLst>
+                                      </p:cBhvr>
+                                      <p:tavLst>
+                                        <p:tav tm="0">
+                                          <p:val>
+                                            <p:strVal val="#ppt_x"/>
+                                          </p:val>
+                                        </p:tav>
+                                        <p:tav tm="100000">
+                                          <p:val>
+                                            <p:strVal val="#ppt_x"/>
+                                          </p:val>
+                                        </p:tav>
+                                      </p:tavLst>
+                                    </p:anim>
+                                    <p:anim calcmode="lin" valueType="num">
+                                      <p:cBhvr additive="base">
+                                        <p:cTn id="14" dur="500" fill="hold"/>
+                                        <p:tgtEl>
+                                          <p:spTgt spid="7"/>
+                                        </p:tgtEl>
+                                        <p:attrNameLst>
+                                          <p:attrName>ppt_y</p:attrName>
+                                        </p:attrNameLst>
+                                      </p:cBhvr>
+                                      <p:tavLst>
+                                        <p:tav tm="0">
+                                          <p:val>
+                                            <p:strVal val="1+#ppt_h/2"/>
+                                          </p:val>
+                                        </p:tav>
+                                        <p:tav tm="100000">
+                                          <p:val>
+                                            <p:strVal val="#ppt_y"/>
+                                          </p:val>
+                                        </p:tav>
+                                      </p:tavLst>
+                                    </p:anim>
+                                  </p:childTnLst>
+                                </p:cTn>
+                              </p:par>
+                            </p:childTnLst>
+                          </p:cTn>
+                        </p:par>
+                      </p:childTnLst>
+                    </p:cTn>
+                  </p:par>
+                  <p:par>
+                    <p:cTn id="15" fill="hold">
+                      <p:stCondLst>
+                        <p:cond delay="indefinite"/>
+                      </p:stCondLst>
+                      <p:childTnLst>
+                        <p:par>
+                          <p:cTn id="16" fill="hold">
+                            <p:stCondLst>
+                              <p:cond delay="0"/>
+                            </p:stCondLst>
+                            <p:childTnLst>
+                              <p:par>
+                                <p:cTn id="17" presetID="2" presetClass="entr" presetSubtype="4" fill="hold" grpId="0" nodeType="clickEffect">
+                                  <p:stCondLst>
+                                    <p:cond delay="0"/>
+                                  </p:stCondLst>
+                                  <p:childTnLst>
+                                    <p:set>
+                                      <p:cBhvr>
+                                        <p:cTn id="18" dur="1" fill="hold">
+                                          <p:stCondLst>
+                                            <p:cond delay="0"/>
+                                          </p:stCondLst>
+                                        </p:cTn>
+                                        <p:tgtEl>
+                                          <p:spTgt spid="8"/>
+                                        </p:tgtEl>
+                                        <p:attrNameLst>
+                                          <p:attrName>style.visibility</p:attrName>
+                                        </p:attrNameLst>
+                                      </p:cBhvr>
+                                      <p:to>
+                                        <p:strVal val="visible"/>
+                                      </p:to>
+                                    </p:set>
+                                    <p:anim calcmode="lin" valueType="num">
+                                      <p:cBhvr additive="base">
+                                        <p:cTn id="19" dur="500" fill="hold"/>
+                                        <p:tgtEl>
+                                          <p:spTgt spid="8"/>
+                                        </p:tgtEl>
+                                        <p:attrNameLst>
+                                          <p:attrName>ppt_x</p:attrName>
+                                        </p:attrNameLst>
+                                      </p:cBhvr>
+                                      <p:tavLst>
+                                        <p:tav tm="0">
+                                          <p:val>
+                                            <p:strVal val="#ppt_x"/>
+                                          </p:val>
+                                        </p:tav>
+                                        <p:tav tm="100000">
+                                          <p:val>
+                                            <p:strVal val="#ppt_x"/>
+                                          </p:val>
+                                        </p:tav>
+                                      </p:tavLst>
+                                    </p:anim>
+                                    <p:anim calcmode="lin" valueType="num">
+                                      <p:cBhvr additive="base">
+                                        <p:cTn id="20" dur="500" fill="hold"/>
+                                        <p:tgtEl>
+                                          <p:spTgt spid="8"/>
+                                        </p:tgtEl>
+                                        <p:attrNameLst>
+                                          <p:attrName>ppt_y</p:attrName>
+                                        </p:attrNameLst>
+                                      </p:cBhvr>
+                                      <p:tavLst>
+                                        <p:tav tm="0">
+                                          <p:val>
+                                            <p:strVal val="1+#ppt_h/2"/>
+                                          </p:val>
+                                        </p:tav>
+                                        <p:tav tm="100000">
+                                          <p:val>
+                                            <p:strVal val="#ppt_y"/>
+                                          </p:val>
+                                        </p:tav>
+                                      </p:tavLst>
+                                    </p:anim>
+                                  </p:childTnLst>
+                                </p:cTn>
+                              </p:par>
+                            </p:childTnLst>
+                          </p:cTn>
+                        </p:par>
+                      </p:childTnLst>
+                    </p:cTn>
+                  </p:par>
+                </p:childTnLst>
+              </p:cTn>
+              <p:prevCondLst>
+                <p:cond evt="onPrev" delay="0">
+                  <p:tgtEl>
+                    <p:sldTgt/>
+                  </p:tgtEl>
+                </p:cond>
+              </p:prevCondLst>
+              <p:nextCondLst>
+                <p:cond evt="onNext" delay="0">
+                  <p:tgtEl>
+                    <p:sldTgt/>
+                  </p:tgtEl>
+                </p:cond>
+              </p:nextCondLst>
+            </p:seq>
+          </p:childTnLst>
+        </p:cTn>
+      </p:par>
+    </p:tnLst>
+    <p:bldLst>
+      <p:bldP spid="3" grpId="0"/>
+      <p:bldP spid="7" grpId="0"/>
+      <p:bldP spid="8" grpId="0"/>
+    </p:bldLst>
+  </p:timing>
+</p:sld>
+</file>
+
+<file path=ppt/slides/slide12.xml><?xml version="1.0" encoding="utf-8"?>
+<p:sld xmlns:a="http://schemas.openxmlformats.org/drawingml/2006/main" xmlns:r="http://schemas.openxmlformats.org/officeDocument/2006/relationships" xmlns:p="http://schemas.openxmlformats.org/presentationml/2006/main">
+  <p:cSld>
+    <p:spTree>
+      <p:nvGrpSpPr>
+        <p:cNvPr id="1" name="Shape 62"/>
+        <p:cNvGrpSpPr/>
+        <p:nvPr/>
+      </p:nvGrpSpPr>
+      <p:grpSpPr>
+        <a:xfrm>
+          <a:off x="0" y="0"/>
+          <a:ext cx="0" cy="0"/>
+          <a:chOff x="0" y="0"/>
+          <a:chExt cx="0" cy="0"/>
+        </a:xfrm>
+      </p:grpSpPr>
+      <p:sp>
+        <p:nvSpPr>
+          <p:cNvPr id="63" name="Google Shape;63;p14"/>
+          <p:cNvSpPr txBox="1">
+            <a:spLocks noGrp="1"/>
+          </p:cNvSpPr>
+          <p:nvPr>
+            <p:ph type="title"/>
+          </p:nvPr>
+        </p:nvSpPr>
+        <p:spPr>
+          <a:xfrm>
+            <a:off x="217516" y="574531"/>
+            <a:ext cx="1700700" cy="2200199"/>
+          </a:xfrm>
+          <a:prstGeom prst="rect">
+            <a:avLst/>
+          </a:prstGeom>
+        </p:spPr>
+        <p:txBody>
+          <a:bodyPr spcFirstLastPara="1" wrap="square" lIns="91425" tIns="91425" rIns="91425" bIns="91425" anchor="t" anchorCtr="0">
+            <a:noAutofit/>
+          </a:bodyPr>
+          <a:lstStyle/>
+          <a:p>
+            <a:pPr marL="0" lvl="0" indent="0" algn="ctr" rtl="0">
+              <a:spcBef>
+                <a:spcPts val="0"/>
+              </a:spcBef>
+              <a:spcAft>
+                <a:spcPts val="0"/>
+              </a:spcAft>
+              <a:buNone/>
+            </a:pPr>
+            <a:r>
+              <a:rPr lang="en" sz="3000" dirty="0">
+                <a:latin typeface="Times New Roman" panose="02020603050405020304" pitchFamily="18" charset="0"/>
+                <a:cs typeface="Times New Roman" panose="02020603050405020304" pitchFamily="18" charset="0"/>
+              </a:rPr>
+              <a:t>4</a:t>
+            </a:r>
+            <a:r>
+              <a:rPr lang="en" sz="3000" smtClean="0">
+                <a:latin typeface="Times New Roman" panose="02020603050405020304" pitchFamily="18" charset="0"/>
+                <a:cs typeface="Times New Roman" panose="02020603050405020304" pitchFamily="18" charset="0"/>
+              </a:rPr>
+              <a:t>. Thực nghiệm</a:t>
+            </a:r>
+            <a:endParaRPr sz="3000" dirty="0">
+              <a:latin typeface="Times New Roman" panose="02020603050405020304" pitchFamily="18" charset="0"/>
+              <a:cs typeface="Times New Roman" panose="02020603050405020304" pitchFamily="18" charset="0"/>
+            </a:endParaRPr>
+          </a:p>
+        </p:txBody>
+      </p:sp>
+      <p:sp>
+        <p:nvSpPr>
+          <p:cNvPr id="73" name="Google Shape;73;p14"/>
+          <p:cNvSpPr txBox="1">
+            <a:spLocks noGrp="1"/>
+          </p:cNvSpPr>
+          <p:nvPr>
+            <p:ph type="sldNum" idx="12"/>
+          </p:nvPr>
+        </p:nvSpPr>
+        <p:spPr>
+          <a:prstGeom prst="rect">
+            <a:avLst/>
+          </a:prstGeom>
+        </p:spPr>
+        <p:txBody>
+          <a:bodyPr spcFirstLastPara="1" wrap="square" lIns="91425" tIns="91425" rIns="91425" bIns="91425" anchor="t" anchorCtr="0">
+            <a:noAutofit/>
+          </a:bodyPr>
+          <a:lstStyle/>
+          <a:p>
+            <a:pPr marL="0" lvl="0" indent="0" algn="r" rtl="0">
+              <a:spcBef>
+                <a:spcPts val="0"/>
+              </a:spcBef>
+              <a:spcAft>
+                <a:spcPts val="0"/>
+              </a:spcAft>
+              <a:buNone/>
+            </a:pPr>
+            <a:fld id="{00000000-1234-1234-1234-123412341234}" type="slidenum">
+              <a:rPr lang="en"/>
+              <a:t>12</a:t>
+            </a:fld>
+            <a:endParaRPr/>
+          </a:p>
+        </p:txBody>
+      </p:sp>
+      <p:sp>
+        <p:nvSpPr>
+          <p:cNvPr id="2" name="TextBox 1"/>
+          <p:cNvSpPr txBox="1"/>
+          <p:nvPr/>
+        </p:nvSpPr>
+        <p:spPr>
+          <a:xfrm>
+            <a:off x="2971800" y="218209"/>
+            <a:ext cx="5112327" cy="369332"/>
+          </a:xfrm>
+          <a:prstGeom prst="rect">
+            <a:avLst/>
+          </a:prstGeom>
+          <a:noFill/>
+        </p:spPr>
+        <p:txBody>
+          <a:bodyPr wrap="square" rtlCol="0">
+            <a:spAutoFit/>
+          </a:bodyPr>
+          <a:lstStyle/>
+          <a:p>
+            <a:r>
+              <a:rPr lang="en-US" smtClean="0"/>
+              <a:t>Ví dụ về hệ thống gợi ý trong thực tế</a:t>
+            </a:r>
+            <a:endParaRPr lang="en-US"/>
+          </a:p>
+        </p:txBody>
+      </p:sp>
+      <p:sp>
+        <p:nvSpPr>
+          <p:cNvPr id="3" name="TextBox 2"/>
+          <p:cNvSpPr txBox="1"/>
+          <p:nvPr/>
+        </p:nvSpPr>
+        <p:spPr>
+          <a:xfrm>
+            <a:off x="2971800" y="870632"/>
+            <a:ext cx="5668111" cy="1384995"/>
+          </a:xfrm>
+          <a:prstGeom prst="rect">
+            <a:avLst/>
+          </a:prstGeom>
+          <a:noFill/>
+        </p:spPr>
+        <p:txBody>
+          <a:bodyPr wrap="square" rtlCol="0">
+            <a:spAutoFit/>
+          </a:bodyPr>
+          <a:lstStyle/>
+          <a:p>
+            <a:r>
+              <a:rPr lang="vi-VN" sz="1400"/>
+              <a:t>Rất </a:t>
+            </a:r>
+            <a:r>
+              <a:rPr lang="vi-VN" sz="1400"/>
+              <a:t>may </a:t>
+            </a:r>
+            <a:r>
+              <a:rPr lang="en-US" sz="1400" smtClean="0">
+                <a:latin typeface="Verdana" panose="020B0604030504040204" pitchFamily="34" charset="0"/>
+                <a:ea typeface="Verdana" panose="020B0604030504040204" pitchFamily="34" charset="0"/>
+              </a:rPr>
+              <a:t>là bên cạnh phương pháp lọc trên nội dung, thì còn 1 phương pháp </a:t>
+            </a:r>
+            <a:r>
+              <a:rPr lang="vi-VN" sz="1400" smtClean="0"/>
+              <a:t>rất </a:t>
+            </a:r>
+            <a:r>
+              <a:rPr lang="vi-VN" sz="1400"/>
+              <a:t>tuyệt vời, đó là Collaborative Filtering (Lọc cộng tác - CF). Cách này dựa vào Luật số lớn và Trí tuệ đám đông. Điều đó không có nghĩa là Đám đông lúc nào cũng đúng mà phải là đám đông “liên quan” đến </a:t>
+            </a:r>
+            <a:r>
+              <a:rPr lang="vi-VN" sz="1400"/>
+              <a:t>mình </a:t>
+            </a:r>
+            <a:r>
+              <a:rPr lang="vi-VN" sz="1400" smtClean="0"/>
+              <a:t>(</a:t>
+            </a:r>
+            <a:r>
+              <a:rPr lang="en-US" sz="1400" smtClean="0">
+                <a:latin typeface="Verdana" panose="020B0604030504040204" pitchFamily="34" charset="0"/>
+                <a:ea typeface="Verdana" panose="020B0604030504040204" pitchFamily="34" charset="0"/>
+              </a:rPr>
+              <a:t>vì vậy </a:t>
+            </a:r>
+            <a:r>
+              <a:rPr lang="vi-VN" sz="1400" smtClean="0"/>
+              <a:t>mới </a:t>
+            </a:r>
+            <a:r>
+              <a:rPr lang="vi-VN" sz="1400"/>
+              <a:t>phải lọc).</a:t>
+            </a:r>
+            <a:endParaRPr lang="en-US" sz="1400"/>
+          </a:p>
+        </p:txBody>
+      </p:sp>
+      <p:sp>
+        <p:nvSpPr>
+          <p:cNvPr id="7" name="TextBox 6"/>
+          <p:cNvSpPr txBox="1"/>
+          <p:nvPr/>
+        </p:nvSpPr>
+        <p:spPr>
+          <a:xfrm>
+            <a:off x="2971800" y="2333187"/>
+            <a:ext cx="5668112" cy="1169551"/>
+          </a:xfrm>
+          <a:prstGeom prst="rect">
+            <a:avLst/>
+          </a:prstGeom>
+          <a:noFill/>
+        </p:spPr>
+        <p:txBody>
+          <a:bodyPr wrap="square" rtlCol="0">
+            <a:spAutoFit/>
+          </a:bodyPr>
+          <a:lstStyle/>
+          <a:p>
+            <a:r>
+              <a:rPr lang="en-US" sz="1400" smtClean="0">
+                <a:latin typeface="Verdana" panose="020B0604030504040204" pitchFamily="34" charset="0"/>
+                <a:ea typeface="Verdana" panose="020B0604030504040204" pitchFamily="34" charset="0"/>
+              </a:rPr>
+              <a:t>Ví dụ như Dũng thích chơi game, hát hò, uống café, chà chanh chanh chém gió, . . Cường thì thích đá bóng, chạy bộ, đi dạo, ăn vặt, .  . . Thì tất nhiên Dũng và Cường k cùng gu với nhau. Nên nếu Dũng rủ Cương đi chơi game hay hát hò gì thì khả năng Cường đồng ý là rất thấp.</a:t>
+            </a:r>
+            <a:endParaRPr lang="en-US" sz="1400">
+              <a:latin typeface="Verdana" panose="020B0604030504040204" pitchFamily="34" charset="0"/>
+              <a:ea typeface="Verdana" panose="020B0604030504040204" pitchFamily="34" charset="0"/>
+            </a:endParaRPr>
+          </a:p>
+        </p:txBody>
+      </p:sp>
+      <p:sp>
+        <p:nvSpPr>
+          <p:cNvPr id="8" name="TextBox 7"/>
+          <p:cNvSpPr txBox="1"/>
+          <p:nvPr/>
+        </p:nvSpPr>
+        <p:spPr>
+          <a:xfrm>
+            <a:off x="2971800" y="3533763"/>
+            <a:ext cx="5584984" cy="738664"/>
+          </a:xfrm>
+          <a:prstGeom prst="rect">
+            <a:avLst/>
+          </a:prstGeom>
+          <a:noFill/>
+        </p:spPr>
+        <p:txBody>
+          <a:bodyPr wrap="square" rtlCol="0">
+            <a:spAutoFit/>
+          </a:bodyPr>
+          <a:lstStyle/>
+          <a:p>
+            <a:r>
+              <a:rPr lang="en-US" sz="1400" smtClean="0">
+                <a:latin typeface="Verdana" panose="020B0604030504040204" pitchFamily="34" charset="0"/>
+                <a:ea typeface="Verdana" panose="020B0604030504040204" pitchFamily="34" charset="0"/>
+              </a:rPr>
+              <a:t>Chính vì thế nên vấn đề cần giải quyết ở đây là phải làm sao để xác định được ai là người cùng gu với nhau, sau đó mới rủ đi chơi hoặc gợi ý được</a:t>
+            </a:r>
+            <a:endParaRPr lang="en-US" sz="1400">
+              <a:latin typeface="Verdana" panose="020B0604030504040204" pitchFamily="34" charset="0"/>
+              <a:ea typeface="Verdana" panose="020B0604030504040204" pitchFamily="34" charset="0"/>
+            </a:endParaRPr>
+          </a:p>
+        </p:txBody>
+      </p:sp>
+    </p:spTree>
+    <p:extLst>
+      <p:ext uri="{BB962C8B-B14F-4D97-AF65-F5344CB8AC3E}">
+        <p14:creationId xmlns:p14="http://schemas.microsoft.com/office/powerpoint/2010/main" val="3236226259"/>
+      </p:ext>
+    </p:extLst>
+  </p:cSld>
+  <p:clrMapOvr>
+    <a:masterClrMapping/>
+  </p:clrMapOvr>
+  <p:transition spd="slow">
+    <p:push dir="u"/>
+  </p:transition>
+  <p:timing>
+    <p:tnLst>
+      <p:par>
+        <p:cTn id="1" dur="indefinite" restart="never" nodeType="tmRoot">
+          <p:childTnLst>
+            <p:seq concurrent="1" nextAc="seek">
+              <p:cTn id="2" dur="indefinite" nodeType="mainSeq">
+                <p:childTnLst>
+                  <p:par>
+                    <p:cTn id="3" fill="hold">
+                      <p:stCondLst>
+                        <p:cond delay="indefinite"/>
+                      </p:stCondLst>
+                      <p:childTnLst>
+                        <p:par>
+                          <p:cTn id="4" fill="hold">
+                            <p:stCondLst>
+                              <p:cond delay="0"/>
+                            </p:stCondLst>
+                            <p:childTnLst>
+                              <p:par>
+                                <p:cTn id="5" presetID="2" presetClass="exit" presetSubtype="4" fill="hold" grpId="0" nodeType="clickEffect">
+                                  <p:stCondLst>
+                                    <p:cond delay="0"/>
+                                  </p:stCondLst>
+                                  <p:childTnLst>
+                                    <p:anim calcmode="lin" valueType="num">
+                                      <p:cBhvr additive="base">
+                                        <p:cTn id="6" dur="500"/>
+                                        <p:tgtEl>
+                                          <p:spTgt spid="3"/>
+                                        </p:tgtEl>
+                                        <p:attrNameLst>
+                                          <p:attrName>ppt_x</p:attrName>
+                                        </p:attrNameLst>
+                                      </p:cBhvr>
+                                      <p:tavLst>
+                                        <p:tav tm="0">
+                                          <p:val>
+                                            <p:strVal val="ppt_x"/>
+                                          </p:val>
+                                        </p:tav>
+                                        <p:tav tm="100000">
+                                          <p:val>
+                                            <p:strVal val="ppt_x"/>
+                                          </p:val>
+                                        </p:tav>
+                                      </p:tavLst>
+                                    </p:anim>
+                                    <p:anim calcmode="lin" valueType="num">
+                                      <p:cBhvr additive="base">
+                                        <p:cTn id="7" dur="500"/>
+                                        <p:tgtEl>
+                                          <p:spTgt spid="3"/>
+                                        </p:tgtEl>
+                                        <p:attrNameLst>
+                                          <p:attrName>ppt_y</p:attrName>
+                                        </p:attrNameLst>
+                                      </p:cBhvr>
+                                      <p:tavLst>
+                                        <p:tav tm="0">
+                                          <p:val>
+                                            <p:strVal val="ppt_y"/>
+                                          </p:val>
+                                        </p:tav>
+                                        <p:tav tm="100000">
+                                          <p:val>
+                                            <p:strVal val="1+ppt_h/2"/>
+                                          </p:val>
+                                        </p:tav>
+                                      </p:tavLst>
+                                    </p:anim>
+                                    <p:set>
+                                      <p:cBhvr>
+                                        <p:cTn id="8" dur="1" fill="hold">
+                                          <p:stCondLst>
+                                            <p:cond delay="499"/>
+                                          </p:stCondLst>
+                                        </p:cTn>
+                                        <p:tgtEl>
+                                          <p:spTgt spid="3"/>
+                                        </p:tgtEl>
+                                        <p:attrNameLst>
+                                          <p:attrName>style.visibility</p:attrName>
+                                        </p:attrNameLst>
+                                      </p:cBhvr>
+                                      <p:to>
+                                        <p:strVal val="hidden"/>
+                                      </p:to>
+                                    </p:set>
+                                  </p:childTnLst>
+                                </p:cTn>
+                              </p:par>
+                            </p:childTnLst>
+                          </p:cTn>
+                        </p:par>
+                      </p:childTnLst>
+                    </p:cTn>
+                  </p:par>
+                  <p:par>
+                    <p:cTn id="9" fill="hold">
+                      <p:stCondLst>
+                        <p:cond delay="indefinite"/>
+                      </p:stCondLst>
+                      <p:childTnLst>
+                        <p:par>
+                          <p:cTn id="10" fill="hold">
+                            <p:stCondLst>
+                              <p:cond delay="0"/>
+                            </p:stCondLst>
+                            <p:childTnLst>
+                              <p:par>
+                                <p:cTn id="11" presetID="2" presetClass="entr" presetSubtype="4" fill="hold" grpId="0" nodeType="clickEffect">
+                                  <p:stCondLst>
+                                    <p:cond delay="0"/>
+                                  </p:stCondLst>
+                                  <p:childTnLst>
+                                    <p:set>
+                                      <p:cBhvr>
+                                        <p:cTn id="12" dur="1" fill="hold">
+                                          <p:stCondLst>
+                                            <p:cond delay="0"/>
+                                          </p:stCondLst>
+                                        </p:cTn>
+                                        <p:tgtEl>
+                                          <p:spTgt spid="7"/>
+                                        </p:tgtEl>
+                                        <p:attrNameLst>
+                                          <p:attrName>style.visibility</p:attrName>
+                                        </p:attrNameLst>
+                                      </p:cBhvr>
+                                      <p:to>
+                                        <p:strVal val="visible"/>
+                                      </p:to>
+                                    </p:set>
+                                    <p:anim calcmode="lin" valueType="num">
+                                      <p:cBhvr additive="base">
+                                        <p:cTn id="13" dur="500" fill="hold"/>
+                                        <p:tgtEl>
+                                          <p:spTgt spid="7"/>
+                                        </p:tgtEl>
+                                        <p:attrNameLst>
+                                          <p:attrName>ppt_x</p:attrName>
+                                        </p:attrNameLst>
+                                      </p:cBhvr>
+                                      <p:tavLst>
+                                        <p:tav tm="0">
+                                          <p:val>
+                                            <p:strVal val="#ppt_x"/>
+                                          </p:val>
+                                        </p:tav>
+                                        <p:tav tm="100000">
+                                          <p:val>
+                                            <p:strVal val="#ppt_x"/>
+                                          </p:val>
+                                        </p:tav>
+                                      </p:tavLst>
+                                    </p:anim>
+                                    <p:anim calcmode="lin" valueType="num">
+                                      <p:cBhvr additive="base">
+                                        <p:cTn id="14" dur="500" fill="hold"/>
+                                        <p:tgtEl>
+                                          <p:spTgt spid="7"/>
+                                        </p:tgtEl>
+                                        <p:attrNameLst>
+                                          <p:attrName>ppt_y</p:attrName>
+                                        </p:attrNameLst>
+                                      </p:cBhvr>
+                                      <p:tavLst>
+                                        <p:tav tm="0">
+                                          <p:val>
+                                            <p:strVal val="1+#ppt_h/2"/>
+                                          </p:val>
+                                        </p:tav>
+                                        <p:tav tm="100000">
+                                          <p:val>
+                                            <p:strVal val="#ppt_y"/>
+                                          </p:val>
+                                        </p:tav>
+                                      </p:tavLst>
+                                    </p:anim>
+                                  </p:childTnLst>
+                                </p:cTn>
+                              </p:par>
+                            </p:childTnLst>
+                          </p:cTn>
+                        </p:par>
+                      </p:childTnLst>
+                    </p:cTn>
+                  </p:par>
+                  <p:par>
+                    <p:cTn id="15" fill="hold">
+                      <p:stCondLst>
+                        <p:cond delay="indefinite"/>
+                      </p:stCondLst>
+                      <p:childTnLst>
+                        <p:par>
+                          <p:cTn id="16" fill="hold">
+                            <p:stCondLst>
+                              <p:cond delay="0"/>
+                            </p:stCondLst>
+                            <p:childTnLst>
+                              <p:par>
+                                <p:cTn id="17" presetID="2" presetClass="entr" presetSubtype="4" fill="hold" grpId="0" nodeType="clickEffect">
+                                  <p:stCondLst>
+                                    <p:cond delay="0"/>
+                                  </p:stCondLst>
+                                  <p:childTnLst>
+                                    <p:set>
+                                      <p:cBhvr>
+                                        <p:cTn id="18" dur="1" fill="hold">
+                                          <p:stCondLst>
+                                            <p:cond delay="0"/>
+                                          </p:stCondLst>
+                                        </p:cTn>
+                                        <p:tgtEl>
+                                          <p:spTgt spid="8"/>
+                                        </p:tgtEl>
+                                        <p:attrNameLst>
+                                          <p:attrName>style.visibility</p:attrName>
+                                        </p:attrNameLst>
+                                      </p:cBhvr>
+                                      <p:to>
+                                        <p:strVal val="visible"/>
+                                      </p:to>
+                                    </p:set>
+                                    <p:anim calcmode="lin" valueType="num">
+                                      <p:cBhvr additive="base">
+                                        <p:cTn id="19" dur="500" fill="hold"/>
+                                        <p:tgtEl>
+                                          <p:spTgt spid="8"/>
+                                        </p:tgtEl>
+                                        <p:attrNameLst>
+                                          <p:attrName>ppt_x</p:attrName>
+                                        </p:attrNameLst>
+                                      </p:cBhvr>
+                                      <p:tavLst>
+                                        <p:tav tm="0">
+                                          <p:val>
+                                            <p:strVal val="#ppt_x"/>
+                                          </p:val>
+                                        </p:tav>
+                                        <p:tav tm="100000">
+                                          <p:val>
+                                            <p:strVal val="#ppt_x"/>
+                                          </p:val>
+                                        </p:tav>
+                                      </p:tavLst>
+                                    </p:anim>
+                                    <p:anim calcmode="lin" valueType="num">
+                                      <p:cBhvr additive="base">
+                                        <p:cTn id="20" dur="500" fill="hold"/>
+                                        <p:tgtEl>
+                                          <p:spTgt spid="8"/>
+                                        </p:tgtEl>
+                                        <p:attrNameLst>
+                                          <p:attrName>ppt_y</p:attrName>
+                                        </p:attrNameLst>
+                                      </p:cBhvr>
+                                      <p:tavLst>
+                                        <p:tav tm="0">
+                                          <p:val>
+                                            <p:strVal val="1+#ppt_h/2"/>
+                                          </p:val>
+                                        </p:tav>
+                                        <p:tav tm="100000">
+                                          <p:val>
+                                            <p:strVal val="#ppt_y"/>
+                                          </p:val>
+                                        </p:tav>
+                                      </p:tavLst>
+                                    </p:anim>
+                                  </p:childTnLst>
+                                </p:cTn>
+                              </p:par>
+                            </p:childTnLst>
+                          </p:cTn>
+                        </p:par>
+                      </p:childTnLst>
+                    </p:cTn>
+                  </p:par>
+                </p:childTnLst>
+              </p:cTn>
+              <p:prevCondLst>
+                <p:cond evt="onPrev" delay="0">
+                  <p:tgtEl>
+                    <p:sldTgt/>
+                  </p:tgtEl>
+                </p:cond>
+              </p:prevCondLst>
+              <p:nextCondLst>
+                <p:cond evt="onNext" delay="0">
+                  <p:tgtEl>
+                    <p:sldTgt/>
+                  </p:tgtEl>
+                </p:cond>
+              </p:nextCondLst>
+            </p:seq>
+          </p:childTnLst>
+        </p:cTn>
+      </p:par>
+    </p:tnLst>
+    <p:bldLst>
+      <p:bldP spid="3" grpId="0"/>
+      <p:bldP spid="7" grpId="0"/>
+      <p:bldP spid="8" grpId="0"/>
+    </p:bldLst>
+  </p:timing>
+</p:sld>
+</file>
+
+<file path=ppt/slides/slide13.xml><?xml version="1.0" encoding="utf-8"?>
+<p:sld xmlns:a="http://schemas.openxmlformats.org/drawingml/2006/main" xmlns:r="http://schemas.openxmlformats.org/officeDocument/2006/relationships" xmlns:p="http://schemas.openxmlformats.org/presentationml/2006/main">
+  <p:cSld>
+    <p:spTree>
+      <p:nvGrpSpPr>
+        <p:cNvPr id="1" name="Shape 62"/>
+        <p:cNvGrpSpPr/>
+        <p:nvPr/>
+      </p:nvGrpSpPr>
+      <p:grpSpPr>
+        <a:xfrm>
+          <a:off x="0" y="0"/>
+          <a:ext cx="0" cy="0"/>
+          <a:chOff x="0" y="0"/>
+          <a:chExt cx="0" cy="0"/>
+        </a:xfrm>
+      </p:grpSpPr>
+      <p:sp>
+        <p:nvSpPr>
+          <p:cNvPr id="63" name="Google Shape;63;p14"/>
+          <p:cNvSpPr txBox="1">
+            <a:spLocks noGrp="1"/>
+          </p:cNvSpPr>
+          <p:nvPr>
+            <p:ph type="title"/>
+          </p:nvPr>
+        </p:nvSpPr>
+        <p:spPr>
+          <a:xfrm>
+            <a:off x="217516" y="574531"/>
+            <a:ext cx="1700700" cy="2200199"/>
+          </a:xfrm>
+          <a:prstGeom prst="rect">
+            <a:avLst/>
+          </a:prstGeom>
+        </p:spPr>
+        <p:txBody>
+          <a:bodyPr spcFirstLastPara="1" wrap="square" lIns="91425" tIns="91425" rIns="91425" bIns="91425" anchor="t" anchorCtr="0">
+            <a:noAutofit/>
+          </a:bodyPr>
+          <a:lstStyle/>
+          <a:p>
+            <a:pPr marL="0" lvl="0" indent="0" algn="ctr" rtl="0">
+              <a:spcBef>
+                <a:spcPts val="0"/>
+              </a:spcBef>
+              <a:spcAft>
+                <a:spcPts val="0"/>
+              </a:spcAft>
+              <a:buNone/>
+            </a:pPr>
+            <a:r>
+              <a:rPr lang="en" sz="3000" dirty="0">
+                <a:latin typeface="Times New Roman" panose="02020603050405020304" pitchFamily="18" charset="0"/>
+                <a:cs typeface="Times New Roman" panose="02020603050405020304" pitchFamily="18" charset="0"/>
+              </a:rPr>
+              <a:t>4</a:t>
+            </a:r>
+            <a:r>
+              <a:rPr lang="en" sz="3000" smtClean="0">
+                <a:latin typeface="Times New Roman" panose="02020603050405020304" pitchFamily="18" charset="0"/>
+                <a:cs typeface="Times New Roman" panose="02020603050405020304" pitchFamily="18" charset="0"/>
+              </a:rPr>
+              <a:t>. Thực nghiệm</a:t>
+            </a:r>
+            <a:endParaRPr sz="3000" dirty="0">
+              <a:latin typeface="Times New Roman" panose="02020603050405020304" pitchFamily="18" charset="0"/>
+              <a:cs typeface="Times New Roman" panose="02020603050405020304" pitchFamily="18" charset="0"/>
+            </a:endParaRPr>
+          </a:p>
+        </p:txBody>
+      </p:sp>
+      <p:sp>
+        <p:nvSpPr>
+          <p:cNvPr id="73" name="Google Shape;73;p14"/>
+          <p:cNvSpPr txBox="1">
+            <a:spLocks noGrp="1"/>
+          </p:cNvSpPr>
+          <p:nvPr>
+            <p:ph type="sldNum" idx="12"/>
+          </p:nvPr>
+        </p:nvSpPr>
+        <p:spPr>
+          <a:prstGeom prst="rect">
+            <a:avLst/>
+          </a:prstGeom>
+        </p:spPr>
+        <p:txBody>
+          <a:bodyPr spcFirstLastPara="1" wrap="square" lIns="91425" tIns="91425" rIns="91425" bIns="91425" anchor="t" anchorCtr="0">
+            <a:noAutofit/>
+          </a:bodyPr>
+          <a:lstStyle/>
+          <a:p>
+            <a:pPr marL="0" lvl="0" indent="0" algn="r" rtl="0">
+              <a:spcBef>
+                <a:spcPts val="0"/>
+              </a:spcBef>
+              <a:spcAft>
+                <a:spcPts val="0"/>
+              </a:spcAft>
+              <a:buNone/>
+            </a:pPr>
+            <a:fld id="{00000000-1234-1234-1234-123412341234}" type="slidenum">
+              <a:rPr lang="en"/>
+              <a:t>13</a:t>
+            </a:fld>
+            <a:endParaRPr/>
+          </a:p>
+        </p:txBody>
+      </p:sp>
+      <p:sp>
+        <p:nvSpPr>
+          <p:cNvPr id="2" name="TextBox 1"/>
+          <p:cNvSpPr txBox="1"/>
+          <p:nvPr/>
+        </p:nvSpPr>
+        <p:spPr>
+          <a:xfrm>
+            <a:off x="2971800" y="218209"/>
+            <a:ext cx="5112327" cy="369332"/>
+          </a:xfrm>
+          <a:prstGeom prst="rect">
+            <a:avLst/>
+          </a:prstGeom>
+          <a:noFill/>
+        </p:spPr>
+        <p:txBody>
+          <a:bodyPr wrap="square" rtlCol="0">
+            <a:spAutoFit/>
+          </a:bodyPr>
+          <a:lstStyle/>
+          <a:p>
+            <a:r>
+              <a:rPr lang="en-US" smtClean="0"/>
+              <a:t>Ví dụ về hệ thống gợi ý trong thực tế</a:t>
+            </a:r>
+            <a:endParaRPr lang="en-US"/>
+          </a:p>
+        </p:txBody>
+      </p:sp>
+      <p:sp>
+        <p:nvSpPr>
+          <p:cNvPr id="3" name="TextBox 2"/>
+          <p:cNvSpPr txBox="1"/>
+          <p:nvPr/>
+        </p:nvSpPr>
+        <p:spPr>
+          <a:xfrm>
+            <a:off x="2971800" y="756258"/>
+            <a:ext cx="5668111" cy="523220"/>
+          </a:xfrm>
+          <a:prstGeom prst="rect">
+            <a:avLst/>
+          </a:prstGeom>
+          <a:noFill/>
+        </p:spPr>
+        <p:txBody>
+          <a:bodyPr wrap="square" rtlCol="0">
+            <a:spAutoFit/>
+          </a:bodyPr>
+          <a:lstStyle/>
+          <a:p>
+            <a:r>
+              <a:rPr lang="en-US" sz="1400" smtClean="0">
+                <a:latin typeface="Verdana" panose="020B0604030504040204" pitchFamily="34" charset="0"/>
+                <a:ea typeface="Verdana" panose="020B0604030504040204" pitchFamily="34" charset="0"/>
+              </a:rPr>
+              <a:t>Một bài toán đơn giản như sau. Có 1 danh sách đồ ăn và cần được chấm điểm(1-5) bởi các user như sau:</a:t>
+            </a:r>
+            <a:endParaRPr lang="en-US" sz="1400">
+              <a:latin typeface="Verdana" panose="020B0604030504040204" pitchFamily="34" charset="0"/>
+              <a:ea typeface="Verdana" panose="020B0604030504040204" pitchFamily="34" charset="0"/>
+            </a:endParaRPr>
+          </a:p>
+        </p:txBody>
+      </p:sp>
+      <p:graphicFrame>
+        <p:nvGraphicFramePr>
+          <p:cNvPr id="4" name="Table 3"/>
+          <p:cNvGraphicFramePr>
+            <a:graphicFrameLocks noGrp="1"/>
+          </p:cNvGraphicFramePr>
+          <p:nvPr>
+            <p:extLst>
+              <p:ext uri="{D42A27DB-BD31-4B8C-83A1-F6EECF244321}">
+                <p14:modId xmlns:p14="http://schemas.microsoft.com/office/powerpoint/2010/main" val="2021541804"/>
+              </p:ext>
+            </p:extLst>
+          </p:nvPr>
+        </p:nvGraphicFramePr>
+        <p:xfrm>
+          <a:off x="2757855" y="1674630"/>
+          <a:ext cx="6096000" cy="2357120"/>
+        </p:xfrm>
+        <a:graphic>
+          <a:graphicData uri="http://schemas.openxmlformats.org/drawingml/2006/table">
+            <a:tbl>
+              <a:tblPr firstRow="1" bandRow="1">
+                <a:tableStyleId>{2321ECFE-6A18-4F7A-A680-A125930F3448}</a:tableStyleId>
+              </a:tblPr>
+              <a:tblGrid>
+                <a:gridCol w="793083">
+                  <a:extLst>
+                    <a:ext uri="{9D8B030D-6E8A-4147-A177-3AD203B41FA5}">
+                      <a16:colId xmlns:a16="http://schemas.microsoft.com/office/drawing/2014/main" val="2718554224"/>
+                    </a:ext>
+                  </a:extLst>
+                </a:gridCol>
+                <a:gridCol w="1238917">
+                  <a:extLst>
+                    <a:ext uri="{9D8B030D-6E8A-4147-A177-3AD203B41FA5}">
+                      <a16:colId xmlns:a16="http://schemas.microsoft.com/office/drawing/2014/main" val="4235257329"/>
+                    </a:ext>
+                  </a:extLst>
+                </a:gridCol>
+                <a:gridCol w="1016000">
+                  <a:extLst>
+                    <a:ext uri="{9D8B030D-6E8A-4147-A177-3AD203B41FA5}">
+                      <a16:colId xmlns:a16="http://schemas.microsoft.com/office/drawing/2014/main" val="689169244"/>
+                    </a:ext>
+                  </a:extLst>
+                </a:gridCol>
+                <a:gridCol w="1016000">
+                  <a:extLst>
+                    <a:ext uri="{9D8B030D-6E8A-4147-A177-3AD203B41FA5}">
+                      <a16:colId xmlns:a16="http://schemas.microsoft.com/office/drawing/2014/main" val="3077779139"/>
+                    </a:ext>
+                  </a:extLst>
+                </a:gridCol>
+                <a:gridCol w="1016000">
+                  <a:extLst>
+                    <a:ext uri="{9D8B030D-6E8A-4147-A177-3AD203B41FA5}">
+                      <a16:colId xmlns:a16="http://schemas.microsoft.com/office/drawing/2014/main" val="3420480826"/>
+                    </a:ext>
+                  </a:extLst>
+                </a:gridCol>
+                <a:gridCol w="1016000">
+                  <a:extLst>
+                    <a:ext uri="{9D8B030D-6E8A-4147-A177-3AD203B41FA5}">
+                      <a16:colId xmlns:a16="http://schemas.microsoft.com/office/drawing/2014/main" val="1271437570"/>
+                    </a:ext>
+                  </a:extLst>
+                </a:gridCol>
+              </a:tblGrid>
+              <a:tr h="370840">
+                <a:tc>
+                  <a:txBody>
+                    <a:bodyPr/>
+                    <a:lstStyle/>
+                    <a:p>
+                      <a:endParaRPr lang="en-US"/>
+                    </a:p>
+                  </a:txBody>
+                  <a:tcPr/>
+                </a:tc>
+                <a:tc>
+                  <a:txBody>
+                    <a:bodyPr/>
+                    <a:lstStyle/>
+                    <a:p>
+                      <a:r>
+                        <a:rPr lang="en-US" smtClean="0"/>
+                        <a:t>Cam xả</a:t>
+                      </a:r>
+                      <a:endParaRPr lang="en-US"/>
+                    </a:p>
+                  </a:txBody>
+                  <a:tcPr/>
+                </a:tc>
+                <a:tc>
+                  <a:txBody>
+                    <a:bodyPr/>
+                    <a:lstStyle/>
+                    <a:p>
+                      <a:r>
+                        <a:rPr lang="en-US" smtClean="0"/>
+                        <a:t>Trà</a:t>
+                      </a:r>
+                      <a:r>
+                        <a:rPr lang="en-US" baseline="0" smtClean="0"/>
+                        <a:t> tắc</a:t>
+                      </a:r>
+                      <a:endParaRPr lang="en-US"/>
+                    </a:p>
+                  </a:txBody>
+                  <a:tcPr/>
+                </a:tc>
+                <a:tc>
+                  <a:txBody>
+                    <a:bodyPr/>
+                    <a:lstStyle/>
+                    <a:p>
+                      <a:r>
+                        <a:rPr lang="en-US" smtClean="0"/>
+                        <a:t>Café</a:t>
+                      </a:r>
+                      <a:endParaRPr lang="en-US"/>
+                    </a:p>
+                  </a:txBody>
+                  <a:tcPr/>
+                </a:tc>
+                <a:tc>
+                  <a:txBody>
+                    <a:bodyPr/>
+                    <a:lstStyle/>
+                    <a:p>
+                      <a:r>
+                        <a:rPr lang="en-US" smtClean="0"/>
+                        <a:t>Nước</a:t>
+                      </a:r>
+                      <a:r>
+                        <a:rPr lang="en-US" baseline="0" smtClean="0"/>
+                        <a:t> lọc</a:t>
+                      </a:r>
+                      <a:endParaRPr lang="en-US"/>
+                    </a:p>
+                  </a:txBody>
+                  <a:tcPr/>
+                </a:tc>
+                <a:tc>
+                  <a:txBody>
+                    <a:bodyPr/>
+                    <a:lstStyle/>
+                    <a:p>
+                      <a:r>
+                        <a:rPr lang="en-US" smtClean="0"/>
+                        <a:t>Soda</a:t>
+                      </a:r>
+                      <a:r>
+                        <a:rPr lang="en-US" baseline="0" smtClean="0"/>
+                        <a:t> chanh</a:t>
+                      </a:r>
+                      <a:endParaRPr lang="en-US"/>
+                    </a:p>
+                  </a:txBody>
+                  <a:tcPr/>
+                </a:tc>
+                <a:extLst>
+                  <a:ext uri="{0D108BD9-81ED-4DB2-BD59-A6C34878D82A}">
+                    <a16:rowId xmlns:a16="http://schemas.microsoft.com/office/drawing/2014/main" val="2611754382"/>
+                  </a:ext>
+                </a:extLst>
+              </a:tr>
+              <a:tr h="370840">
+                <a:tc>
+                  <a:txBody>
+                    <a:bodyPr/>
+                    <a:lstStyle/>
+                    <a:p>
+                      <a:r>
+                        <a:rPr lang="en-US" smtClean="0"/>
+                        <a:t>User</a:t>
+                      </a:r>
+                      <a:r>
+                        <a:rPr lang="en-US" baseline="0" smtClean="0"/>
+                        <a:t> 1</a:t>
+                      </a:r>
+                      <a:endParaRPr lang="en-US"/>
+                    </a:p>
+                  </a:txBody>
+                  <a:tcPr/>
+                </a:tc>
+                <a:tc>
+                  <a:txBody>
+                    <a:bodyPr/>
+                    <a:lstStyle/>
+                    <a:p>
+                      <a:r>
+                        <a:rPr lang="en-US" smtClean="0"/>
+                        <a:t>2</a:t>
+                      </a:r>
+                      <a:endParaRPr lang="en-US"/>
+                    </a:p>
+                  </a:txBody>
+                  <a:tcPr/>
+                </a:tc>
+                <a:tc>
+                  <a:txBody>
+                    <a:bodyPr/>
+                    <a:lstStyle/>
+                    <a:p>
+                      <a:r>
+                        <a:rPr lang="en-US" smtClean="0"/>
+                        <a:t>3</a:t>
+                      </a:r>
+                      <a:endParaRPr lang="en-US"/>
+                    </a:p>
+                  </a:txBody>
+                  <a:tcPr/>
+                </a:tc>
+                <a:tc>
+                  <a:txBody>
+                    <a:bodyPr/>
+                    <a:lstStyle/>
+                    <a:p>
+                      <a:r>
+                        <a:rPr lang="en-US" smtClean="0"/>
+                        <a:t>0</a:t>
+                      </a:r>
+                      <a:endParaRPr lang="en-US"/>
+                    </a:p>
+                  </a:txBody>
+                  <a:tcPr/>
+                </a:tc>
+                <a:tc>
+                  <a:txBody>
+                    <a:bodyPr/>
+                    <a:lstStyle/>
+                    <a:p>
+                      <a:r>
+                        <a:rPr lang="en-US" smtClean="0"/>
+                        <a:t>5</a:t>
+                      </a:r>
+                      <a:endParaRPr lang="en-US"/>
+                    </a:p>
+                  </a:txBody>
+                  <a:tcPr/>
+                </a:tc>
+                <a:tc>
+                  <a:txBody>
+                    <a:bodyPr/>
+                    <a:lstStyle/>
+                    <a:p>
+                      <a:r>
+                        <a:rPr lang="en-US" smtClean="0"/>
+                        <a:t>0</a:t>
+                      </a:r>
+                      <a:endParaRPr lang="en-US"/>
+                    </a:p>
+                  </a:txBody>
+                  <a:tcPr/>
+                </a:tc>
+                <a:extLst>
+                  <a:ext uri="{0D108BD9-81ED-4DB2-BD59-A6C34878D82A}">
+                    <a16:rowId xmlns:a16="http://schemas.microsoft.com/office/drawing/2014/main" val="767408591"/>
+                  </a:ext>
+                </a:extLst>
+              </a:tr>
+              <a:tr h="370840">
+                <a:tc>
+                  <a:txBody>
+                    <a:bodyPr/>
+                    <a:lstStyle/>
+                    <a:p>
+                      <a:r>
+                        <a:rPr lang="en-US" smtClean="0"/>
+                        <a:t>User</a:t>
+                      </a:r>
+                      <a:r>
+                        <a:rPr lang="en-US" baseline="0" smtClean="0"/>
+                        <a:t> 2</a:t>
+                      </a:r>
+                      <a:endParaRPr lang="en-US"/>
+                    </a:p>
+                  </a:txBody>
+                  <a:tcPr/>
+                </a:tc>
+                <a:tc>
+                  <a:txBody>
+                    <a:bodyPr/>
+                    <a:lstStyle/>
+                    <a:p>
+                      <a:r>
+                        <a:rPr lang="en-US" smtClean="0"/>
+                        <a:t>0</a:t>
+                      </a:r>
+                      <a:endParaRPr lang="en-US"/>
+                    </a:p>
+                  </a:txBody>
+                  <a:tcPr/>
+                </a:tc>
+                <a:tc>
+                  <a:txBody>
+                    <a:bodyPr/>
+                    <a:lstStyle/>
+                    <a:p>
+                      <a:r>
+                        <a:rPr lang="en-US" smtClean="0"/>
+                        <a:t>3</a:t>
+                      </a:r>
+                      <a:endParaRPr lang="en-US"/>
+                    </a:p>
+                  </a:txBody>
+                  <a:tcPr/>
+                </a:tc>
+                <a:tc>
+                  <a:txBody>
+                    <a:bodyPr/>
+                    <a:lstStyle/>
+                    <a:p>
+                      <a:r>
+                        <a:rPr lang="en-US" smtClean="0"/>
+                        <a:t>1</a:t>
+                      </a:r>
+                      <a:endParaRPr lang="en-US"/>
+                    </a:p>
+                  </a:txBody>
+                  <a:tcPr/>
+                </a:tc>
+                <a:tc>
+                  <a:txBody>
+                    <a:bodyPr/>
+                    <a:lstStyle/>
+                    <a:p>
+                      <a:r>
+                        <a:rPr lang="en-US" smtClean="0"/>
+                        <a:t>4</a:t>
+                      </a:r>
+                      <a:endParaRPr lang="en-US"/>
+                    </a:p>
+                  </a:txBody>
+                  <a:tcPr/>
+                </a:tc>
+                <a:tc>
+                  <a:txBody>
+                    <a:bodyPr/>
+                    <a:lstStyle/>
+                    <a:p>
+                      <a:r>
+                        <a:rPr lang="en-US" smtClean="0"/>
+                        <a:t>0</a:t>
+                      </a:r>
+                      <a:endParaRPr lang="en-US"/>
+                    </a:p>
+                  </a:txBody>
+                  <a:tcPr/>
+                </a:tc>
+                <a:extLst>
+                  <a:ext uri="{0D108BD9-81ED-4DB2-BD59-A6C34878D82A}">
+                    <a16:rowId xmlns:a16="http://schemas.microsoft.com/office/drawing/2014/main" val="4159050115"/>
+                  </a:ext>
+                </a:extLst>
+              </a:tr>
+              <a:tr h="370840">
+                <a:tc>
+                  <a:txBody>
+                    <a:bodyPr/>
+                    <a:lstStyle/>
+                    <a:p>
+                      <a:r>
+                        <a:rPr lang="en-US" smtClean="0"/>
+                        <a:t>User</a:t>
+                      </a:r>
+                      <a:r>
+                        <a:rPr lang="en-US" baseline="0" smtClean="0"/>
+                        <a:t> 3</a:t>
+                      </a:r>
+                      <a:endParaRPr lang="en-US"/>
+                    </a:p>
+                  </a:txBody>
+                  <a:tcPr/>
+                </a:tc>
+                <a:tc>
+                  <a:txBody>
+                    <a:bodyPr/>
+                    <a:lstStyle/>
+                    <a:p>
+                      <a:r>
+                        <a:rPr lang="en-US" smtClean="0"/>
+                        <a:t>5</a:t>
+                      </a:r>
+                      <a:endParaRPr lang="en-US"/>
+                    </a:p>
+                  </a:txBody>
+                  <a:tcPr/>
+                </a:tc>
+                <a:tc>
+                  <a:txBody>
+                    <a:bodyPr/>
+                    <a:lstStyle/>
+                    <a:p>
+                      <a:r>
+                        <a:rPr lang="en-US" smtClean="0"/>
+                        <a:t>0</a:t>
+                      </a:r>
+                      <a:endParaRPr lang="en-US"/>
+                    </a:p>
+                  </a:txBody>
+                  <a:tcPr/>
+                </a:tc>
+                <a:tc>
+                  <a:txBody>
+                    <a:bodyPr/>
+                    <a:lstStyle/>
+                    <a:p>
+                      <a:r>
+                        <a:rPr lang="en-US" smtClean="0"/>
+                        <a:t>0</a:t>
+                      </a:r>
+                      <a:endParaRPr lang="en-US"/>
+                    </a:p>
+                  </a:txBody>
+                  <a:tcPr/>
+                </a:tc>
+                <a:tc>
+                  <a:txBody>
+                    <a:bodyPr/>
+                    <a:lstStyle/>
+                    <a:p>
+                      <a:r>
+                        <a:rPr lang="en-US" smtClean="0"/>
+                        <a:t>3</a:t>
+                      </a:r>
+                      <a:endParaRPr lang="en-US"/>
+                    </a:p>
+                  </a:txBody>
+                  <a:tcPr/>
+                </a:tc>
+                <a:tc>
+                  <a:txBody>
+                    <a:bodyPr/>
+                    <a:lstStyle/>
+                    <a:p>
+                      <a:r>
+                        <a:rPr lang="en-US" smtClean="0"/>
+                        <a:t>3</a:t>
+                      </a:r>
+                      <a:endParaRPr lang="en-US"/>
+                    </a:p>
+                  </a:txBody>
+                  <a:tcPr/>
+                </a:tc>
+                <a:extLst>
+                  <a:ext uri="{0D108BD9-81ED-4DB2-BD59-A6C34878D82A}">
+                    <a16:rowId xmlns:a16="http://schemas.microsoft.com/office/drawing/2014/main" val="1290935619"/>
+                  </a:ext>
+                </a:extLst>
+              </a:tr>
+              <a:tr h="370840">
+                <a:tc>
+                  <a:txBody>
+                    <a:bodyPr/>
+                    <a:lstStyle/>
+                    <a:p>
+                      <a:r>
+                        <a:rPr lang="en-US" smtClean="0"/>
+                        <a:t>User</a:t>
+                      </a:r>
+                      <a:r>
+                        <a:rPr lang="en-US" baseline="0" smtClean="0"/>
+                        <a:t> 4</a:t>
+                      </a:r>
+                      <a:endParaRPr lang="en-US"/>
+                    </a:p>
+                  </a:txBody>
+                  <a:tcPr/>
+                </a:tc>
+                <a:tc>
+                  <a:txBody>
+                    <a:bodyPr/>
+                    <a:lstStyle/>
+                    <a:p>
+                      <a:r>
+                        <a:rPr lang="en-US" smtClean="0"/>
+                        <a:t>0</a:t>
+                      </a:r>
+                      <a:endParaRPr lang="en-US"/>
+                    </a:p>
+                  </a:txBody>
+                  <a:tcPr/>
+                </a:tc>
+                <a:tc>
+                  <a:txBody>
+                    <a:bodyPr/>
+                    <a:lstStyle/>
+                    <a:p>
+                      <a:r>
+                        <a:rPr lang="en-US" smtClean="0"/>
+                        <a:t>5</a:t>
+                      </a:r>
+                      <a:endParaRPr lang="en-US"/>
+                    </a:p>
+                  </a:txBody>
+                  <a:tcPr/>
+                </a:tc>
+                <a:tc>
+                  <a:txBody>
+                    <a:bodyPr/>
+                    <a:lstStyle/>
+                    <a:p>
+                      <a:r>
+                        <a:rPr lang="en-US" smtClean="0"/>
+                        <a:t>1</a:t>
+                      </a:r>
+                      <a:endParaRPr lang="en-US"/>
+                    </a:p>
+                  </a:txBody>
+                  <a:tcPr/>
+                </a:tc>
+                <a:tc>
+                  <a:txBody>
+                    <a:bodyPr/>
+                    <a:lstStyle/>
+                    <a:p>
+                      <a:r>
+                        <a:rPr lang="en-US" smtClean="0"/>
+                        <a:t>4</a:t>
+                      </a:r>
+                      <a:endParaRPr lang="en-US"/>
+                    </a:p>
+                  </a:txBody>
+                  <a:tcPr/>
+                </a:tc>
+                <a:tc>
+                  <a:txBody>
+                    <a:bodyPr/>
+                    <a:lstStyle/>
+                    <a:p>
+                      <a:r>
+                        <a:rPr lang="en-US" smtClean="0"/>
+                        <a:t>4</a:t>
+                      </a:r>
+                      <a:endParaRPr lang="en-US"/>
+                    </a:p>
+                  </a:txBody>
+                  <a:tcPr/>
+                </a:tc>
+                <a:extLst>
+                  <a:ext uri="{0D108BD9-81ED-4DB2-BD59-A6C34878D82A}">
+                    <a16:rowId xmlns:a16="http://schemas.microsoft.com/office/drawing/2014/main" val="2029295727"/>
+                  </a:ext>
+                </a:extLst>
+              </a:tr>
+              <a:tr h="370840">
+                <a:tc>
+                  <a:txBody>
+                    <a:bodyPr/>
+                    <a:lstStyle/>
+                    <a:p>
+                      <a:r>
+                        <a:rPr lang="en-US" smtClean="0"/>
+                        <a:t>User</a:t>
+                      </a:r>
+                      <a:r>
+                        <a:rPr lang="en-US" baseline="0" smtClean="0"/>
+                        <a:t> 5</a:t>
+                      </a:r>
+                      <a:endParaRPr lang="en-US"/>
+                    </a:p>
+                  </a:txBody>
+                  <a:tcPr/>
+                </a:tc>
+                <a:tc>
+                  <a:txBody>
+                    <a:bodyPr/>
+                    <a:lstStyle/>
+                    <a:p>
+                      <a:r>
+                        <a:rPr lang="en-US" smtClean="0"/>
+                        <a:t>5</a:t>
+                      </a:r>
+                      <a:endParaRPr lang="en-US"/>
+                    </a:p>
+                  </a:txBody>
+                  <a:tcPr/>
+                </a:tc>
+                <a:tc>
+                  <a:txBody>
+                    <a:bodyPr/>
+                    <a:lstStyle/>
+                    <a:p>
+                      <a:r>
+                        <a:rPr lang="en-US" smtClean="0"/>
+                        <a:t>0</a:t>
+                      </a:r>
+                      <a:endParaRPr lang="en-US"/>
+                    </a:p>
+                  </a:txBody>
+                  <a:tcPr/>
+                </a:tc>
+                <a:tc>
+                  <a:txBody>
+                    <a:bodyPr/>
+                    <a:lstStyle/>
+                    <a:p>
+                      <a:r>
+                        <a:rPr lang="en-US" smtClean="0"/>
+                        <a:t>0</a:t>
+                      </a:r>
+                      <a:endParaRPr lang="en-US"/>
+                    </a:p>
+                  </a:txBody>
+                  <a:tcPr/>
+                </a:tc>
+                <a:tc>
+                  <a:txBody>
+                    <a:bodyPr/>
+                    <a:lstStyle/>
+                    <a:p>
+                      <a:r>
+                        <a:rPr lang="en-US" smtClean="0"/>
+                        <a:t>4</a:t>
+                      </a:r>
+                      <a:endParaRPr lang="en-US"/>
+                    </a:p>
+                  </a:txBody>
+                  <a:tcPr/>
+                </a:tc>
+                <a:tc>
+                  <a:txBody>
+                    <a:bodyPr/>
+                    <a:lstStyle/>
+                    <a:p>
+                      <a:r>
+                        <a:rPr lang="en-US" smtClean="0"/>
+                        <a:t>3</a:t>
+                      </a:r>
+                      <a:endParaRPr lang="en-US"/>
+                    </a:p>
+                  </a:txBody>
+                  <a:tcPr/>
+                </a:tc>
+                <a:extLst>
+                  <a:ext uri="{0D108BD9-81ED-4DB2-BD59-A6C34878D82A}">
+                    <a16:rowId xmlns:a16="http://schemas.microsoft.com/office/drawing/2014/main" val="3713234298"/>
+                  </a:ext>
+                </a:extLst>
+              </a:tr>
+            </a:tbl>
+          </a:graphicData>
+        </a:graphic>
+      </p:graphicFrame>
+    </p:spTree>
+    <p:extLst>
+      <p:ext uri="{BB962C8B-B14F-4D97-AF65-F5344CB8AC3E}">
+        <p14:creationId xmlns:p14="http://schemas.microsoft.com/office/powerpoint/2010/main" val="2345081867"/>
+      </p:ext>
+    </p:extLst>
+  </p:cSld>
+  <p:clrMapOvr>
+    <a:masterClrMapping/>
+  </p:clrMapOvr>
+  <p:transition spd="slow">
+    <p:push dir="u"/>
+  </p:transition>
+  <p:timing>
+    <p:tnLst>
+      <p:par>
+        <p:cTn id="1" dur="indefinite" restart="never" nodeType="tmRoot">
+          <p:childTnLst>
+            <p:seq concurrent="1" nextAc="seek">
+              <p:cTn id="2" dur="indefinite" nodeType="mainSeq">
+                <p:childTnLst>
+                  <p:par>
+                    <p:cTn id="3" fill="hold">
+                      <p:stCondLst>
+                        <p:cond delay="indefinite"/>
+                      </p:stCondLst>
+                      <p:childTnLst>
+                        <p:par>
+                          <p:cTn id="4" fill="hold">
+                            <p:stCondLst>
+                              <p:cond delay="0"/>
+                            </p:stCondLst>
+                            <p:childTnLst>
+                              <p:par>
+                                <p:cTn id="5" presetID="2" presetClass="exit" presetSubtype="4" fill="hold" grpId="0" nodeType="clickEffect">
+                                  <p:stCondLst>
+                                    <p:cond delay="0"/>
+                                  </p:stCondLst>
+                                  <p:childTnLst>
+                                    <p:anim calcmode="lin" valueType="num">
+                                      <p:cBhvr additive="base">
+                                        <p:cTn id="6" dur="500"/>
+                                        <p:tgtEl>
+                                          <p:spTgt spid="3"/>
+                                        </p:tgtEl>
+                                        <p:attrNameLst>
+                                          <p:attrName>ppt_x</p:attrName>
+                                        </p:attrNameLst>
+                                      </p:cBhvr>
+                                      <p:tavLst>
+                                        <p:tav tm="0">
+                                          <p:val>
+                                            <p:strVal val="ppt_x"/>
+                                          </p:val>
+                                        </p:tav>
+                                        <p:tav tm="100000">
+                                          <p:val>
+                                            <p:strVal val="ppt_x"/>
+                                          </p:val>
+                                        </p:tav>
+                                      </p:tavLst>
+                                    </p:anim>
+                                    <p:anim calcmode="lin" valueType="num">
+                                      <p:cBhvr additive="base">
+                                        <p:cTn id="7" dur="500"/>
+                                        <p:tgtEl>
+                                          <p:spTgt spid="3"/>
+                                        </p:tgtEl>
+                                        <p:attrNameLst>
+                                          <p:attrName>ppt_y</p:attrName>
+                                        </p:attrNameLst>
+                                      </p:cBhvr>
+                                      <p:tavLst>
+                                        <p:tav tm="0">
+                                          <p:val>
+                                            <p:strVal val="ppt_y"/>
+                                          </p:val>
+                                        </p:tav>
+                                        <p:tav tm="100000">
+                                          <p:val>
+                                            <p:strVal val="1+ppt_h/2"/>
+                                          </p:val>
+                                        </p:tav>
+                                      </p:tavLst>
+                                    </p:anim>
+                                    <p:set>
+                                      <p:cBhvr>
+                                        <p:cTn id="8" dur="1" fill="hold">
+                                          <p:stCondLst>
+                                            <p:cond delay="499"/>
+                                          </p:stCondLst>
+                                        </p:cTn>
+                                        <p:tgtEl>
+                                          <p:spTgt spid="3"/>
+                                        </p:tgtEl>
+                                        <p:attrNameLst>
+                                          <p:attrName>style.visibility</p:attrName>
+                                        </p:attrNameLst>
+                                      </p:cBhvr>
+                                      <p:to>
+                                        <p:strVal val="hidden"/>
+                                      </p:to>
+                                    </p:set>
+                                  </p:childTnLst>
+                                </p:cTn>
+                              </p:par>
+                            </p:childTnLst>
+                          </p:cTn>
+                        </p:par>
+                      </p:childTnLst>
+                    </p:cTn>
+                  </p:par>
+                </p:childTnLst>
+              </p:cTn>
+              <p:prevCondLst>
+                <p:cond evt="onPrev" delay="0">
+                  <p:tgtEl>
+                    <p:sldTgt/>
+                  </p:tgtEl>
+                </p:cond>
+              </p:prevCondLst>
+              <p:nextCondLst>
+                <p:cond evt="onNext" delay="0">
+                  <p:tgtEl>
+                    <p:sldTgt/>
+                  </p:tgtEl>
+                </p:cond>
+              </p:nextCondLst>
+            </p:seq>
+          </p:childTnLst>
+        </p:cTn>
+      </p:par>
+    </p:tnLst>
+    <p:bldLst>
+      <p:bldP spid="3" grpId="0"/>
+    </p:bldLst>
+  </p:timing>
+</p:sld>
+</file>
+
+<file path=ppt/slides/slide14.xml><?xml version="1.0" encoding="utf-8"?>
+<p:sld xmlns:a="http://schemas.openxmlformats.org/drawingml/2006/main" xmlns:r="http://schemas.openxmlformats.org/officeDocument/2006/relationships" xmlns:p="http://schemas.openxmlformats.org/presentationml/2006/main">
+  <p:cSld>
+    <p:spTree>
+      <p:nvGrpSpPr>
+        <p:cNvPr id="1" name="Shape 62"/>
+        <p:cNvGrpSpPr/>
+        <p:nvPr/>
+      </p:nvGrpSpPr>
+      <p:grpSpPr>
+        <a:xfrm>
+          <a:off x="0" y="0"/>
+          <a:ext cx="0" cy="0"/>
+          <a:chOff x="0" y="0"/>
+          <a:chExt cx="0" cy="0"/>
+        </a:xfrm>
+      </p:grpSpPr>
+      <p:sp>
+        <p:nvSpPr>
+          <p:cNvPr id="63" name="Google Shape;63;p14"/>
+          <p:cNvSpPr txBox="1">
+            <a:spLocks noGrp="1"/>
+          </p:cNvSpPr>
+          <p:nvPr>
+            <p:ph type="title"/>
+          </p:nvPr>
+        </p:nvSpPr>
+        <p:spPr>
+          <a:xfrm>
+            <a:off x="217516" y="574531"/>
+            <a:ext cx="1700700" cy="2200199"/>
+          </a:xfrm>
+          <a:prstGeom prst="rect">
+            <a:avLst/>
+          </a:prstGeom>
+        </p:spPr>
+        <p:txBody>
+          <a:bodyPr spcFirstLastPara="1" wrap="square" lIns="91425" tIns="91425" rIns="91425" bIns="91425" anchor="t" anchorCtr="0">
+            <a:noAutofit/>
+          </a:bodyPr>
+          <a:lstStyle/>
+          <a:p>
+            <a:pPr marL="0" lvl="0" indent="0" algn="ctr" rtl="0">
+              <a:spcBef>
+                <a:spcPts val="0"/>
+              </a:spcBef>
+              <a:spcAft>
+                <a:spcPts val="0"/>
+              </a:spcAft>
+              <a:buNone/>
+            </a:pPr>
+            <a:r>
+              <a:rPr lang="en" sz="3000" dirty="0">
+                <a:latin typeface="Times New Roman" panose="02020603050405020304" pitchFamily="18" charset="0"/>
+                <a:cs typeface="Times New Roman" panose="02020603050405020304" pitchFamily="18" charset="0"/>
+              </a:rPr>
+              <a:t>4</a:t>
+            </a:r>
+            <a:r>
+              <a:rPr lang="en" sz="3000" smtClean="0">
+                <a:latin typeface="Times New Roman" panose="02020603050405020304" pitchFamily="18" charset="0"/>
+                <a:cs typeface="Times New Roman" panose="02020603050405020304" pitchFamily="18" charset="0"/>
+              </a:rPr>
+              <a:t>. Thực nghiệm</a:t>
+            </a:r>
+            <a:endParaRPr sz="3000" dirty="0">
+              <a:latin typeface="Times New Roman" panose="02020603050405020304" pitchFamily="18" charset="0"/>
+              <a:cs typeface="Times New Roman" panose="02020603050405020304" pitchFamily="18" charset="0"/>
+            </a:endParaRPr>
+          </a:p>
+        </p:txBody>
+      </p:sp>
+      <p:sp>
+        <p:nvSpPr>
+          <p:cNvPr id="73" name="Google Shape;73;p14"/>
+          <p:cNvSpPr txBox="1">
+            <a:spLocks noGrp="1"/>
+          </p:cNvSpPr>
+          <p:nvPr>
+            <p:ph type="sldNum" idx="12"/>
+          </p:nvPr>
+        </p:nvSpPr>
+        <p:spPr>
+          <a:prstGeom prst="rect">
+            <a:avLst/>
+          </a:prstGeom>
+        </p:spPr>
+        <p:txBody>
+          <a:bodyPr spcFirstLastPara="1" wrap="square" lIns="91425" tIns="91425" rIns="91425" bIns="91425" anchor="t" anchorCtr="0">
+            <a:noAutofit/>
+          </a:bodyPr>
+          <a:lstStyle/>
+          <a:p>
+            <a:pPr marL="0" lvl="0" indent="0" algn="r" rtl="0">
+              <a:spcBef>
+                <a:spcPts val="0"/>
+              </a:spcBef>
+              <a:spcAft>
+                <a:spcPts val="0"/>
+              </a:spcAft>
+              <a:buNone/>
+            </a:pPr>
+            <a:fld id="{00000000-1234-1234-1234-123412341234}" type="slidenum">
+              <a:rPr lang="en"/>
+              <a:t>14</a:t>
+            </a:fld>
+            <a:endParaRPr/>
+          </a:p>
+        </p:txBody>
+      </p:sp>
+      <p:sp>
+        <p:nvSpPr>
+          <p:cNvPr id="2" name="TextBox 1"/>
+          <p:cNvSpPr txBox="1"/>
+          <p:nvPr/>
+        </p:nvSpPr>
+        <p:spPr>
+          <a:xfrm>
+            <a:off x="2971800" y="218209"/>
+            <a:ext cx="5112327" cy="369332"/>
+          </a:xfrm>
+          <a:prstGeom prst="rect">
+            <a:avLst/>
+          </a:prstGeom>
+          <a:noFill/>
+        </p:spPr>
+        <p:txBody>
+          <a:bodyPr wrap="square" rtlCol="0">
+            <a:spAutoFit/>
+          </a:bodyPr>
+          <a:lstStyle/>
+          <a:p>
+            <a:r>
+              <a:rPr lang="en-US" smtClean="0"/>
+              <a:t>Ví dụ về hệ thống gợi ý trong thực tế</a:t>
+            </a:r>
+            <a:endParaRPr lang="en-US"/>
+          </a:p>
+        </p:txBody>
+      </p:sp>
+      <p:graphicFrame>
+        <p:nvGraphicFramePr>
+          <p:cNvPr id="4" name="Table 3"/>
+          <p:cNvGraphicFramePr>
+            <a:graphicFrameLocks noGrp="1"/>
+          </p:cNvGraphicFramePr>
+          <p:nvPr>
+            <p:extLst>
+              <p:ext uri="{D42A27DB-BD31-4B8C-83A1-F6EECF244321}">
+                <p14:modId xmlns:p14="http://schemas.microsoft.com/office/powerpoint/2010/main" val="1475714504"/>
+              </p:ext>
+            </p:extLst>
+          </p:nvPr>
+        </p:nvGraphicFramePr>
+        <p:xfrm>
+          <a:off x="2735134" y="675288"/>
+          <a:ext cx="6096000" cy="2357120"/>
+        </p:xfrm>
+        <a:graphic>
+          <a:graphicData uri="http://schemas.openxmlformats.org/drawingml/2006/table">
+            <a:tbl>
+              <a:tblPr firstRow="1" bandRow="1">
+                <a:tableStyleId>{2321ECFE-6A18-4F7A-A680-A125930F3448}</a:tableStyleId>
+              </a:tblPr>
+              <a:tblGrid>
+                <a:gridCol w="793083">
+                  <a:extLst>
+                    <a:ext uri="{9D8B030D-6E8A-4147-A177-3AD203B41FA5}">
+                      <a16:colId xmlns:a16="http://schemas.microsoft.com/office/drawing/2014/main" val="2718554224"/>
+                    </a:ext>
+                  </a:extLst>
+                </a:gridCol>
+                <a:gridCol w="1238917">
+                  <a:extLst>
+                    <a:ext uri="{9D8B030D-6E8A-4147-A177-3AD203B41FA5}">
+                      <a16:colId xmlns:a16="http://schemas.microsoft.com/office/drawing/2014/main" val="4235257329"/>
+                    </a:ext>
+                  </a:extLst>
+                </a:gridCol>
+                <a:gridCol w="1016000">
+                  <a:extLst>
+                    <a:ext uri="{9D8B030D-6E8A-4147-A177-3AD203B41FA5}">
+                      <a16:colId xmlns:a16="http://schemas.microsoft.com/office/drawing/2014/main" val="689169244"/>
+                    </a:ext>
+                  </a:extLst>
+                </a:gridCol>
+                <a:gridCol w="1016000">
+                  <a:extLst>
+                    <a:ext uri="{9D8B030D-6E8A-4147-A177-3AD203B41FA5}">
+                      <a16:colId xmlns:a16="http://schemas.microsoft.com/office/drawing/2014/main" val="3077779139"/>
+                    </a:ext>
+                  </a:extLst>
+                </a:gridCol>
+                <a:gridCol w="1016000">
+                  <a:extLst>
+                    <a:ext uri="{9D8B030D-6E8A-4147-A177-3AD203B41FA5}">
+                      <a16:colId xmlns:a16="http://schemas.microsoft.com/office/drawing/2014/main" val="3420480826"/>
+                    </a:ext>
+                  </a:extLst>
+                </a:gridCol>
+                <a:gridCol w="1016000">
+                  <a:extLst>
+                    <a:ext uri="{9D8B030D-6E8A-4147-A177-3AD203B41FA5}">
+                      <a16:colId xmlns:a16="http://schemas.microsoft.com/office/drawing/2014/main" val="1271437570"/>
+                    </a:ext>
+                  </a:extLst>
+                </a:gridCol>
+              </a:tblGrid>
+              <a:tr h="370840">
+                <a:tc>
+                  <a:txBody>
+                    <a:bodyPr/>
+                    <a:lstStyle/>
+                    <a:p>
+                      <a:endParaRPr lang="en-US"/>
+                    </a:p>
+                  </a:txBody>
+                  <a:tcPr/>
+                </a:tc>
+                <a:tc>
+                  <a:txBody>
+                    <a:bodyPr/>
+                    <a:lstStyle/>
+                    <a:p>
+                      <a:r>
+                        <a:rPr lang="en-US" smtClean="0"/>
+                        <a:t>Cam xả</a:t>
+                      </a:r>
+                      <a:endParaRPr lang="en-US"/>
+                    </a:p>
+                  </a:txBody>
+                  <a:tcPr/>
+                </a:tc>
+                <a:tc>
+                  <a:txBody>
+                    <a:bodyPr/>
+                    <a:lstStyle/>
+                    <a:p>
+                      <a:r>
+                        <a:rPr lang="en-US" smtClean="0"/>
+                        <a:t>Trà</a:t>
+                      </a:r>
+                      <a:r>
+                        <a:rPr lang="en-US" baseline="0" smtClean="0"/>
+                        <a:t> tắc</a:t>
+                      </a:r>
+                      <a:endParaRPr lang="en-US"/>
+                    </a:p>
+                  </a:txBody>
+                  <a:tcPr/>
+                </a:tc>
+                <a:tc>
+                  <a:txBody>
+                    <a:bodyPr/>
+                    <a:lstStyle/>
+                    <a:p>
+                      <a:r>
+                        <a:rPr lang="en-US" smtClean="0"/>
+                        <a:t>Café</a:t>
+                      </a:r>
+                      <a:endParaRPr lang="en-US"/>
+                    </a:p>
+                  </a:txBody>
+                  <a:tcPr/>
+                </a:tc>
+                <a:tc>
+                  <a:txBody>
+                    <a:bodyPr/>
+                    <a:lstStyle/>
+                    <a:p>
+                      <a:r>
+                        <a:rPr lang="en-US" smtClean="0"/>
+                        <a:t>Nước</a:t>
+                      </a:r>
+                      <a:r>
+                        <a:rPr lang="en-US" baseline="0" smtClean="0"/>
+                        <a:t> lọc</a:t>
+                      </a:r>
+                      <a:endParaRPr lang="en-US"/>
+                    </a:p>
+                  </a:txBody>
+                  <a:tcPr/>
+                </a:tc>
+                <a:tc>
+                  <a:txBody>
+                    <a:bodyPr/>
+                    <a:lstStyle/>
+                    <a:p>
+                      <a:r>
+                        <a:rPr lang="en-US" smtClean="0"/>
+                        <a:t>Soda</a:t>
+                      </a:r>
+                      <a:r>
+                        <a:rPr lang="en-US" baseline="0" smtClean="0"/>
+                        <a:t> chanh</a:t>
+                      </a:r>
+                      <a:endParaRPr lang="en-US"/>
+                    </a:p>
+                  </a:txBody>
+                  <a:tcPr/>
+                </a:tc>
+                <a:extLst>
+                  <a:ext uri="{0D108BD9-81ED-4DB2-BD59-A6C34878D82A}">
+                    <a16:rowId xmlns:a16="http://schemas.microsoft.com/office/drawing/2014/main" val="2611754382"/>
+                  </a:ext>
+                </a:extLst>
+              </a:tr>
+              <a:tr h="370840">
+                <a:tc>
+                  <a:txBody>
+                    <a:bodyPr/>
+                    <a:lstStyle/>
+                    <a:p>
+                      <a:r>
+                        <a:rPr lang="en-US" smtClean="0"/>
+                        <a:t>User</a:t>
+                      </a:r>
+                      <a:r>
+                        <a:rPr lang="en-US" baseline="0" smtClean="0"/>
+                        <a:t> 1</a:t>
+                      </a:r>
+                      <a:endParaRPr lang="en-US"/>
+                    </a:p>
+                  </a:txBody>
+                  <a:tcPr/>
+                </a:tc>
+                <a:tc>
+                  <a:txBody>
+                    <a:bodyPr/>
+                    <a:lstStyle/>
+                    <a:p>
+                      <a:r>
+                        <a:rPr lang="en-US" smtClean="0"/>
+                        <a:t>4</a:t>
+                      </a:r>
+                      <a:endParaRPr lang="en-US"/>
+                    </a:p>
+                  </a:txBody>
+                  <a:tcPr/>
+                </a:tc>
+                <a:tc>
+                  <a:txBody>
+                    <a:bodyPr/>
+                    <a:lstStyle/>
+                    <a:p>
+                      <a:r>
+                        <a:rPr lang="en-US" smtClean="0"/>
+                        <a:t>3</a:t>
+                      </a:r>
+                      <a:endParaRPr lang="en-US"/>
+                    </a:p>
+                  </a:txBody>
+                  <a:tcPr>
+                    <a:solidFill>
+                      <a:schemeClr val="accent2"/>
+                    </a:solidFill>
+                  </a:tcPr>
+                </a:tc>
+                <a:tc>
+                  <a:txBody>
+                    <a:bodyPr/>
+                    <a:lstStyle/>
+                    <a:p>
+                      <a:r>
+                        <a:rPr lang="en-US" smtClean="0"/>
+                        <a:t>0</a:t>
+                      </a:r>
+                      <a:endParaRPr lang="en-US"/>
+                    </a:p>
+                  </a:txBody>
+                  <a:tcPr/>
+                </a:tc>
+                <a:tc>
+                  <a:txBody>
+                    <a:bodyPr/>
+                    <a:lstStyle/>
+                    <a:p>
+                      <a:r>
+                        <a:rPr lang="en-US" smtClean="0"/>
+                        <a:t>5</a:t>
+                      </a:r>
+                      <a:endParaRPr lang="en-US"/>
+                    </a:p>
+                  </a:txBody>
+                  <a:tcPr>
+                    <a:solidFill>
+                      <a:schemeClr val="accent2"/>
+                    </a:solidFill>
+                  </a:tcPr>
+                </a:tc>
+                <a:tc>
+                  <a:txBody>
+                    <a:bodyPr/>
+                    <a:lstStyle/>
+                    <a:p>
+                      <a:r>
+                        <a:rPr lang="en-US" smtClean="0"/>
+                        <a:t>0</a:t>
+                      </a:r>
+                      <a:endParaRPr lang="en-US"/>
+                    </a:p>
+                  </a:txBody>
+                  <a:tcPr/>
+                </a:tc>
+                <a:extLst>
+                  <a:ext uri="{0D108BD9-81ED-4DB2-BD59-A6C34878D82A}">
+                    <a16:rowId xmlns:a16="http://schemas.microsoft.com/office/drawing/2014/main" val="767408591"/>
+                  </a:ext>
+                </a:extLst>
+              </a:tr>
+              <a:tr h="370840">
+                <a:tc>
+                  <a:txBody>
+                    <a:bodyPr/>
+                    <a:lstStyle/>
+                    <a:p>
+                      <a:r>
+                        <a:rPr lang="en-US" smtClean="0"/>
+                        <a:t>User</a:t>
+                      </a:r>
+                      <a:r>
+                        <a:rPr lang="en-US" baseline="0" smtClean="0"/>
+                        <a:t> 2</a:t>
+                      </a:r>
+                      <a:endParaRPr lang="en-US"/>
+                    </a:p>
+                  </a:txBody>
+                  <a:tcPr/>
+                </a:tc>
+                <a:tc>
+                  <a:txBody>
+                    <a:bodyPr/>
+                    <a:lstStyle/>
+                    <a:p>
+                      <a:r>
+                        <a:rPr lang="en-US" smtClean="0"/>
+                        <a:t>0</a:t>
+                      </a:r>
+                      <a:endParaRPr lang="en-US"/>
+                    </a:p>
+                  </a:txBody>
+                  <a:tcPr/>
+                </a:tc>
+                <a:tc>
+                  <a:txBody>
+                    <a:bodyPr/>
+                    <a:lstStyle/>
+                    <a:p>
+                      <a:r>
+                        <a:rPr lang="en-US" smtClean="0"/>
+                        <a:t>3</a:t>
+                      </a:r>
+                      <a:endParaRPr lang="en-US"/>
+                    </a:p>
+                  </a:txBody>
+                  <a:tcPr>
+                    <a:solidFill>
+                      <a:schemeClr val="accent2"/>
+                    </a:solidFill>
+                  </a:tcPr>
+                </a:tc>
+                <a:tc>
+                  <a:txBody>
+                    <a:bodyPr/>
+                    <a:lstStyle/>
+                    <a:p>
+                      <a:r>
+                        <a:rPr lang="en-US" smtClean="0"/>
+                        <a:t>1</a:t>
+                      </a:r>
+                      <a:endParaRPr lang="en-US"/>
+                    </a:p>
+                  </a:txBody>
+                  <a:tcPr/>
+                </a:tc>
+                <a:tc>
+                  <a:txBody>
+                    <a:bodyPr/>
+                    <a:lstStyle/>
+                    <a:p>
+                      <a:r>
+                        <a:rPr lang="en-US" smtClean="0"/>
+                        <a:t>4</a:t>
+                      </a:r>
+                      <a:endParaRPr lang="en-US"/>
+                    </a:p>
+                  </a:txBody>
+                  <a:tcPr>
+                    <a:solidFill>
+                      <a:schemeClr val="accent2"/>
+                    </a:solidFill>
+                  </a:tcPr>
+                </a:tc>
+                <a:tc>
+                  <a:txBody>
+                    <a:bodyPr/>
+                    <a:lstStyle/>
+                    <a:p>
+                      <a:r>
+                        <a:rPr lang="en-US" smtClean="0"/>
+                        <a:t>0</a:t>
+                      </a:r>
+                      <a:endParaRPr lang="en-US"/>
+                    </a:p>
+                  </a:txBody>
+                  <a:tcPr/>
+                </a:tc>
+                <a:extLst>
+                  <a:ext uri="{0D108BD9-81ED-4DB2-BD59-A6C34878D82A}">
+                    <a16:rowId xmlns:a16="http://schemas.microsoft.com/office/drawing/2014/main" val="4159050115"/>
+                  </a:ext>
+                </a:extLst>
+              </a:tr>
+              <a:tr h="370840">
+                <a:tc>
+                  <a:txBody>
+                    <a:bodyPr/>
+                    <a:lstStyle/>
+                    <a:p>
+                      <a:r>
+                        <a:rPr lang="en-US" smtClean="0"/>
+                        <a:t>User</a:t>
+                      </a:r>
+                      <a:r>
+                        <a:rPr lang="en-US" baseline="0" smtClean="0"/>
+                        <a:t> 3</a:t>
+                      </a:r>
+                      <a:endParaRPr lang="en-US"/>
+                    </a:p>
+                  </a:txBody>
+                  <a:tcPr/>
+                </a:tc>
+                <a:tc>
+                  <a:txBody>
+                    <a:bodyPr/>
+                    <a:lstStyle/>
+                    <a:p>
+                      <a:r>
+                        <a:rPr lang="en-US" smtClean="0"/>
+                        <a:t>5</a:t>
+                      </a:r>
+                      <a:endParaRPr lang="en-US"/>
+                    </a:p>
+                  </a:txBody>
+                  <a:tcPr/>
+                </a:tc>
+                <a:tc>
+                  <a:txBody>
+                    <a:bodyPr/>
+                    <a:lstStyle/>
+                    <a:p>
+                      <a:r>
+                        <a:rPr lang="en-US" smtClean="0"/>
+                        <a:t>0</a:t>
+                      </a:r>
+                      <a:endParaRPr lang="en-US"/>
+                    </a:p>
+                  </a:txBody>
+                  <a:tcPr/>
+                </a:tc>
+                <a:tc>
+                  <a:txBody>
+                    <a:bodyPr/>
+                    <a:lstStyle/>
+                    <a:p>
+                      <a:r>
+                        <a:rPr lang="en-US" smtClean="0"/>
+                        <a:t>0</a:t>
+                      </a:r>
+                      <a:endParaRPr lang="en-US"/>
+                    </a:p>
+                  </a:txBody>
+                  <a:tcPr/>
+                </a:tc>
+                <a:tc>
+                  <a:txBody>
+                    <a:bodyPr/>
+                    <a:lstStyle/>
+                    <a:p>
+                      <a:r>
+                        <a:rPr lang="en-US" smtClean="0"/>
+                        <a:t>3</a:t>
+                      </a:r>
+                      <a:endParaRPr lang="en-US"/>
+                    </a:p>
+                  </a:txBody>
+                  <a:tcPr/>
+                </a:tc>
+                <a:tc>
+                  <a:txBody>
+                    <a:bodyPr/>
+                    <a:lstStyle/>
+                    <a:p>
+                      <a:r>
+                        <a:rPr lang="en-US" smtClean="0"/>
+                        <a:t>3</a:t>
+                      </a:r>
+                      <a:endParaRPr lang="en-US"/>
+                    </a:p>
+                  </a:txBody>
+                  <a:tcPr/>
+                </a:tc>
+                <a:extLst>
+                  <a:ext uri="{0D108BD9-81ED-4DB2-BD59-A6C34878D82A}">
+                    <a16:rowId xmlns:a16="http://schemas.microsoft.com/office/drawing/2014/main" val="1290935619"/>
+                  </a:ext>
+                </a:extLst>
+              </a:tr>
+              <a:tr h="370840">
+                <a:tc>
+                  <a:txBody>
+                    <a:bodyPr/>
+                    <a:lstStyle/>
+                    <a:p>
+                      <a:r>
+                        <a:rPr lang="en-US" smtClean="0"/>
+                        <a:t>User</a:t>
+                      </a:r>
+                      <a:r>
+                        <a:rPr lang="en-US" baseline="0" smtClean="0"/>
+                        <a:t> 4</a:t>
+                      </a:r>
+                      <a:endParaRPr lang="en-US"/>
+                    </a:p>
+                  </a:txBody>
+                  <a:tcPr/>
+                </a:tc>
+                <a:tc>
+                  <a:txBody>
+                    <a:bodyPr/>
+                    <a:lstStyle/>
+                    <a:p>
+                      <a:r>
+                        <a:rPr lang="en-US" smtClean="0"/>
+                        <a:t>0</a:t>
+                      </a:r>
+                      <a:endParaRPr lang="en-US"/>
+                    </a:p>
+                  </a:txBody>
+                  <a:tcPr/>
+                </a:tc>
+                <a:tc>
+                  <a:txBody>
+                    <a:bodyPr/>
+                    <a:lstStyle/>
+                    <a:p>
+                      <a:r>
+                        <a:rPr lang="en-US" smtClean="0"/>
+                        <a:t>5</a:t>
+                      </a:r>
+                      <a:endParaRPr lang="en-US"/>
+                    </a:p>
+                  </a:txBody>
+                  <a:tcPr/>
+                </a:tc>
+                <a:tc>
+                  <a:txBody>
+                    <a:bodyPr/>
+                    <a:lstStyle/>
+                    <a:p>
+                      <a:r>
+                        <a:rPr lang="en-US" smtClean="0"/>
+                        <a:t>1</a:t>
+                      </a:r>
+                      <a:endParaRPr lang="en-US"/>
+                    </a:p>
+                  </a:txBody>
+                  <a:tcPr/>
+                </a:tc>
+                <a:tc>
+                  <a:txBody>
+                    <a:bodyPr/>
+                    <a:lstStyle/>
+                    <a:p>
+                      <a:r>
+                        <a:rPr lang="en-US" smtClean="0"/>
+                        <a:t>4</a:t>
+                      </a:r>
+                      <a:endParaRPr lang="en-US"/>
+                    </a:p>
+                  </a:txBody>
+                  <a:tcPr/>
+                </a:tc>
+                <a:tc>
+                  <a:txBody>
+                    <a:bodyPr/>
+                    <a:lstStyle/>
+                    <a:p>
+                      <a:r>
+                        <a:rPr lang="en-US" smtClean="0"/>
+                        <a:t>4</a:t>
+                      </a:r>
+                      <a:endParaRPr lang="en-US"/>
+                    </a:p>
+                  </a:txBody>
+                  <a:tcPr/>
+                </a:tc>
+                <a:extLst>
+                  <a:ext uri="{0D108BD9-81ED-4DB2-BD59-A6C34878D82A}">
+                    <a16:rowId xmlns:a16="http://schemas.microsoft.com/office/drawing/2014/main" val="2029295727"/>
+                  </a:ext>
+                </a:extLst>
+              </a:tr>
+              <a:tr h="370840">
+                <a:tc>
+                  <a:txBody>
+                    <a:bodyPr/>
+                    <a:lstStyle/>
+                    <a:p>
+                      <a:r>
+                        <a:rPr lang="en-US" smtClean="0"/>
+                        <a:t>User</a:t>
+                      </a:r>
+                      <a:r>
+                        <a:rPr lang="en-US" baseline="0" smtClean="0"/>
+                        <a:t> 5</a:t>
+                      </a:r>
+                      <a:endParaRPr lang="en-US"/>
+                    </a:p>
+                  </a:txBody>
+                  <a:tcPr/>
+                </a:tc>
+                <a:tc>
+                  <a:txBody>
+                    <a:bodyPr/>
+                    <a:lstStyle/>
+                    <a:p>
+                      <a:r>
+                        <a:rPr lang="en-US" smtClean="0"/>
+                        <a:t>5</a:t>
+                      </a:r>
+                      <a:endParaRPr lang="en-US"/>
+                    </a:p>
+                  </a:txBody>
+                  <a:tcPr/>
+                </a:tc>
+                <a:tc>
+                  <a:txBody>
+                    <a:bodyPr/>
+                    <a:lstStyle/>
+                    <a:p>
+                      <a:r>
+                        <a:rPr lang="en-US" smtClean="0"/>
+                        <a:t>0</a:t>
+                      </a:r>
+                      <a:endParaRPr lang="en-US"/>
+                    </a:p>
+                  </a:txBody>
+                  <a:tcPr/>
+                </a:tc>
+                <a:tc>
+                  <a:txBody>
+                    <a:bodyPr/>
+                    <a:lstStyle/>
+                    <a:p>
+                      <a:r>
+                        <a:rPr lang="en-US" smtClean="0"/>
+                        <a:t>0</a:t>
+                      </a:r>
+                      <a:endParaRPr lang="en-US"/>
+                    </a:p>
+                  </a:txBody>
+                  <a:tcPr/>
+                </a:tc>
+                <a:tc>
+                  <a:txBody>
+                    <a:bodyPr/>
+                    <a:lstStyle/>
+                    <a:p>
+                      <a:r>
+                        <a:rPr lang="en-US" smtClean="0"/>
+                        <a:t>4</a:t>
+                      </a:r>
+                      <a:endParaRPr lang="en-US"/>
+                    </a:p>
+                  </a:txBody>
+                  <a:tcPr/>
+                </a:tc>
+                <a:tc>
+                  <a:txBody>
+                    <a:bodyPr/>
+                    <a:lstStyle/>
+                    <a:p>
+                      <a:r>
+                        <a:rPr lang="en-US" smtClean="0"/>
+                        <a:t>3</a:t>
+                      </a:r>
+                      <a:endParaRPr lang="en-US"/>
+                    </a:p>
+                  </a:txBody>
+                  <a:tcPr/>
+                </a:tc>
+                <a:extLst>
+                  <a:ext uri="{0D108BD9-81ED-4DB2-BD59-A6C34878D82A}">
+                    <a16:rowId xmlns:a16="http://schemas.microsoft.com/office/drawing/2014/main" val="3713234298"/>
+                  </a:ext>
+                </a:extLst>
+              </a:tr>
+            </a:tbl>
+          </a:graphicData>
+        </a:graphic>
+      </p:graphicFrame>
+      <p:sp>
+        <p:nvSpPr>
+          <p:cNvPr id="5" name="TextBox 4"/>
+          <p:cNvSpPr txBox="1"/>
+          <p:nvPr/>
+        </p:nvSpPr>
+        <p:spPr>
+          <a:xfrm>
+            <a:off x="2735134" y="3215058"/>
+            <a:ext cx="5902036" cy="1169551"/>
+          </a:xfrm>
+          <a:prstGeom prst="rect">
+            <a:avLst/>
+          </a:prstGeom>
+          <a:noFill/>
+        </p:spPr>
+        <p:txBody>
+          <a:bodyPr wrap="square" rtlCol="0">
+            <a:spAutoFit/>
+          </a:bodyPr>
+          <a:lstStyle/>
+          <a:p>
+            <a:r>
+              <a:rPr lang="en-US" sz="1400" smtClean="0"/>
+              <a:t>User 1 và User 2 có lẽ thích uống </a:t>
+            </a:r>
+            <a:r>
+              <a:rPr lang="en-US" sz="1400" b="1" smtClean="0"/>
+              <a:t>trà tắc </a:t>
+            </a:r>
+            <a:r>
+              <a:rPr lang="en-US" sz="1400" smtClean="0"/>
+              <a:t>và  </a:t>
+            </a:r>
+            <a:r>
+              <a:rPr lang="en-US" sz="1400" b="1" smtClean="0"/>
+              <a:t>nước lọc</a:t>
+            </a:r>
+            <a:r>
+              <a:rPr lang="en-US" sz="1400" smtClean="0"/>
+              <a:t>. Vì vậy có thể 2 user này cùng sở thích, cùng gu. </a:t>
+            </a:r>
+            <a:br>
+              <a:rPr lang="en-US" sz="1400" smtClean="0"/>
+            </a:br>
+            <a:r>
+              <a:rPr lang="en-US" sz="1400" smtClean="0"/>
+              <a:t>Cho nên nếu </a:t>
+            </a:r>
+            <a:r>
+              <a:rPr lang="en-US" sz="1400" b="1" smtClean="0"/>
+              <a:t>User 2</a:t>
+            </a:r>
+            <a:r>
+              <a:rPr lang="en-US" sz="1400" smtClean="0"/>
+              <a:t> muốn uống gì đó thì </a:t>
+            </a:r>
+            <a:r>
+              <a:rPr lang="en-US" sz="1400" b="1" smtClean="0"/>
+              <a:t>user 1</a:t>
+            </a:r>
+            <a:r>
+              <a:rPr lang="en-US" sz="1400" smtClean="0"/>
+              <a:t> sẽ gợi ý những đồ uống mà user thích(có điểm số cao). Cụ thể </a:t>
+            </a:r>
+            <a:r>
+              <a:rPr lang="en-US" sz="1400" b="1" smtClean="0"/>
+              <a:t>user 1</a:t>
+            </a:r>
+            <a:r>
+              <a:rPr lang="en-US" sz="1400" smtClean="0"/>
+              <a:t> sẽ gợi ý cho </a:t>
+            </a:r>
+            <a:r>
+              <a:rPr lang="en-US" sz="1400" b="1" smtClean="0"/>
+              <a:t>user 2</a:t>
+            </a:r>
+            <a:r>
+              <a:rPr lang="en-US" sz="1400" smtClean="0"/>
+              <a:t> uống </a:t>
+            </a:r>
+            <a:r>
+              <a:rPr lang="en-US" sz="1400" b="1" smtClean="0"/>
+              <a:t>cam xả </a:t>
+            </a:r>
+            <a:r>
+              <a:rPr lang="en-US" sz="1400" smtClean="0"/>
+              <a:t>(vì có số điểm cao = 4). </a:t>
+            </a:r>
+            <a:endParaRPr lang="en-US" sz="1400"/>
+          </a:p>
+        </p:txBody>
+      </p:sp>
+      <p:sp>
+        <p:nvSpPr>
+          <p:cNvPr id="9" name="TextBox 8"/>
+          <p:cNvSpPr txBox="1"/>
+          <p:nvPr/>
+        </p:nvSpPr>
+        <p:spPr>
+          <a:xfrm>
+            <a:off x="2832116" y="3336568"/>
+            <a:ext cx="5902036" cy="738664"/>
+          </a:xfrm>
+          <a:prstGeom prst="rect">
+            <a:avLst/>
+          </a:prstGeom>
+          <a:noFill/>
+        </p:spPr>
+        <p:txBody>
+          <a:bodyPr wrap="square" rtlCol="0">
+            <a:spAutoFit/>
+          </a:bodyPr>
+          <a:lstStyle/>
+          <a:p>
+            <a:r>
+              <a:rPr lang="en-US" sz="1400"/>
+              <a:t>Vì hợp gu với user 1 nên có thể user 2 sẽ uống cam xả và chấm cho cam xả 3 điểm chẳng hạn. Và hệ thống lọc cộng tác  cần làm việc đó thay user 2, và đưa ra gợi ý.</a:t>
+            </a:r>
+            <a:endParaRPr lang="en-US" sz="1400"/>
+          </a:p>
+        </p:txBody>
+      </p:sp>
+    </p:spTree>
+    <p:extLst>
+      <p:ext uri="{BB962C8B-B14F-4D97-AF65-F5344CB8AC3E}">
+        <p14:creationId xmlns:p14="http://schemas.microsoft.com/office/powerpoint/2010/main" val="399586695"/>
+      </p:ext>
+    </p:extLst>
+  </p:cSld>
+  <p:clrMapOvr>
+    <a:masterClrMapping/>
+  </p:clrMapOvr>
+  <p:transition spd="slow">
+    <p:push dir="u"/>
+  </p:transition>
+  <p:timing>
+    <p:tnLst>
+      <p:par>
+        <p:cTn id="1" dur="indefinite" restart="never" nodeType="tmRoot">
+          <p:childTnLst>
+            <p:seq concurrent="1" nextAc="seek">
+              <p:cTn id="2" dur="indefinite" nodeType="mainSeq">
+                <p:childTnLst>
+                  <p:par>
+                    <p:cTn id="3" fill="hold">
+                      <p:stCondLst>
+                        <p:cond delay="indefinite"/>
+                      </p:stCondLst>
+                      <p:childTnLst>
+                        <p:par>
+                          <p:cTn id="4" fill="hold">
+                            <p:stCondLst>
+                              <p:cond delay="0"/>
+                            </p:stCondLst>
+                            <p:childTnLst>
+                              <p:par>
+                                <p:cTn id="5" presetID="42" presetClass="exit" presetSubtype="0" fill="hold" grpId="0" nodeType="clickEffect">
+                                  <p:stCondLst>
+                                    <p:cond delay="0"/>
+                                  </p:stCondLst>
+                                  <p:childTnLst>
+                                    <p:animEffect transition="out" filter="fade">
+                                      <p:cBhvr>
+                                        <p:cTn id="6" dur="1000"/>
+                                        <p:tgtEl>
+                                          <p:spTgt spid="5"/>
+                                        </p:tgtEl>
+                                      </p:cBhvr>
+                                    </p:animEffect>
+                                    <p:anim calcmode="lin" valueType="num">
+                                      <p:cBhvr>
+                                        <p:cTn id="7" dur="1000"/>
+                                        <p:tgtEl>
+                                          <p:spTgt spid="5"/>
+                                        </p:tgtEl>
+                                        <p:attrNameLst>
+                                          <p:attrName>ppt_x</p:attrName>
+                                        </p:attrNameLst>
+                                      </p:cBhvr>
+                                      <p:tavLst>
+                                        <p:tav tm="0">
+                                          <p:val>
+                                            <p:strVal val="ppt_x"/>
+                                          </p:val>
+                                        </p:tav>
+                                        <p:tav tm="100000">
+                                          <p:val>
+                                            <p:strVal val="ppt_x"/>
+                                          </p:val>
+                                        </p:tav>
+                                      </p:tavLst>
+                                    </p:anim>
+                                    <p:anim calcmode="lin" valueType="num">
+                                      <p:cBhvr>
+                                        <p:cTn id="8" dur="1000"/>
+                                        <p:tgtEl>
+                                          <p:spTgt spid="5"/>
+                                        </p:tgtEl>
+                                        <p:attrNameLst>
+                                          <p:attrName>ppt_y</p:attrName>
+                                        </p:attrNameLst>
+                                      </p:cBhvr>
+                                      <p:tavLst>
+                                        <p:tav tm="0">
+                                          <p:val>
+                                            <p:strVal val="ppt_y"/>
+                                          </p:val>
+                                        </p:tav>
+                                        <p:tav tm="100000">
+                                          <p:val>
+                                            <p:strVal val="ppt_y+.1"/>
+                                          </p:val>
+                                        </p:tav>
+                                      </p:tavLst>
+                                    </p:anim>
+                                    <p:set>
+                                      <p:cBhvr>
+                                        <p:cTn id="9" dur="1" fill="hold">
+                                          <p:stCondLst>
+                                            <p:cond delay="999"/>
+                                          </p:stCondLst>
+                                        </p:cTn>
+                                        <p:tgtEl>
+                                          <p:spTgt spid="5"/>
+                                        </p:tgtEl>
+                                        <p:attrNameLst>
+                                          <p:attrName>style.visibility</p:attrName>
+                                        </p:attrNameLst>
+                                      </p:cBhvr>
+                                      <p:to>
+                                        <p:strVal val="hidden"/>
+                                      </p:to>
+                                    </p:set>
+                                  </p:childTnLst>
+                                </p:cTn>
+                              </p:par>
+                            </p:childTnLst>
+                          </p:cTn>
+                        </p:par>
+                      </p:childTnLst>
+                    </p:cTn>
+                  </p:par>
+                  <p:par>
+                    <p:cTn id="10" fill="hold">
+                      <p:stCondLst>
+                        <p:cond delay="indefinite"/>
+                      </p:stCondLst>
+                      <p:childTnLst>
+                        <p:par>
+                          <p:cTn id="11" fill="hold">
+                            <p:stCondLst>
+                              <p:cond delay="0"/>
+                            </p:stCondLst>
+                            <p:childTnLst>
+                              <p:par>
+                                <p:cTn id="12" presetID="16" presetClass="entr" presetSubtype="21" fill="hold" grpId="0" nodeType="clickEffect">
+                                  <p:stCondLst>
+                                    <p:cond delay="0"/>
+                                  </p:stCondLst>
+                                  <p:childTnLst>
+                                    <p:set>
+                                      <p:cBhvr>
+                                        <p:cTn id="13" dur="1" fill="hold">
+                                          <p:stCondLst>
+                                            <p:cond delay="0"/>
+                                          </p:stCondLst>
+                                        </p:cTn>
+                                        <p:tgtEl>
+                                          <p:spTgt spid="9"/>
+                                        </p:tgtEl>
+                                        <p:attrNameLst>
+                                          <p:attrName>style.visibility</p:attrName>
+                                        </p:attrNameLst>
+                                      </p:cBhvr>
+                                      <p:to>
+                                        <p:strVal val="visible"/>
+                                      </p:to>
+                                    </p:set>
+                                    <p:animEffect transition="in" filter="barn(inVertical)">
+                                      <p:cBhvr>
+                                        <p:cTn id="14" dur="500"/>
+                                        <p:tgtEl>
+                                          <p:spTgt spid="9"/>
+                                        </p:tgtEl>
+                                      </p:cBhvr>
+                                    </p:animEffect>
+                                  </p:childTnLst>
+                                </p:cTn>
+                              </p:par>
+                            </p:childTnLst>
+                          </p:cTn>
+                        </p:par>
+                      </p:childTnLst>
+                    </p:cTn>
+                  </p:par>
+                </p:childTnLst>
+              </p:cTn>
+              <p:prevCondLst>
+                <p:cond evt="onPrev" delay="0">
+                  <p:tgtEl>
+                    <p:sldTgt/>
+                  </p:tgtEl>
+                </p:cond>
+              </p:prevCondLst>
+              <p:nextCondLst>
+                <p:cond evt="onNext" delay="0">
+                  <p:tgtEl>
+                    <p:sldTgt/>
+                  </p:tgtEl>
+                </p:cond>
+              </p:nextCondLst>
+            </p:seq>
+          </p:childTnLst>
+        </p:cTn>
+      </p:par>
+    </p:tnLst>
+    <p:bldLst>
+      <p:bldP spid="5" grpId="0"/>
+      <p:bldP spid="9" grpId="0"/>
+    </p:bldLst>
+  </p:timing>
+</p:sld>
+</file>
+
+<file path=ppt/slides/slide15.xml><?xml version="1.0" encoding="utf-8"?>
+<p:sld xmlns:a="http://schemas.openxmlformats.org/drawingml/2006/main" xmlns:r="http://schemas.openxmlformats.org/officeDocument/2006/relationships" xmlns:p="http://schemas.openxmlformats.org/presentationml/2006/main">
+  <p:cSld>
+    <p:spTree>
+      <p:nvGrpSpPr>
+        <p:cNvPr id="1" name="Shape 62"/>
+        <p:cNvGrpSpPr/>
+        <p:nvPr/>
+      </p:nvGrpSpPr>
+      <p:grpSpPr>
+        <a:xfrm>
+          <a:off x="0" y="0"/>
+          <a:ext cx="0" cy="0"/>
+          <a:chOff x="0" y="0"/>
+          <a:chExt cx="0" cy="0"/>
+        </a:xfrm>
+      </p:grpSpPr>
+      <p:sp>
+        <p:nvSpPr>
+          <p:cNvPr id="63" name="Google Shape;63;p14"/>
+          <p:cNvSpPr txBox="1">
+            <a:spLocks noGrp="1"/>
+          </p:cNvSpPr>
+          <p:nvPr>
+            <p:ph type="title"/>
+          </p:nvPr>
+        </p:nvSpPr>
+        <p:spPr>
+          <a:xfrm>
+            <a:off x="217516" y="574531"/>
+            <a:ext cx="1700700" cy="2200199"/>
+          </a:xfrm>
+          <a:prstGeom prst="rect">
+            <a:avLst/>
+          </a:prstGeom>
+        </p:spPr>
+        <p:txBody>
+          <a:bodyPr spcFirstLastPara="1" wrap="square" lIns="91425" tIns="91425" rIns="91425" bIns="91425" anchor="t" anchorCtr="0">
+            <a:noAutofit/>
+          </a:bodyPr>
+          <a:lstStyle/>
+          <a:p>
+            <a:pPr marL="0" lvl="0" indent="0" algn="ctr" rtl="0">
+              <a:spcBef>
+                <a:spcPts val="0"/>
+              </a:spcBef>
+              <a:spcAft>
+                <a:spcPts val="0"/>
+              </a:spcAft>
+              <a:buNone/>
+            </a:pPr>
+            <a:r>
+              <a:rPr lang="en" sz="3000" dirty="0">
+                <a:latin typeface="Times New Roman" panose="02020603050405020304" pitchFamily="18" charset="0"/>
+                <a:cs typeface="Times New Roman" panose="02020603050405020304" pitchFamily="18" charset="0"/>
+              </a:rPr>
+              <a:t>4</a:t>
+            </a:r>
+            <a:r>
+              <a:rPr lang="en" sz="3000" smtClean="0">
+                <a:latin typeface="Times New Roman" panose="02020603050405020304" pitchFamily="18" charset="0"/>
+                <a:cs typeface="Times New Roman" panose="02020603050405020304" pitchFamily="18" charset="0"/>
+              </a:rPr>
+              <a:t>. Thực nghiệm</a:t>
+            </a:r>
+            <a:endParaRPr sz="3000" dirty="0">
+              <a:latin typeface="Times New Roman" panose="02020603050405020304" pitchFamily="18" charset="0"/>
+              <a:cs typeface="Times New Roman" panose="02020603050405020304" pitchFamily="18" charset="0"/>
+            </a:endParaRPr>
+          </a:p>
+        </p:txBody>
+      </p:sp>
+      <p:sp>
+        <p:nvSpPr>
+          <p:cNvPr id="73" name="Google Shape;73;p14"/>
+          <p:cNvSpPr txBox="1">
+            <a:spLocks noGrp="1"/>
+          </p:cNvSpPr>
+          <p:nvPr>
+            <p:ph type="sldNum" idx="12"/>
+          </p:nvPr>
+        </p:nvSpPr>
+        <p:spPr>
+          <a:prstGeom prst="rect">
+            <a:avLst/>
+          </a:prstGeom>
+        </p:spPr>
+        <p:txBody>
+          <a:bodyPr spcFirstLastPara="1" wrap="square" lIns="91425" tIns="91425" rIns="91425" bIns="91425" anchor="t" anchorCtr="0">
+            <a:noAutofit/>
+          </a:bodyPr>
+          <a:lstStyle/>
+          <a:p>
+            <a:pPr marL="0" lvl="0" indent="0" algn="r" rtl="0">
+              <a:spcBef>
+                <a:spcPts val="0"/>
+              </a:spcBef>
+              <a:spcAft>
+                <a:spcPts val="0"/>
+              </a:spcAft>
+              <a:buNone/>
+            </a:pPr>
+            <a:fld id="{00000000-1234-1234-1234-123412341234}" type="slidenum">
+              <a:rPr lang="en"/>
+              <a:t>15</a:t>
+            </a:fld>
+            <a:endParaRPr/>
+          </a:p>
+        </p:txBody>
+      </p:sp>
+      <p:sp>
+        <p:nvSpPr>
+          <p:cNvPr id="2" name="TextBox 1"/>
+          <p:cNvSpPr txBox="1"/>
+          <p:nvPr/>
+        </p:nvSpPr>
+        <p:spPr>
+          <a:xfrm>
+            <a:off x="2971800" y="218209"/>
+            <a:ext cx="5112327" cy="369332"/>
+          </a:xfrm>
+          <a:prstGeom prst="rect">
+            <a:avLst/>
+          </a:prstGeom>
+          <a:noFill/>
+        </p:spPr>
+        <p:txBody>
+          <a:bodyPr wrap="square" rtlCol="0">
+            <a:spAutoFit/>
+          </a:bodyPr>
+          <a:lstStyle/>
+          <a:p>
+            <a:r>
+              <a:rPr lang="en-US" smtClean="0"/>
+              <a:t>Ví dụ về hệ thống gợi ý trong thực tế</a:t>
+            </a:r>
+            <a:endParaRPr lang="en-US"/>
+          </a:p>
+        </p:txBody>
+      </p:sp>
+      <p:graphicFrame>
+        <p:nvGraphicFramePr>
+          <p:cNvPr id="4" name="Table 3"/>
+          <p:cNvGraphicFramePr>
+            <a:graphicFrameLocks noGrp="1"/>
+          </p:cNvGraphicFramePr>
+          <p:nvPr>
+            <p:extLst>
+              <p:ext uri="{D42A27DB-BD31-4B8C-83A1-F6EECF244321}">
+                <p14:modId xmlns:p14="http://schemas.microsoft.com/office/powerpoint/2010/main" val="827094862"/>
+              </p:ext>
+            </p:extLst>
+          </p:nvPr>
+        </p:nvGraphicFramePr>
+        <p:xfrm>
+          <a:off x="2832116" y="711963"/>
+          <a:ext cx="6096000" cy="2621280"/>
+        </p:xfrm>
+        <a:graphic>
+          <a:graphicData uri="http://schemas.openxmlformats.org/drawingml/2006/table">
+            <a:tbl>
+              <a:tblPr firstRow="1" bandRow="1">
+                <a:tableStyleId>{2321ECFE-6A18-4F7A-A680-A125930F3448}</a:tableStyleId>
+              </a:tblPr>
+              <a:tblGrid>
+                <a:gridCol w="793083">
+                  <a:extLst>
+                    <a:ext uri="{9D8B030D-6E8A-4147-A177-3AD203B41FA5}">
+                      <a16:colId xmlns:a16="http://schemas.microsoft.com/office/drawing/2014/main" val="2718554224"/>
+                    </a:ext>
+                  </a:extLst>
+                </a:gridCol>
+                <a:gridCol w="1238917">
+                  <a:extLst>
+                    <a:ext uri="{9D8B030D-6E8A-4147-A177-3AD203B41FA5}">
+                      <a16:colId xmlns:a16="http://schemas.microsoft.com/office/drawing/2014/main" val="4235257329"/>
+                    </a:ext>
+                  </a:extLst>
+                </a:gridCol>
+                <a:gridCol w="1016000">
+                  <a:extLst>
+                    <a:ext uri="{9D8B030D-6E8A-4147-A177-3AD203B41FA5}">
+                      <a16:colId xmlns:a16="http://schemas.microsoft.com/office/drawing/2014/main" val="689169244"/>
+                    </a:ext>
+                  </a:extLst>
+                </a:gridCol>
+                <a:gridCol w="1016000">
+                  <a:extLst>
+                    <a:ext uri="{9D8B030D-6E8A-4147-A177-3AD203B41FA5}">
+                      <a16:colId xmlns:a16="http://schemas.microsoft.com/office/drawing/2014/main" val="3077779139"/>
+                    </a:ext>
+                  </a:extLst>
+                </a:gridCol>
+                <a:gridCol w="1016000">
+                  <a:extLst>
+                    <a:ext uri="{9D8B030D-6E8A-4147-A177-3AD203B41FA5}">
+                      <a16:colId xmlns:a16="http://schemas.microsoft.com/office/drawing/2014/main" val="3420480826"/>
+                    </a:ext>
+                  </a:extLst>
+                </a:gridCol>
+                <a:gridCol w="1016000">
+                  <a:extLst>
+                    <a:ext uri="{9D8B030D-6E8A-4147-A177-3AD203B41FA5}">
+                      <a16:colId xmlns:a16="http://schemas.microsoft.com/office/drawing/2014/main" val="1271437570"/>
+                    </a:ext>
+                  </a:extLst>
+                </a:gridCol>
+              </a:tblGrid>
+              <a:tr h="370840">
+                <a:tc>
+                  <a:txBody>
+                    <a:bodyPr/>
+                    <a:lstStyle/>
+                    <a:p>
+                      <a:endParaRPr lang="en-US"/>
+                    </a:p>
+                  </a:txBody>
+                  <a:tcPr/>
+                </a:tc>
+                <a:tc>
+                  <a:txBody>
+                    <a:bodyPr/>
+                    <a:lstStyle/>
+                    <a:p>
+                      <a:r>
+                        <a:rPr lang="en-US" smtClean="0"/>
+                        <a:t>Cam xả</a:t>
+                      </a:r>
+                      <a:endParaRPr lang="en-US"/>
+                    </a:p>
+                  </a:txBody>
+                  <a:tcPr/>
+                </a:tc>
+                <a:tc>
+                  <a:txBody>
+                    <a:bodyPr/>
+                    <a:lstStyle/>
+                    <a:p>
+                      <a:r>
+                        <a:rPr lang="en-US" smtClean="0"/>
+                        <a:t>Trà</a:t>
+                      </a:r>
+                      <a:r>
+                        <a:rPr lang="en-US" baseline="0" smtClean="0"/>
+                        <a:t> tắc</a:t>
+                      </a:r>
+                      <a:endParaRPr lang="en-US"/>
+                    </a:p>
+                  </a:txBody>
+                  <a:tcPr/>
+                </a:tc>
+                <a:tc>
+                  <a:txBody>
+                    <a:bodyPr/>
+                    <a:lstStyle/>
+                    <a:p>
+                      <a:r>
+                        <a:rPr lang="en-US" smtClean="0"/>
+                        <a:t>Café</a:t>
+                      </a:r>
+                      <a:endParaRPr lang="en-US"/>
+                    </a:p>
+                  </a:txBody>
+                  <a:tcPr/>
+                </a:tc>
+                <a:tc>
+                  <a:txBody>
+                    <a:bodyPr/>
+                    <a:lstStyle/>
+                    <a:p>
+                      <a:r>
+                        <a:rPr lang="en-US" smtClean="0"/>
+                        <a:t>Nước</a:t>
+                      </a:r>
+                      <a:r>
+                        <a:rPr lang="en-US" baseline="0" smtClean="0"/>
+                        <a:t> lọc</a:t>
+                      </a:r>
+                      <a:endParaRPr lang="en-US"/>
+                    </a:p>
+                  </a:txBody>
+                  <a:tcPr/>
+                </a:tc>
+                <a:tc>
+                  <a:txBody>
+                    <a:bodyPr/>
+                    <a:lstStyle/>
+                    <a:p>
+                      <a:r>
+                        <a:rPr lang="en-US" smtClean="0"/>
+                        <a:t>Soda</a:t>
+                      </a:r>
+                      <a:r>
+                        <a:rPr lang="en-US" baseline="0" smtClean="0"/>
+                        <a:t> chanh</a:t>
+                      </a:r>
+                      <a:endParaRPr lang="en-US"/>
+                    </a:p>
+                  </a:txBody>
+                  <a:tcPr/>
+                </a:tc>
+                <a:extLst>
+                  <a:ext uri="{0D108BD9-81ED-4DB2-BD59-A6C34878D82A}">
+                    <a16:rowId xmlns:a16="http://schemas.microsoft.com/office/drawing/2014/main" val="2611754382"/>
+                  </a:ext>
+                </a:extLst>
+              </a:tr>
+              <a:tr h="370840">
+                <a:tc>
+                  <a:txBody>
+                    <a:bodyPr/>
+                    <a:lstStyle/>
+                    <a:p>
+                      <a:r>
+                        <a:rPr lang="en-US" smtClean="0"/>
+                        <a:t>Cam xả</a:t>
+                      </a:r>
+                      <a:endParaRPr lang="en-US"/>
+                    </a:p>
+                  </a:txBody>
+                  <a:tcPr/>
+                </a:tc>
+                <a:tc>
+                  <a:txBody>
+                    <a:bodyPr/>
+                    <a:lstStyle/>
+                    <a:p>
+                      <a:r>
+                        <a:rPr lang="en-US" smtClean="0"/>
+                        <a:t>1</a:t>
+                      </a:r>
+                      <a:endParaRPr lang="en-US"/>
+                    </a:p>
+                  </a:txBody>
+                  <a:tcPr/>
+                </a:tc>
+                <a:tc>
+                  <a:txBody>
+                    <a:bodyPr/>
+                    <a:lstStyle/>
+                    <a:p>
+                      <a:r>
+                        <a:rPr lang="en-US" smtClean="0"/>
+                        <a:t>0.6</a:t>
+                      </a:r>
+                      <a:endParaRPr lang="en-US"/>
+                    </a:p>
+                  </a:txBody>
+                  <a:tcPr>
+                    <a:noFill/>
+                  </a:tcPr>
+                </a:tc>
+                <a:tc>
+                  <a:txBody>
+                    <a:bodyPr/>
+                    <a:lstStyle/>
+                    <a:p>
+                      <a:r>
+                        <a:rPr lang="en-US" smtClean="0"/>
+                        <a:t>0.4</a:t>
+                      </a:r>
+                      <a:endParaRPr lang="en-US"/>
+                    </a:p>
+                  </a:txBody>
+                  <a:tcPr/>
+                </a:tc>
+                <a:tc>
+                  <a:txBody>
+                    <a:bodyPr/>
+                    <a:lstStyle/>
+                    <a:p>
+                      <a:r>
+                        <a:rPr lang="en-US" smtClean="0"/>
+                        <a:t>0.8</a:t>
+                      </a:r>
+                      <a:endParaRPr lang="en-US"/>
+                    </a:p>
+                  </a:txBody>
+                  <a:tcPr>
+                    <a:noFill/>
+                  </a:tcPr>
+                </a:tc>
+                <a:tc>
+                  <a:txBody>
+                    <a:bodyPr/>
+                    <a:lstStyle/>
+                    <a:p>
+                      <a:r>
+                        <a:rPr lang="en-US" smtClean="0"/>
+                        <a:t>0.32</a:t>
+                      </a:r>
+                      <a:endParaRPr lang="en-US"/>
+                    </a:p>
+                  </a:txBody>
+                  <a:tcPr/>
+                </a:tc>
+                <a:extLst>
+                  <a:ext uri="{0D108BD9-81ED-4DB2-BD59-A6C34878D82A}">
+                    <a16:rowId xmlns:a16="http://schemas.microsoft.com/office/drawing/2014/main" val="767408591"/>
+                  </a:ext>
+                </a:extLst>
+              </a:tr>
+              <a:tr h="370840">
+                <a:tc>
+                  <a:txBody>
+                    <a:bodyPr/>
+                    <a:lstStyle/>
+                    <a:p>
+                      <a:r>
+                        <a:rPr lang="en-US" smtClean="0"/>
+                        <a:t>Trà</a:t>
+                      </a:r>
+                      <a:r>
+                        <a:rPr lang="en-US" baseline="0" smtClean="0"/>
+                        <a:t> tắc</a:t>
+                      </a:r>
+                      <a:endParaRPr lang="en-US"/>
+                    </a:p>
+                  </a:txBody>
+                  <a:tcPr/>
+                </a:tc>
+                <a:tc>
+                  <a:txBody>
+                    <a:bodyPr/>
+                    <a:lstStyle/>
+                    <a:p>
+                      <a:r>
+                        <a:rPr lang="en-US" smtClean="0"/>
+                        <a:t>0.7</a:t>
+                      </a:r>
+                      <a:endParaRPr lang="en-US"/>
+                    </a:p>
+                  </a:txBody>
+                  <a:tcPr/>
+                </a:tc>
+                <a:tc>
+                  <a:txBody>
+                    <a:bodyPr/>
+                    <a:lstStyle/>
+                    <a:p>
+                      <a:r>
+                        <a:rPr lang="en-US" smtClean="0"/>
+                        <a:t>1</a:t>
+                      </a:r>
+                      <a:endParaRPr lang="en-US"/>
+                    </a:p>
+                  </a:txBody>
+                  <a:tcPr>
+                    <a:noFill/>
+                  </a:tcPr>
+                </a:tc>
+                <a:tc>
+                  <a:txBody>
+                    <a:bodyPr/>
+                    <a:lstStyle/>
+                    <a:p>
+                      <a:r>
+                        <a:rPr lang="en-US" smtClean="0"/>
+                        <a:t>0.35</a:t>
+                      </a:r>
+                      <a:endParaRPr lang="en-US"/>
+                    </a:p>
+                  </a:txBody>
+                  <a:tcPr/>
+                </a:tc>
+                <a:tc>
+                  <a:txBody>
+                    <a:bodyPr/>
+                    <a:lstStyle/>
+                    <a:p>
+                      <a:r>
+                        <a:rPr lang="en-US" smtClean="0"/>
+                        <a:t>0.3</a:t>
+                      </a:r>
+                      <a:endParaRPr lang="en-US"/>
+                    </a:p>
+                  </a:txBody>
+                  <a:tcPr>
+                    <a:noFill/>
+                  </a:tcPr>
+                </a:tc>
+                <a:tc>
+                  <a:txBody>
+                    <a:bodyPr/>
+                    <a:lstStyle/>
+                    <a:p>
+                      <a:r>
+                        <a:rPr lang="en-US" smtClean="0"/>
+                        <a:t>0.8</a:t>
+                      </a:r>
+                      <a:endParaRPr lang="en-US"/>
+                    </a:p>
+                  </a:txBody>
+                  <a:tcPr/>
+                </a:tc>
+                <a:extLst>
+                  <a:ext uri="{0D108BD9-81ED-4DB2-BD59-A6C34878D82A}">
+                    <a16:rowId xmlns:a16="http://schemas.microsoft.com/office/drawing/2014/main" val="4159050115"/>
+                  </a:ext>
+                </a:extLst>
+              </a:tr>
+              <a:tr h="370840">
+                <a:tc>
+                  <a:txBody>
+                    <a:bodyPr/>
+                    <a:lstStyle/>
+                    <a:p>
+                      <a:r>
+                        <a:rPr lang="en-US" smtClean="0"/>
+                        <a:t>Café</a:t>
+                      </a:r>
+                      <a:endParaRPr lang="en-US"/>
+                    </a:p>
+                  </a:txBody>
+                  <a:tcPr>
+                    <a:solidFill>
+                      <a:schemeClr val="accent2"/>
+                    </a:solidFill>
+                  </a:tcPr>
+                </a:tc>
+                <a:tc>
+                  <a:txBody>
+                    <a:bodyPr/>
+                    <a:lstStyle/>
+                    <a:p>
+                      <a:r>
+                        <a:rPr lang="en-US" smtClean="0"/>
+                        <a:t>0.31</a:t>
+                      </a:r>
+                      <a:endParaRPr lang="en-US"/>
+                    </a:p>
+                  </a:txBody>
+                  <a:tcPr>
+                    <a:solidFill>
+                      <a:schemeClr val="accent2"/>
+                    </a:solidFill>
+                  </a:tcPr>
+                </a:tc>
+                <a:tc>
+                  <a:txBody>
+                    <a:bodyPr/>
+                    <a:lstStyle/>
+                    <a:p>
+                      <a:r>
+                        <a:rPr lang="en-US" smtClean="0"/>
+                        <a:t>0.62</a:t>
+                      </a:r>
+                      <a:endParaRPr lang="en-US"/>
+                    </a:p>
+                  </a:txBody>
+                  <a:tcPr>
+                    <a:solidFill>
+                      <a:schemeClr val="accent2"/>
+                    </a:solidFill>
+                  </a:tcPr>
+                </a:tc>
+                <a:tc>
+                  <a:txBody>
+                    <a:bodyPr/>
+                    <a:lstStyle/>
+                    <a:p>
+                      <a:r>
+                        <a:rPr lang="en-US" smtClean="0"/>
+                        <a:t>1</a:t>
+                      </a:r>
+                      <a:endParaRPr lang="en-US"/>
+                    </a:p>
+                  </a:txBody>
+                  <a:tcPr>
+                    <a:solidFill>
+                      <a:schemeClr val="accent2"/>
+                    </a:solidFill>
+                  </a:tcPr>
+                </a:tc>
+                <a:tc>
+                  <a:txBody>
+                    <a:bodyPr/>
+                    <a:lstStyle/>
+                    <a:p>
+                      <a:r>
+                        <a:rPr lang="en-US" smtClean="0"/>
+                        <a:t>0.6</a:t>
+                      </a:r>
+                      <a:endParaRPr lang="en-US"/>
+                    </a:p>
+                  </a:txBody>
+                  <a:tcPr>
+                    <a:solidFill>
+                      <a:schemeClr val="accent2"/>
+                    </a:solidFill>
+                  </a:tcPr>
+                </a:tc>
+                <a:tc>
+                  <a:txBody>
+                    <a:bodyPr/>
+                    <a:lstStyle/>
+                    <a:p>
+                      <a:r>
+                        <a:rPr lang="en-US" smtClean="0"/>
+                        <a:t>0.43</a:t>
+                      </a:r>
+                      <a:endParaRPr lang="en-US"/>
+                    </a:p>
+                  </a:txBody>
+                  <a:tcPr>
+                    <a:solidFill>
+                      <a:schemeClr val="accent2"/>
+                    </a:solidFill>
+                  </a:tcPr>
+                </a:tc>
+                <a:extLst>
+                  <a:ext uri="{0D108BD9-81ED-4DB2-BD59-A6C34878D82A}">
+                    <a16:rowId xmlns:a16="http://schemas.microsoft.com/office/drawing/2014/main" val="1290935619"/>
+                  </a:ext>
+                </a:extLst>
+              </a:tr>
+              <a:tr h="370840">
+                <a:tc>
+                  <a:txBody>
+                    <a:bodyPr/>
+                    <a:lstStyle/>
+                    <a:p>
+                      <a:r>
+                        <a:rPr lang="en-US" smtClean="0"/>
+                        <a:t>Nước</a:t>
+                      </a:r>
+                      <a:r>
+                        <a:rPr lang="en-US" baseline="0" smtClean="0"/>
+                        <a:t> lọc</a:t>
+                      </a:r>
+                      <a:endParaRPr lang="en-US"/>
+                    </a:p>
+                  </a:txBody>
+                  <a:tcPr/>
+                </a:tc>
+                <a:tc>
+                  <a:txBody>
+                    <a:bodyPr/>
+                    <a:lstStyle/>
+                    <a:p>
+                      <a:r>
+                        <a:rPr lang="en-US" smtClean="0"/>
+                        <a:t>0.6</a:t>
+                      </a:r>
+                      <a:endParaRPr lang="en-US"/>
+                    </a:p>
+                  </a:txBody>
+                  <a:tcPr/>
+                </a:tc>
+                <a:tc>
+                  <a:txBody>
+                    <a:bodyPr/>
+                    <a:lstStyle/>
+                    <a:p>
+                      <a:r>
+                        <a:rPr lang="en-US" smtClean="0"/>
+                        <a:t>0.45</a:t>
+                      </a:r>
+                      <a:endParaRPr lang="en-US"/>
+                    </a:p>
+                  </a:txBody>
+                  <a:tcPr/>
+                </a:tc>
+                <a:tc>
+                  <a:txBody>
+                    <a:bodyPr/>
+                    <a:lstStyle/>
+                    <a:p>
+                      <a:r>
+                        <a:rPr lang="en-US" smtClean="0"/>
+                        <a:t>0.71</a:t>
+                      </a:r>
+                      <a:endParaRPr lang="en-US"/>
+                    </a:p>
+                  </a:txBody>
+                  <a:tcPr/>
+                </a:tc>
+                <a:tc>
+                  <a:txBody>
+                    <a:bodyPr/>
+                    <a:lstStyle/>
+                    <a:p>
+                      <a:r>
+                        <a:rPr lang="en-US" smtClean="0"/>
+                        <a:t>1</a:t>
+                      </a:r>
+                      <a:endParaRPr lang="en-US"/>
+                    </a:p>
+                  </a:txBody>
+                  <a:tcPr/>
+                </a:tc>
+                <a:tc>
+                  <a:txBody>
+                    <a:bodyPr/>
+                    <a:lstStyle/>
+                    <a:p>
+                      <a:r>
+                        <a:rPr lang="en-US" smtClean="0"/>
+                        <a:t>0.33</a:t>
+                      </a:r>
+                      <a:endParaRPr lang="en-US"/>
+                    </a:p>
+                  </a:txBody>
+                  <a:tcPr/>
+                </a:tc>
+                <a:extLst>
+                  <a:ext uri="{0D108BD9-81ED-4DB2-BD59-A6C34878D82A}">
+                    <a16:rowId xmlns:a16="http://schemas.microsoft.com/office/drawing/2014/main" val="2029295727"/>
+                  </a:ext>
+                </a:extLst>
+              </a:tr>
+              <a:tr h="370840">
+                <a:tc>
+                  <a:txBody>
+                    <a:bodyPr/>
+                    <a:lstStyle/>
+                    <a:p>
+                      <a:r>
+                        <a:rPr lang="en-US" smtClean="0"/>
+                        <a:t>Soda</a:t>
+                      </a:r>
+                      <a:r>
+                        <a:rPr lang="en-US" baseline="0" smtClean="0"/>
+                        <a:t> chanh</a:t>
+                      </a:r>
+                      <a:endParaRPr lang="en-US"/>
+                    </a:p>
+                  </a:txBody>
+                  <a:tcPr/>
+                </a:tc>
+                <a:tc>
+                  <a:txBody>
+                    <a:bodyPr/>
+                    <a:lstStyle/>
+                    <a:p>
+                      <a:r>
+                        <a:rPr lang="en-US" smtClean="0"/>
+                        <a:t>0.14</a:t>
+                      </a:r>
+                      <a:endParaRPr lang="en-US"/>
+                    </a:p>
+                  </a:txBody>
+                  <a:tcPr/>
+                </a:tc>
+                <a:tc>
+                  <a:txBody>
+                    <a:bodyPr/>
+                    <a:lstStyle/>
+                    <a:p>
+                      <a:r>
+                        <a:rPr lang="en-US" smtClean="0"/>
+                        <a:t>0.32</a:t>
+                      </a:r>
+                      <a:endParaRPr lang="en-US"/>
+                    </a:p>
+                  </a:txBody>
+                  <a:tcPr/>
+                </a:tc>
+                <a:tc>
+                  <a:txBody>
+                    <a:bodyPr/>
+                    <a:lstStyle/>
+                    <a:p>
+                      <a:r>
+                        <a:rPr lang="en-US" smtClean="0"/>
+                        <a:t>0.66</a:t>
+                      </a:r>
+                      <a:endParaRPr lang="en-US"/>
+                    </a:p>
+                  </a:txBody>
+                  <a:tcPr/>
+                </a:tc>
+                <a:tc>
+                  <a:txBody>
+                    <a:bodyPr/>
+                    <a:lstStyle/>
+                    <a:p>
+                      <a:r>
+                        <a:rPr lang="en-US" smtClean="0"/>
+                        <a:t>0.53</a:t>
+                      </a:r>
+                      <a:endParaRPr lang="en-US"/>
+                    </a:p>
+                  </a:txBody>
+                  <a:tcPr/>
+                </a:tc>
+                <a:tc>
+                  <a:txBody>
+                    <a:bodyPr/>
+                    <a:lstStyle/>
+                    <a:p>
+                      <a:r>
+                        <a:rPr lang="en-US" smtClean="0"/>
+                        <a:t>1</a:t>
+                      </a:r>
+                      <a:endParaRPr lang="en-US"/>
+                    </a:p>
+                  </a:txBody>
+                  <a:tcPr/>
+                </a:tc>
+                <a:extLst>
+                  <a:ext uri="{0D108BD9-81ED-4DB2-BD59-A6C34878D82A}">
+                    <a16:rowId xmlns:a16="http://schemas.microsoft.com/office/drawing/2014/main" val="3713234298"/>
+                  </a:ext>
+                </a:extLst>
+              </a:tr>
+            </a:tbl>
+          </a:graphicData>
+        </a:graphic>
+      </p:graphicFrame>
+      <p:sp>
+        <p:nvSpPr>
+          <p:cNvPr id="8" name="TextBox 7"/>
+          <p:cNvSpPr txBox="1"/>
+          <p:nvPr/>
+        </p:nvSpPr>
+        <p:spPr>
+          <a:xfrm>
+            <a:off x="2832116" y="587541"/>
+            <a:ext cx="5902036" cy="1169551"/>
+          </a:xfrm>
+          <a:prstGeom prst="rect">
+            <a:avLst/>
+          </a:prstGeom>
+          <a:noFill/>
+        </p:spPr>
+        <p:txBody>
+          <a:bodyPr wrap="square" rtlCol="0">
+            <a:spAutoFit/>
+          </a:bodyPr>
+          <a:lstStyle/>
+          <a:p>
+            <a:r>
+              <a:rPr lang="en-US" sz="1400" smtClean="0"/>
+              <a:t>Tuy nhiên để áp dụng vào bộ dữ liệu lớn hơn thì chúng ta cần phải có công thức tính độ “cùng gu” đó là tính độ tương đồng(similar) giữa các user,  sau khi có độ tương đồng giữa các user, hệ thống sẽ chấm điểm vào các đồ uống mà user chưa chấm, và thu được ma trận tương đồng giữa các đồ uống. Dựa vào đó mà đưa ra gợi ý.</a:t>
+            </a:r>
+            <a:endParaRPr lang="en-US" sz="1400"/>
+          </a:p>
+        </p:txBody>
+      </p:sp>
+      <p:sp>
+        <p:nvSpPr>
+          <p:cNvPr id="10" name="TextBox 9"/>
+          <p:cNvSpPr txBox="1"/>
+          <p:nvPr/>
+        </p:nvSpPr>
+        <p:spPr>
+          <a:xfrm>
+            <a:off x="2929098" y="3575559"/>
+            <a:ext cx="5902036" cy="523220"/>
+          </a:xfrm>
+          <a:prstGeom prst="rect">
+            <a:avLst/>
+          </a:prstGeom>
+          <a:noFill/>
+        </p:spPr>
+        <p:txBody>
+          <a:bodyPr wrap="square" rtlCol="0">
+            <a:spAutoFit/>
+          </a:bodyPr>
+          <a:lstStyle/>
+          <a:p>
+            <a:r>
+              <a:rPr lang="en-US" sz="1400" smtClean="0"/>
+              <a:t>Ví dụ khi user nào đó thích uống Café , hệ thống sẽ dựa vào ma trận đưa ra các đồ uống có độ tương đồng cao với café và đưa ra gợi ý.</a:t>
+            </a:r>
+            <a:endParaRPr lang="en-US" sz="1400"/>
+          </a:p>
+        </p:txBody>
+      </p:sp>
+    </p:spTree>
+    <p:extLst>
+      <p:ext uri="{BB962C8B-B14F-4D97-AF65-F5344CB8AC3E}">
+        <p14:creationId xmlns:p14="http://schemas.microsoft.com/office/powerpoint/2010/main" val="2622879627"/>
+      </p:ext>
+    </p:extLst>
+  </p:cSld>
+  <p:clrMapOvr>
+    <a:masterClrMapping/>
+  </p:clrMapOvr>
+  <p:transition spd="slow">
+    <p:push dir="u"/>
+  </p:transition>
+  <p:timing>
+    <p:tnLst>
+      <p:par>
+        <p:cTn id="1" dur="indefinite" restart="never" nodeType="tmRoot">
+          <p:childTnLst>
+            <p:seq concurrent="1" nextAc="seek">
+              <p:cTn id="2" dur="indefinite" nodeType="mainSeq">
+                <p:childTnLst>
+                  <p:par>
+                    <p:cTn id="3" fill="hold">
+                      <p:stCondLst>
+                        <p:cond delay="indefinite"/>
+                      </p:stCondLst>
+                      <p:childTnLst>
+                        <p:par>
+                          <p:cTn id="4" fill="hold">
+                            <p:stCondLst>
+                              <p:cond delay="0"/>
+                            </p:stCondLst>
+                            <p:childTnLst>
+                              <p:par>
+                                <p:cTn id="5" presetID="42" presetClass="exit" presetSubtype="0" fill="hold" grpId="0" nodeType="clickEffect">
+                                  <p:stCondLst>
+                                    <p:cond delay="0"/>
+                                  </p:stCondLst>
+                                  <p:childTnLst>
+                                    <p:animEffect transition="out" filter="fade">
+                                      <p:cBhvr>
+                                        <p:cTn id="6" dur="1000"/>
+                                        <p:tgtEl>
+                                          <p:spTgt spid="8"/>
+                                        </p:tgtEl>
+                                      </p:cBhvr>
+                                    </p:animEffect>
+                                    <p:anim calcmode="lin" valueType="num">
+                                      <p:cBhvr>
+                                        <p:cTn id="7" dur="1000"/>
+                                        <p:tgtEl>
+                                          <p:spTgt spid="8"/>
+                                        </p:tgtEl>
+                                        <p:attrNameLst>
+                                          <p:attrName>ppt_x</p:attrName>
+                                        </p:attrNameLst>
+                                      </p:cBhvr>
+                                      <p:tavLst>
+                                        <p:tav tm="0">
+                                          <p:val>
+                                            <p:strVal val="ppt_x"/>
+                                          </p:val>
+                                        </p:tav>
+                                        <p:tav tm="100000">
+                                          <p:val>
+                                            <p:strVal val="ppt_x"/>
+                                          </p:val>
+                                        </p:tav>
+                                      </p:tavLst>
+                                    </p:anim>
+                                    <p:anim calcmode="lin" valueType="num">
+                                      <p:cBhvr>
+                                        <p:cTn id="8" dur="1000"/>
+                                        <p:tgtEl>
+                                          <p:spTgt spid="8"/>
+                                        </p:tgtEl>
+                                        <p:attrNameLst>
+                                          <p:attrName>ppt_y</p:attrName>
+                                        </p:attrNameLst>
+                                      </p:cBhvr>
+                                      <p:tavLst>
+                                        <p:tav tm="0">
+                                          <p:val>
+                                            <p:strVal val="ppt_y"/>
+                                          </p:val>
+                                        </p:tav>
+                                        <p:tav tm="100000">
+                                          <p:val>
+                                            <p:strVal val="ppt_y+.1"/>
+                                          </p:val>
+                                        </p:tav>
+                                      </p:tavLst>
+                                    </p:anim>
+                                    <p:set>
+                                      <p:cBhvr>
+                                        <p:cTn id="9" dur="1" fill="hold">
+                                          <p:stCondLst>
+                                            <p:cond delay="999"/>
+                                          </p:stCondLst>
+                                        </p:cTn>
+                                        <p:tgtEl>
+                                          <p:spTgt spid="8"/>
+                                        </p:tgtEl>
+                                        <p:attrNameLst>
+                                          <p:attrName>style.visibility</p:attrName>
+                                        </p:attrNameLst>
+                                      </p:cBhvr>
+                                      <p:to>
+                                        <p:strVal val="hidden"/>
+                                      </p:to>
+                                    </p:set>
+                                  </p:childTnLst>
+                                </p:cTn>
+                              </p:par>
+                            </p:childTnLst>
+                          </p:cTn>
+                        </p:par>
+                      </p:childTnLst>
+                    </p:cTn>
+                  </p:par>
+                  <p:par>
+                    <p:cTn id="10" fill="hold">
+                      <p:stCondLst>
+                        <p:cond delay="indefinite"/>
+                      </p:stCondLst>
+                      <p:childTnLst>
+                        <p:par>
+                          <p:cTn id="11" fill="hold">
+                            <p:stCondLst>
+                              <p:cond delay="0"/>
+                            </p:stCondLst>
+                            <p:childTnLst>
+                              <p:par>
+                                <p:cTn id="12" presetID="42" presetClass="entr" presetSubtype="0" fill="hold" nodeType="clickEffect">
+                                  <p:stCondLst>
+                                    <p:cond delay="0"/>
+                                  </p:stCondLst>
+                                  <p:childTnLst>
+                                    <p:set>
+                                      <p:cBhvr>
+                                        <p:cTn id="13" dur="1" fill="hold">
+                                          <p:stCondLst>
+                                            <p:cond delay="0"/>
+                                          </p:stCondLst>
+                                        </p:cTn>
+                                        <p:tgtEl>
+                                          <p:spTgt spid="4"/>
+                                        </p:tgtEl>
+                                        <p:attrNameLst>
+                                          <p:attrName>style.visibility</p:attrName>
+                                        </p:attrNameLst>
+                                      </p:cBhvr>
+                                      <p:to>
+                                        <p:strVal val="visible"/>
+                                      </p:to>
+                                    </p:set>
+                                    <p:animEffect transition="in" filter="fade">
+                                      <p:cBhvr>
+                                        <p:cTn id="14" dur="1000"/>
+                                        <p:tgtEl>
+                                          <p:spTgt spid="4"/>
+                                        </p:tgtEl>
+                                      </p:cBhvr>
+                                    </p:animEffect>
+                                    <p:anim calcmode="lin" valueType="num">
+                                      <p:cBhvr>
+                                        <p:cTn id="15" dur="1000" fill="hold"/>
+                                        <p:tgtEl>
+                                          <p:spTgt spid="4"/>
+                                        </p:tgtEl>
+                                        <p:attrNameLst>
+                                          <p:attrName>ppt_x</p:attrName>
+                                        </p:attrNameLst>
+                                      </p:cBhvr>
+                                      <p:tavLst>
+                                        <p:tav tm="0">
+                                          <p:val>
+                                            <p:strVal val="#ppt_x"/>
+                                          </p:val>
+                                        </p:tav>
+                                        <p:tav tm="100000">
+                                          <p:val>
+                                            <p:strVal val="#ppt_x"/>
+                                          </p:val>
+                                        </p:tav>
+                                      </p:tavLst>
+                                    </p:anim>
+                                    <p:anim calcmode="lin" valueType="num">
+                                      <p:cBhvr>
+                                        <p:cTn id="16" dur="1000" fill="hold"/>
+                                        <p:tgtEl>
+                                          <p:spTgt spid="4"/>
+                                        </p:tgtEl>
+                                        <p:attrNameLst>
+                                          <p:attrName>ppt_y</p:attrName>
+                                        </p:attrNameLst>
+                                      </p:cBhvr>
+                                      <p:tavLst>
+                                        <p:tav tm="0">
+                                          <p:val>
+                                            <p:strVal val="#ppt_y+.1"/>
+                                          </p:val>
+                                        </p:tav>
+                                        <p:tav tm="100000">
+                                          <p:val>
+                                            <p:strVal val="#ppt_y"/>
+                                          </p:val>
+                                        </p:tav>
+                                      </p:tavLst>
+                                    </p:anim>
+                                  </p:childTnLst>
+                                </p:cTn>
+                              </p:par>
+                            </p:childTnLst>
+                          </p:cTn>
+                        </p:par>
+                      </p:childTnLst>
+                    </p:cTn>
+                  </p:par>
+                  <p:par>
+                    <p:cTn id="17" fill="hold">
+                      <p:stCondLst>
+                        <p:cond delay="indefinite"/>
+                      </p:stCondLst>
+                      <p:childTnLst>
+                        <p:par>
+                          <p:cTn id="18" fill="hold">
+                            <p:stCondLst>
+                              <p:cond delay="0"/>
+                            </p:stCondLst>
+                            <p:childTnLst>
+                              <p:par>
+                                <p:cTn id="19" presetID="42" presetClass="entr" presetSubtype="0" fill="hold" grpId="0" nodeType="clickEffect">
+                                  <p:stCondLst>
+                                    <p:cond delay="0"/>
+                                  </p:stCondLst>
+                                  <p:childTnLst>
+                                    <p:set>
+                                      <p:cBhvr>
+                                        <p:cTn id="20" dur="1" fill="hold">
+                                          <p:stCondLst>
+                                            <p:cond delay="0"/>
+                                          </p:stCondLst>
+                                        </p:cTn>
+                                        <p:tgtEl>
+                                          <p:spTgt spid="10"/>
+                                        </p:tgtEl>
+                                        <p:attrNameLst>
+                                          <p:attrName>style.visibility</p:attrName>
+                                        </p:attrNameLst>
+                                      </p:cBhvr>
+                                      <p:to>
+                                        <p:strVal val="visible"/>
+                                      </p:to>
+                                    </p:set>
+                                    <p:animEffect transition="in" filter="fade">
+                                      <p:cBhvr>
+                                        <p:cTn id="21" dur="1000"/>
+                                        <p:tgtEl>
+                                          <p:spTgt spid="10"/>
+                                        </p:tgtEl>
+                                      </p:cBhvr>
+                                    </p:animEffect>
+                                    <p:anim calcmode="lin" valueType="num">
+                                      <p:cBhvr>
+                                        <p:cTn id="22" dur="1000" fill="hold"/>
+                                        <p:tgtEl>
+                                          <p:spTgt spid="10"/>
+                                        </p:tgtEl>
+                                        <p:attrNameLst>
+                                          <p:attrName>ppt_x</p:attrName>
+                                        </p:attrNameLst>
+                                      </p:cBhvr>
+                                      <p:tavLst>
+                                        <p:tav tm="0">
+                                          <p:val>
+                                            <p:strVal val="#ppt_x"/>
+                                          </p:val>
+                                        </p:tav>
+                                        <p:tav tm="100000">
+                                          <p:val>
+                                            <p:strVal val="#ppt_x"/>
+                                          </p:val>
+                                        </p:tav>
+                                      </p:tavLst>
+                                    </p:anim>
+                                    <p:anim calcmode="lin" valueType="num">
+                                      <p:cBhvr>
+                                        <p:cTn id="23" dur="1000" fill="hold"/>
+                                        <p:tgtEl>
+                                          <p:spTgt spid="10"/>
+                                        </p:tgtEl>
+                                        <p:attrNameLst>
+                                          <p:attrName>ppt_y</p:attrName>
+                                        </p:attrNameLst>
+                                      </p:cBhvr>
+                                      <p:tavLst>
+                                        <p:tav tm="0">
+                                          <p:val>
+                                            <p:strVal val="#ppt_y+.1"/>
+                                          </p:val>
+                                        </p:tav>
+                                        <p:tav tm="100000">
+                                          <p:val>
+                                            <p:strVal val="#ppt_y"/>
+                                          </p:val>
+                                        </p:tav>
+                                      </p:tavLst>
+                                    </p:anim>
+                                  </p:childTnLst>
+                                </p:cTn>
+                              </p:par>
+                            </p:childTnLst>
+                          </p:cTn>
+                        </p:par>
+                      </p:childTnLst>
+                    </p:cTn>
+                  </p:par>
+                </p:childTnLst>
+              </p:cTn>
+              <p:prevCondLst>
+                <p:cond evt="onPrev" delay="0">
+                  <p:tgtEl>
+                    <p:sldTgt/>
+                  </p:tgtEl>
+                </p:cond>
+              </p:prevCondLst>
+              <p:nextCondLst>
+                <p:cond evt="onNext" delay="0">
+                  <p:tgtEl>
+                    <p:sldTgt/>
+                  </p:tgtEl>
+                </p:cond>
+              </p:nextCondLst>
+            </p:seq>
+          </p:childTnLst>
+        </p:cTn>
+      </p:par>
+    </p:tnLst>
+    <p:bldLst>
+      <p:bldP spid="8" grpId="0"/>
+      <p:bldP spid="10" grpId="0"/>
+    </p:bldLst>
+  </p:timing>
+</p:sld>
+</file>
+
+<file path=ppt/slides/slide16.xml><?xml version="1.0" encoding="utf-8"?>
+<p:sld xmlns:a="http://schemas.openxmlformats.org/drawingml/2006/main" xmlns:r="http://schemas.openxmlformats.org/officeDocument/2006/relationships" xmlns:p="http://schemas.openxmlformats.org/presentationml/2006/main">
+  <p:cSld>
     <p:bg>
       <p:bgPr>
         <a:solidFill>
@@ -12540,14 +17770,7 @@
                 <a:latin typeface="Times New Roman" panose="02020603050405020304" pitchFamily="18" charset="0"/>
                 <a:cs typeface="Times New Roman" panose="02020603050405020304" pitchFamily="18" charset="0"/>
               </a:rPr>
-              <a:t>. </a:t>
-            </a:r>
-            <a:r>
-              <a:rPr lang="en" sz="3000" smtClean="0">
-                <a:latin typeface="Times New Roman" panose="02020603050405020304" pitchFamily="18" charset="0"/>
-                <a:cs typeface="Times New Roman" panose="02020603050405020304" pitchFamily="18" charset="0"/>
-              </a:rPr>
-              <a:t>Thực nghiệm</a:t>
+              <a:t>. Thực nghiệm</a:t>
             </a:r>
             <a:endParaRPr sz="3000" dirty="0">
               <a:latin typeface="Times New Roman" panose="02020603050405020304" pitchFamily="18" charset="0"/>
@@ -12588,7 +17811,7 @@
             </a:pPr>
             <a:fld id="{00000000-1234-1234-1234-123412341234}" type="slidenum">
               <a:rPr lang="en"/>
-              <a:t>11</a:t>
+              <a:t>16</a:t>
             </a:fld>
             <a:endParaRPr/>
           </a:p>
@@ -12671,7 +17894,7 @@
 </p:sld>
 </file>
 
-<file path=ppt/slides/slide12.xml><?xml version="1.0" encoding="utf-8"?>
+<file path=ppt/slides/slide17.xml><?xml version="1.0" encoding="utf-8"?>
 <p:sld xmlns:a="http://schemas.openxmlformats.org/drawingml/2006/main" xmlns:r="http://schemas.openxmlformats.org/officeDocument/2006/relationships" xmlns:p="http://schemas.openxmlformats.org/presentationml/2006/main">
   <p:cSld>
     <p:spTree>
@@ -12714,7 +17937,7 @@
             </a:pPr>
             <a:fld id="{00000000-1234-1234-1234-123412341234}" type="slidenum">
               <a:rPr lang="en" smtClean="0"/>
-              <a:t>12</a:t>
+              <a:t>17</a:t>
             </a:fld>
             <a:endParaRPr lang="en"/>
           </a:p>
@@ -12784,916 +18007,6 @@
   <p:clrMapOvr>
     <a:masterClrMapping/>
   </p:clrMapOvr>
-  <p:timing>
-    <p:tnLst>
-      <p:par>
-        <p:cTn id="1" dur="indefinite" restart="never" nodeType="tmRoot"/>
-      </p:par>
-    </p:tnLst>
-  </p:timing>
-</p:sld>
-</file>
-
-<file path=ppt/slides/slide13.xml><?xml version="1.0" encoding="utf-8"?>
-<p:sld xmlns:a="http://schemas.openxmlformats.org/drawingml/2006/main" xmlns:r="http://schemas.openxmlformats.org/officeDocument/2006/relationships" xmlns:p="http://schemas.openxmlformats.org/presentationml/2006/main">
-  <p:cSld>
-    <p:spTree>
-      <p:nvGrpSpPr>
-        <p:cNvPr id="1" name="Shape 62"/>
-        <p:cNvGrpSpPr/>
-        <p:nvPr/>
-      </p:nvGrpSpPr>
-      <p:grpSpPr>
-        <a:xfrm>
-          <a:off x="0" y="0"/>
-          <a:ext cx="0" cy="0"/>
-          <a:chOff x="0" y="0"/>
-          <a:chExt cx="0" cy="0"/>
-        </a:xfrm>
-      </p:grpSpPr>
-      <p:sp>
-        <p:nvSpPr>
-          <p:cNvPr id="63" name="Google Shape;63;p14"/>
-          <p:cNvSpPr txBox="1">
-            <a:spLocks noGrp="1"/>
-          </p:cNvSpPr>
-          <p:nvPr>
-            <p:ph type="title"/>
-          </p:nvPr>
-        </p:nvSpPr>
-        <p:spPr>
-          <a:xfrm>
-            <a:off x="217516" y="574531"/>
-            <a:ext cx="1700700" cy="2200199"/>
-          </a:xfrm>
-          <a:prstGeom prst="rect">
-            <a:avLst/>
-          </a:prstGeom>
-        </p:spPr>
-        <p:txBody>
-          <a:bodyPr spcFirstLastPara="1" wrap="square" lIns="91425" tIns="91425" rIns="91425" bIns="91425" anchor="t" anchorCtr="0">
-            <a:noAutofit/>
-          </a:bodyPr>
-          <a:lstStyle/>
-          <a:p>
-            <a:pPr marL="0" lvl="0" indent="0" algn="ctr" rtl="0">
-              <a:spcBef>
-                <a:spcPts val="0"/>
-              </a:spcBef>
-              <a:spcAft>
-                <a:spcPts val="0"/>
-              </a:spcAft>
-              <a:buNone/>
-            </a:pPr>
-            <a:r>
-              <a:rPr lang="en" sz="3000" dirty="0">
-                <a:latin typeface="Times New Roman" panose="02020603050405020304" pitchFamily="18" charset="0"/>
-                <a:cs typeface="Times New Roman" panose="02020603050405020304" pitchFamily="18" charset="0"/>
-              </a:rPr>
-              <a:t>4</a:t>
-            </a:r>
-            <a:r>
-              <a:rPr lang="en" sz="3000" smtClean="0">
-                <a:latin typeface="Times New Roman" panose="02020603050405020304" pitchFamily="18" charset="0"/>
-                <a:cs typeface="Times New Roman" panose="02020603050405020304" pitchFamily="18" charset="0"/>
-              </a:rPr>
-              <a:t>. </a:t>
-            </a:r>
-            <a:r>
-              <a:rPr lang="en" sz="3000" smtClean="0">
-                <a:latin typeface="Times New Roman" panose="02020603050405020304" pitchFamily="18" charset="0"/>
-                <a:cs typeface="Times New Roman" panose="02020603050405020304" pitchFamily="18" charset="0"/>
-              </a:rPr>
-              <a:t>Thực nghiệm</a:t>
-            </a:r>
-            <a:endParaRPr sz="3000" dirty="0">
-              <a:latin typeface="Times New Roman" panose="02020603050405020304" pitchFamily="18" charset="0"/>
-              <a:cs typeface="Times New Roman" panose="02020603050405020304" pitchFamily="18" charset="0"/>
-            </a:endParaRPr>
-          </a:p>
-        </p:txBody>
-      </p:sp>
-      <p:sp>
-        <p:nvSpPr>
-          <p:cNvPr id="73" name="Google Shape;73;p14"/>
-          <p:cNvSpPr txBox="1">
-            <a:spLocks noGrp="1"/>
-          </p:cNvSpPr>
-          <p:nvPr>
-            <p:ph type="sldNum" idx="12"/>
-          </p:nvPr>
-        </p:nvSpPr>
-        <p:spPr>
-          <a:prstGeom prst="rect">
-            <a:avLst/>
-          </a:prstGeom>
-        </p:spPr>
-        <p:txBody>
-          <a:bodyPr spcFirstLastPara="1" wrap="square" lIns="91425" tIns="91425" rIns="91425" bIns="91425" anchor="t" anchorCtr="0">
-            <a:noAutofit/>
-          </a:bodyPr>
-          <a:lstStyle/>
-          <a:p>
-            <a:pPr marL="0" lvl="0" indent="0" algn="r" rtl="0">
-              <a:spcBef>
-                <a:spcPts val="0"/>
-              </a:spcBef>
-              <a:spcAft>
-                <a:spcPts val="0"/>
-              </a:spcAft>
-              <a:buNone/>
-            </a:pPr>
-            <a:fld id="{00000000-1234-1234-1234-123412341234}" type="slidenum">
-              <a:rPr lang="en"/>
-              <a:t>13</a:t>
-            </a:fld>
-            <a:endParaRPr/>
-          </a:p>
-        </p:txBody>
-      </p:sp>
-      <p:sp>
-        <p:nvSpPr>
-          <p:cNvPr id="2" name="TextBox 1"/>
-          <p:cNvSpPr txBox="1"/>
-          <p:nvPr/>
-        </p:nvSpPr>
-        <p:spPr>
-          <a:xfrm>
-            <a:off x="2971800" y="389865"/>
-            <a:ext cx="3377045" cy="369332"/>
-          </a:xfrm>
-          <a:prstGeom prst="rect">
-            <a:avLst/>
-          </a:prstGeom>
-          <a:noFill/>
-        </p:spPr>
-        <p:txBody>
-          <a:bodyPr wrap="square" rtlCol="0">
-            <a:spAutoFit/>
-          </a:bodyPr>
-          <a:lstStyle/>
-          <a:p>
-            <a:r>
-              <a:rPr lang="en-US" smtClean="0"/>
-              <a:t>Xây dựng mô hình</a:t>
-            </a:r>
-            <a:endParaRPr lang="en-US"/>
-          </a:p>
-        </p:txBody>
-      </p:sp>
-      <p:pic>
-        <p:nvPicPr>
-          <p:cNvPr id="4" name="Picture 3"/>
-          <p:cNvPicPr>
-            <a:picLocks noChangeAspect="1"/>
-          </p:cNvPicPr>
-          <p:nvPr/>
-        </p:nvPicPr>
-        <p:blipFill>
-          <a:blip r:embed="rId3"/>
-          <a:stretch>
-            <a:fillRect/>
-          </a:stretch>
-        </p:blipFill>
-        <p:spPr>
-          <a:xfrm>
-            <a:off x="2720872" y="931642"/>
-            <a:ext cx="6276975" cy="3686175"/>
-          </a:xfrm>
-          <a:prstGeom prst="rect">
-            <a:avLst/>
-          </a:prstGeom>
-        </p:spPr>
-      </p:pic>
-    </p:spTree>
-    <p:extLst>
-      <p:ext uri="{BB962C8B-B14F-4D97-AF65-F5344CB8AC3E}">
-        <p14:creationId xmlns:p14="http://schemas.microsoft.com/office/powerpoint/2010/main" val="3763472416"/>
-      </p:ext>
-    </p:extLst>
-  </p:cSld>
-  <p:clrMapOvr>
-    <a:masterClrMapping/>
-  </p:clrMapOvr>
-  <p:transition spd="slow">
-    <p:push dir="u"/>
-  </p:transition>
-  <p:timing>
-    <p:tnLst>
-      <p:par>
-        <p:cTn id="1" dur="indefinite" restart="never" nodeType="tmRoot"/>
-      </p:par>
-    </p:tnLst>
-  </p:timing>
-</p:sld>
-</file>
-
-<file path=ppt/slides/slide14.xml><?xml version="1.0" encoding="utf-8"?>
-<p:sld xmlns:a="http://schemas.openxmlformats.org/drawingml/2006/main" xmlns:r="http://schemas.openxmlformats.org/officeDocument/2006/relationships" xmlns:p="http://schemas.openxmlformats.org/presentationml/2006/main">
-  <p:cSld>
-    <p:spTree>
-      <p:nvGrpSpPr>
-        <p:cNvPr id="1" name="Shape 62"/>
-        <p:cNvGrpSpPr/>
-        <p:nvPr/>
-      </p:nvGrpSpPr>
-      <p:grpSpPr>
-        <a:xfrm>
-          <a:off x="0" y="0"/>
-          <a:ext cx="0" cy="0"/>
-          <a:chOff x="0" y="0"/>
-          <a:chExt cx="0" cy="0"/>
-        </a:xfrm>
-      </p:grpSpPr>
-      <p:sp>
-        <p:nvSpPr>
-          <p:cNvPr id="63" name="Google Shape;63;p14"/>
-          <p:cNvSpPr txBox="1">
-            <a:spLocks noGrp="1"/>
-          </p:cNvSpPr>
-          <p:nvPr>
-            <p:ph type="title"/>
-          </p:nvPr>
-        </p:nvSpPr>
-        <p:spPr>
-          <a:xfrm>
-            <a:off x="217516" y="574531"/>
-            <a:ext cx="1700700" cy="2200199"/>
-          </a:xfrm>
-          <a:prstGeom prst="rect">
-            <a:avLst/>
-          </a:prstGeom>
-        </p:spPr>
-        <p:txBody>
-          <a:bodyPr spcFirstLastPara="1" wrap="square" lIns="91425" tIns="91425" rIns="91425" bIns="91425" anchor="t" anchorCtr="0">
-            <a:noAutofit/>
-          </a:bodyPr>
-          <a:lstStyle/>
-          <a:p>
-            <a:pPr marL="0" lvl="0" indent="0" algn="ctr" rtl="0">
-              <a:spcBef>
-                <a:spcPts val="0"/>
-              </a:spcBef>
-              <a:spcAft>
-                <a:spcPts val="0"/>
-              </a:spcAft>
-              <a:buNone/>
-            </a:pPr>
-            <a:r>
-              <a:rPr lang="en" sz="3000" dirty="0">
-                <a:latin typeface="Times New Roman" panose="02020603050405020304" pitchFamily="18" charset="0"/>
-                <a:cs typeface="Times New Roman" panose="02020603050405020304" pitchFamily="18" charset="0"/>
-              </a:rPr>
-              <a:t>4</a:t>
-            </a:r>
-            <a:r>
-              <a:rPr lang="en" sz="3000" smtClean="0">
-                <a:latin typeface="Times New Roman" panose="02020603050405020304" pitchFamily="18" charset="0"/>
-                <a:cs typeface="Times New Roman" panose="02020603050405020304" pitchFamily="18" charset="0"/>
-              </a:rPr>
-              <a:t>. </a:t>
-            </a:r>
-            <a:r>
-              <a:rPr lang="en" sz="3000" smtClean="0">
-                <a:latin typeface="Times New Roman" panose="02020603050405020304" pitchFamily="18" charset="0"/>
-                <a:cs typeface="Times New Roman" panose="02020603050405020304" pitchFamily="18" charset="0"/>
-              </a:rPr>
-              <a:t>Thực nghiệm</a:t>
-            </a:r>
-            <a:endParaRPr sz="3000" dirty="0">
-              <a:latin typeface="Times New Roman" panose="02020603050405020304" pitchFamily="18" charset="0"/>
-              <a:cs typeface="Times New Roman" panose="02020603050405020304" pitchFamily="18" charset="0"/>
-            </a:endParaRPr>
-          </a:p>
-        </p:txBody>
-      </p:sp>
-      <p:sp>
-        <p:nvSpPr>
-          <p:cNvPr id="73" name="Google Shape;73;p14"/>
-          <p:cNvSpPr txBox="1">
-            <a:spLocks noGrp="1"/>
-          </p:cNvSpPr>
-          <p:nvPr>
-            <p:ph type="sldNum" idx="12"/>
-          </p:nvPr>
-        </p:nvSpPr>
-        <p:spPr>
-          <a:prstGeom prst="rect">
-            <a:avLst/>
-          </a:prstGeom>
-        </p:spPr>
-        <p:txBody>
-          <a:bodyPr spcFirstLastPara="1" wrap="square" lIns="91425" tIns="91425" rIns="91425" bIns="91425" anchor="t" anchorCtr="0">
-            <a:noAutofit/>
-          </a:bodyPr>
-          <a:lstStyle/>
-          <a:p>
-            <a:pPr marL="0" lvl="0" indent="0" algn="r" rtl="0">
-              <a:spcBef>
-                <a:spcPts val="0"/>
-              </a:spcBef>
-              <a:spcAft>
-                <a:spcPts val="0"/>
-              </a:spcAft>
-              <a:buNone/>
-            </a:pPr>
-            <a:fld id="{00000000-1234-1234-1234-123412341234}" type="slidenum">
-              <a:rPr lang="en"/>
-              <a:t>14</a:t>
-            </a:fld>
-            <a:endParaRPr/>
-          </a:p>
-        </p:txBody>
-      </p:sp>
-      <p:sp>
-        <p:nvSpPr>
-          <p:cNvPr id="2" name="TextBox 1"/>
-          <p:cNvSpPr txBox="1"/>
-          <p:nvPr/>
-        </p:nvSpPr>
-        <p:spPr>
-          <a:xfrm>
-            <a:off x="3002973" y="296346"/>
-            <a:ext cx="3377045" cy="369332"/>
-          </a:xfrm>
-          <a:prstGeom prst="rect">
-            <a:avLst/>
-          </a:prstGeom>
-          <a:noFill/>
-        </p:spPr>
-        <p:txBody>
-          <a:bodyPr wrap="square" rtlCol="0">
-            <a:spAutoFit/>
-          </a:bodyPr>
-          <a:lstStyle/>
-          <a:p>
-            <a:r>
-              <a:rPr lang="en-US" smtClean="0"/>
-              <a:t>Xây dựng website</a:t>
-            </a:r>
-            <a:endParaRPr lang="en-US"/>
-          </a:p>
-        </p:txBody>
-      </p:sp>
-      <p:pic>
-        <p:nvPicPr>
-          <p:cNvPr id="3" name="Picture 2"/>
-          <p:cNvPicPr>
-            <a:picLocks noChangeAspect="1"/>
-          </p:cNvPicPr>
-          <p:nvPr/>
-        </p:nvPicPr>
-        <p:blipFill>
-          <a:blip r:embed="rId3"/>
-          <a:stretch>
-            <a:fillRect/>
-          </a:stretch>
-        </p:blipFill>
-        <p:spPr>
-          <a:xfrm>
-            <a:off x="2824929" y="796788"/>
-            <a:ext cx="6006205" cy="3722596"/>
-          </a:xfrm>
-          <a:prstGeom prst="rect">
-            <a:avLst/>
-          </a:prstGeom>
-        </p:spPr>
-      </p:pic>
-    </p:spTree>
-    <p:extLst>
-      <p:ext uri="{BB962C8B-B14F-4D97-AF65-F5344CB8AC3E}">
-        <p14:creationId xmlns:p14="http://schemas.microsoft.com/office/powerpoint/2010/main" val="2637342104"/>
-      </p:ext>
-    </p:extLst>
-  </p:cSld>
-  <p:clrMapOvr>
-    <a:masterClrMapping/>
-  </p:clrMapOvr>
-  <p:transition spd="slow">
-    <p:push dir="u"/>
-  </p:transition>
-  <p:timing>
-    <p:tnLst>
-      <p:par>
-        <p:cTn id="1" dur="indefinite" restart="never" nodeType="tmRoot"/>
-      </p:par>
-    </p:tnLst>
-  </p:timing>
-</p:sld>
-</file>
-
-<file path=ppt/slides/slide15.xml><?xml version="1.0" encoding="utf-8"?>
-<p:sld xmlns:a="http://schemas.openxmlformats.org/drawingml/2006/main" xmlns:r="http://schemas.openxmlformats.org/officeDocument/2006/relationships" xmlns:p="http://schemas.openxmlformats.org/presentationml/2006/main">
-  <p:cSld>
-    <p:spTree>
-      <p:nvGrpSpPr>
-        <p:cNvPr id="1" name="Shape 62"/>
-        <p:cNvGrpSpPr/>
-        <p:nvPr/>
-      </p:nvGrpSpPr>
-      <p:grpSpPr>
-        <a:xfrm>
-          <a:off x="0" y="0"/>
-          <a:ext cx="0" cy="0"/>
-          <a:chOff x="0" y="0"/>
-          <a:chExt cx="0" cy="0"/>
-        </a:xfrm>
-      </p:grpSpPr>
-      <p:sp>
-        <p:nvSpPr>
-          <p:cNvPr id="63" name="Google Shape;63;p14"/>
-          <p:cNvSpPr txBox="1">
-            <a:spLocks noGrp="1"/>
-          </p:cNvSpPr>
-          <p:nvPr>
-            <p:ph type="title"/>
-          </p:nvPr>
-        </p:nvSpPr>
-        <p:spPr>
-          <a:xfrm>
-            <a:off x="217516" y="574531"/>
-            <a:ext cx="1700700" cy="2200199"/>
-          </a:xfrm>
-          <a:prstGeom prst="rect">
-            <a:avLst/>
-          </a:prstGeom>
-        </p:spPr>
-        <p:txBody>
-          <a:bodyPr spcFirstLastPara="1" wrap="square" lIns="91425" tIns="91425" rIns="91425" bIns="91425" anchor="t" anchorCtr="0">
-            <a:noAutofit/>
-          </a:bodyPr>
-          <a:lstStyle/>
-          <a:p>
-            <a:pPr marL="0" lvl="0" indent="0" algn="ctr" rtl="0">
-              <a:spcBef>
-                <a:spcPts val="0"/>
-              </a:spcBef>
-              <a:spcAft>
-                <a:spcPts val="0"/>
-              </a:spcAft>
-              <a:buNone/>
-            </a:pPr>
-            <a:r>
-              <a:rPr lang="en" sz="3000" dirty="0">
-                <a:latin typeface="Times New Roman" panose="02020603050405020304" pitchFamily="18" charset="0"/>
-                <a:cs typeface="Times New Roman" panose="02020603050405020304" pitchFamily="18" charset="0"/>
-              </a:rPr>
-              <a:t>4</a:t>
-            </a:r>
-            <a:r>
-              <a:rPr lang="en" sz="3000" smtClean="0">
-                <a:latin typeface="Times New Roman" panose="02020603050405020304" pitchFamily="18" charset="0"/>
-                <a:cs typeface="Times New Roman" panose="02020603050405020304" pitchFamily="18" charset="0"/>
-              </a:rPr>
-              <a:t>. </a:t>
-            </a:r>
-            <a:r>
-              <a:rPr lang="en" sz="3000" smtClean="0">
-                <a:latin typeface="Times New Roman" panose="02020603050405020304" pitchFamily="18" charset="0"/>
-                <a:cs typeface="Times New Roman" panose="02020603050405020304" pitchFamily="18" charset="0"/>
-              </a:rPr>
-              <a:t>Thực nghiệm</a:t>
-            </a:r>
-            <a:endParaRPr sz="3000" dirty="0">
-              <a:latin typeface="Times New Roman" panose="02020603050405020304" pitchFamily="18" charset="0"/>
-              <a:cs typeface="Times New Roman" panose="02020603050405020304" pitchFamily="18" charset="0"/>
-            </a:endParaRPr>
-          </a:p>
-        </p:txBody>
-      </p:sp>
-      <p:sp>
-        <p:nvSpPr>
-          <p:cNvPr id="73" name="Google Shape;73;p14"/>
-          <p:cNvSpPr txBox="1">
-            <a:spLocks noGrp="1"/>
-          </p:cNvSpPr>
-          <p:nvPr>
-            <p:ph type="sldNum" idx="12"/>
-          </p:nvPr>
-        </p:nvSpPr>
-        <p:spPr>
-          <a:prstGeom prst="rect">
-            <a:avLst/>
-          </a:prstGeom>
-        </p:spPr>
-        <p:txBody>
-          <a:bodyPr spcFirstLastPara="1" wrap="square" lIns="91425" tIns="91425" rIns="91425" bIns="91425" anchor="t" anchorCtr="0">
-            <a:noAutofit/>
-          </a:bodyPr>
-          <a:lstStyle/>
-          <a:p>
-            <a:pPr marL="0" lvl="0" indent="0" algn="r" rtl="0">
-              <a:spcBef>
-                <a:spcPts val="0"/>
-              </a:spcBef>
-              <a:spcAft>
-                <a:spcPts val="0"/>
-              </a:spcAft>
-              <a:buNone/>
-            </a:pPr>
-            <a:fld id="{00000000-1234-1234-1234-123412341234}" type="slidenum">
-              <a:rPr lang="en"/>
-              <a:t>15</a:t>
-            </a:fld>
-            <a:endParaRPr/>
-          </a:p>
-        </p:txBody>
-      </p:sp>
-      <p:sp>
-        <p:nvSpPr>
-          <p:cNvPr id="2" name="TextBox 1"/>
-          <p:cNvSpPr txBox="1"/>
-          <p:nvPr/>
-        </p:nvSpPr>
-        <p:spPr>
-          <a:xfrm>
-            <a:off x="3002973" y="296346"/>
-            <a:ext cx="3377045" cy="369332"/>
-          </a:xfrm>
-          <a:prstGeom prst="rect">
-            <a:avLst/>
-          </a:prstGeom>
-          <a:noFill/>
-        </p:spPr>
-        <p:txBody>
-          <a:bodyPr wrap="square" rtlCol="0">
-            <a:spAutoFit/>
-          </a:bodyPr>
-          <a:lstStyle/>
-          <a:p>
-            <a:r>
-              <a:rPr lang="en-US" smtClean="0"/>
-              <a:t>Xây dựng website</a:t>
-            </a:r>
-            <a:endParaRPr lang="en-US"/>
-          </a:p>
-        </p:txBody>
-      </p:sp>
-      <p:pic>
-        <p:nvPicPr>
-          <p:cNvPr id="4" name="Picture 3"/>
-          <p:cNvPicPr>
-            <a:picLocks noChangeAspect="1"/>
-          </p:cNvPicPr>
-          <p:nvPr/>
-        </p:nvPicPr>
-        <p:blipFill>
-          <a:blip r:embed="rId3"/>
-          <a:stretch>
-            <a:fillRect/>
-          </a:stretch>
-        </p:blipFill>
-        <p:spPr>
-          <a:xfrm>
-            <a:off x="2652323" y="836510"/>
-            <a:ext cx="6076041" cy="3715286"/>
-          </a:xfrm>
-          <a:prstGeom prst="rect">
-            <a:avLst/>
-          </a:prstGeom>
-        </p:spPr>
-      </p:pic>
-    </p:spTree>
-    <p:extLst>
-      <p:ext uri="{BB962C8B-B14F-4D97-AF65-F5344CB8AC3E}">
-        <p14:creationId xmlns:p14="http://schemas.microsoft.com/office/powerpoint/2010/main" val="3357538157"/>
-      </p:ext>
-    </p:extLst>
-  </p:cSld>
-  <p:clrMapOvr>
-    <a:masterClrMapping/>
-  </p:clrMapOvr>
-  <p:transition spd="slow">
-    <p:push dir="u"/>
-  </p:transition>
-  <p:timing>
-    <p:tnLst>
-      <p:par>
-        <p:cTn id="1" dur="indefinite" restart="never" nodeType="tmRoot"/>
-      </p:par>
-    </p:tnLst>
-  </p:timing>
-</p:sld>
-</file>
-
-<file path=ppt/slides/slide16.xml><?xml version="1.0" encoding="utf-8"?>
-<p:sld xmlns:a="http://schemas.openxmlformats.org/drawingml/2006/main" xmlns:r="http://schemas.openxmlformats.org/officeDocument/2006/relationships" xmlns:p="http://schemas.openxmlformats.org/presentationml/2006/main">
-  <p:cSld>
-    <p:spTree>
-      <p:nvGrpSpPr>
-        <p:cNvPr id="1" name="Shape 62"/>
-        <p:cNvGrpSpPr/>
-        <p:nvPr/>
-      </p:nvGrpSpPr>
-      <p:grpSpPr>
-        <a:xfrm>
-          <a:off x="0" y="0"/>
-          <a:ext cx="0" cy="0"/>
-          <a:chOff x="0" y="0"/>
-          <a:chExt cx="0" cy="0"/>
-        </a:xfrm>
-      </p:grpSpPr>
-      <p:sp>
-        <p:nvSpPr>
-          <p:cNvPr id="63" name="Google Shape;63;p14"/>
-          <p:cNvSpPr txBox="1">
-            <a:spLocks noGrp="1"/>
-          </p:cNvSpPr>
-          <p:nvPr>
-            <p:ph type="title"/>
-          </p:nvPr>
-        </p:nvSpPr>
-        <p:spPr>
-          <a:xfrm>
-            <a:off x="217516" y="574531"/>
-            <a:ext cx="1700700" cy="2200199"/>
-          </a:xfrm>
-          <a:prstGeom prst="rect">
-            <a:avLst/>
-          </a:prstGeom>
-        </p:spPr>
-        <p:txBody>
-          <a:bodyPr spcFirstLastPara="1" wrap="square" lIns="91425" tIns="91425" rIns="91425" bIns="91425" anchor="t" anchorCtr="0">
-            <a:noAutofit/>
-          </a:bodyPr>
-          <a:lstStyle/>
-          <a:p>
-            <a:pPr marL="0" lvl="0" indent="0" algn="ctr" rtl="0">
-              <a:spcBef>
-                <a:spcPts val="0"/>
-              </a:spcBef>
-              <a:spcAft>
-                <a:spcPts val="0"/>
-              </a:spcAft>
-              <a:buNone/>
-            </a:pPr>
-            <a:r>
-              <a:rPr lang="en" sz="3000" dirty="0">
-                <a:latin typeface="Times New Roman" panose="02020603050405020304" pitchFamily="18" charset="0"/>
-                <a:cs typeface="Times New Roman" panose="02020603050405020304" pitchFamily="18" charset="0"/>
-              </a:rPr>
-              <a:t>4</a:t>
-            </a:r>
-            <a:r>
-              <a:rPr lang="en" sz="3000" smtClean="0">
-                <a:latin typeface="Times New Roman" panose="02020603050405020304" pitchFamily="18" charset="0"/>
-                <a:cs typeface="Times New Roman" panose="02020603050405020304" pitchFamily="18" charset="0"/>
-              </a:rPr>
-              <a:t>. </a:t>
-            </a:r>
-            <a:r>
-              <a:rPr lang="en" sz="3000" smtClean="0">
-                <a:latin typeface="Times New Roman" panose="02020603050405020304" pitchFamily="18" charset="0"/>
-                <a:cs typeface="Times New Roman" panose="02020603050405020304" pitchFamily="18" charset="0"/>
-              </a:rPr>
-              <a:t>Thực nghiệm</a:t>
-            </a:r>
-            <a:endParaRPr sz="3000" dirty="0">
-              <a:latin typeface="Times New Roman" panose="02020603050405020304" pitchFamily="18" charset="0"/>
-              <a:cs typeface="Times New Roman" panose="02020603050405020304" pitchFamily="18" charset="0"/>
-            </a:endParaRPr>
-          </a:p>
-        </p:txBody>
-      </p:sp>
-      <p:sp>
-        <p:nvSpPr>
-          <p:cNvPr id="73" name="Google Shape;73;p14"/>
-          <p:cNvSpPr txBox="1">
-            <a:spLocks noGrp="1"/>
-          </p:cNvSpPr>
-          <p:nvPr>
-            <p:ph type="sldNum" idx="12"/>
-          </p:nvPr>
-        </p:nvSpPr>
-        <p:spPr>
-          <a:prstGeom prst="rect">
-            <a:avLst/>
-          </a:prstGeom>
-        </p:spPr>
-        <p:txBody>
-          <a:bodyPr spcFirstLastPara="1" wrap="square" lIns="91425" tIns="91425" rIns="91425" bIns="91425" anchor="t" anchorCtr="0">
-            <a:noAutofit/>
-          </a:bodyPr>
-          <a:lstStyle/>
-          <a:p>
-            <a:pPr marL="0" lvl="0" indent="0" algn="r" rtl="0">
-              <a:spcBef>
-                <a:spcPts val="0"/>
-              </a:spcBef>
-              <a:spcAft>
-                <a:spcPts val="0"/>
-              </a:spcAft>
-              <a:buNone/>
-            </a:pPr>
-            <a:fld id="{00000000-1234-1234-1234-123412341234}" type="slidenum">
-              <a:rPr lang="en"/>
-              <a:t>16</a:t>
-            </a:fld>
-            <a:endParaRPr/>
-          </a:p>
-        </p:txBody>
-      </p:sp>
-      <p:sp>
-        <p:nvSpPr>
-          <p:cNvPr id="2" name="TextBox 1"/>
-          <p:cNvSpPr txBox="1"/>
-          <p:nvPr/>
-        </p:nvSpPr>
-        <p:spPr>
-          <a:xfrm>
-            <a:off x="3002973" y="296346"/>
-            <a:ext cx="3377045" cy="369332"/>
-          </a:xfrm>
-          <a:prstGeom prst="rect">
-            <a:avLst/>
-          </a:prstGeom>
-          <a:noFill/>
-        </p:spPr>
-        <p:txBody>
-          <a:bodyPr wrap="square" rtlCol="0">
-            <a:spAutoFit/>
-          </a:bodyPr>
-          <a:lstStyle/>
-          <a:p>
-            <a:r>
-              <a:rPr lang="en-US" smtClean="0"/>
-              <a:t>Xây dựng website</a:t>
-            </a:r>
-            <a:endParaRPr lang="en-US"/>
-          </a:p>
-        </p:txBody>
-      </p:sp>
-      <p:pic>
-        <p:nvPicPr>
-          <p:cNvPr id="3" name="Picture 2"/>
-          <p:cNvPicPr>
-            <a:picLocks noChangeAspect="1"/>
-          </p:cNvPicPr>
-          <p:nvPr/>
-        </p:nvPicPr>
-        <p:blipFill>
-          <a:blip r:embed="rId3"/>
-          <a:stretch>
-            <a:fillRect/>
-          </a:stretch>
-        </p:blipFill>
-        <p:spPr>
-          <a:xfrm>
-            <a:off x="2773629" y="789709"/>
-            <a:ext cx="6057505" cy="3752324"/>
-          </a:xfrm>
-          <a:prstGeom prst="rect">
-            <a:avLst/>
-          </a:prstGeom>
-        </p:spPr>
-      </p:pic>
-    </p:spTree>
-    <p:extLst>
-      <p:ext uri="{BB962C8B-B14F-4D97-AF65-F5344CB8AC3E}">
-        <p14:creationId xmlns:p14="http://schemas.microsoft.com/office/powerpoint/2010/main" val="3307101164"/>
-      </p:ext>
-    </p:extLst>
-  </p:cSld>
-  <p:clrMapOvr>
-    <a:masterClrMapping/>
-  </p:clrMapOvr>
-  <p:transition spd="slow">
-    <p:push dir="u"/>
-  </p:transition>
-  <p:timing>
-    <p:tnLst>
-      <p:par>
-        <p:cTn id="1" dur="indefinite" restart="never" nodeType="tmRoot"/>
-      </p:par>
-    </p:tnLst>
-  </p:timing>
-</p:sld>
-</file>
-
-<file path=ppt/slides/slide17.xml><?xml version="1.0" encoding="utf-8"?>
-<p:sld xmlns:a="http://schemas.openxmlformats.org/drawingml/2006/main" xmlns:r="http://schemas.openxmlformats.org/officeDocument/2006/relationships" xmlns:p="http://schemas.openxmlformats.org/presentationml/2006/main">
-  <p:cSld>
-    <p:bg>
-      <p:bgPr>
-        <a:solidFill>
-          <a:schemeClr val="bg1"/>
-        </a:solidFill>
-        <a:effectLst/>
-      </p:bgPr>
-    </p:bg>
-    <p:spTree>
-      <p:nvGrpSpPr>
-        <p:cNvPr id="1" name="Shape 62"/>
-        <p:cNvGrpSpPr/>
-        <p:nvPr/>
-      </p:nvGrpSpPr>
-      <p:grpSpPr>
-        <a:xfrm>
-          <a:off x="0" y="0"/>
-          <a:ext cx="0" cy="0"/>
-          <a:chOff x="0" y="0"/>
-          <a:chExt cx="0" cy="0"/>
-        </a:xfrm>
-      </p:grpSpPr>
-      <p:sp>
-        <p:nvSpPr>
-          <p:cNvPr id="63" name="Google Shape;63;p14"/>
-          <p:cNvSpPr txBox="1">
-            <a:spLocks noGrp="1"/>
-          </p:cNvSpPr>
-          <p:nvPr>
-            <p:ph type="title"/>
-          </p:nvPr>
-        </p:nvSpPr>
-        <p:spPr>
-          <a:xfrm>
-            <a:off x="217516" y="574531"/>
-            <a:ext cx="1700700" cy="2200199"/>
-          </a:xfrm>
-          <a:prstGeom prst="rect">
-            <a:avLst/>
-          </a:prstGeom>
-        </p:spPr>
-        <p:txBody>
-          <a:bodyPr spcFirstLastPara="1" wrap="square" lIns="91425" tIns="91425" rIns="91425" bIns="91425" anchor="t" anchorCtr="0">
-            <a:noAutofit/>
-          </a:bodyPr>
-          <a:lstStyle/>
-          <a:p>
-            <a:pPr marL="0" lvl="0" indent="0" algn="ctr" rtl="0">
-              <a:spcBef>
-                <a:spcPts val="0"/>
-              </a:spcBef>
-              <a:spcAft>
-                <a:spcPts val="0"/>
-              </a:spcAft>
-              <a:buNone/>
-            </a:pPr>
-            <a:r>
-              <a:rPr lang="en" sz="3000" smtClean="0">
-                <a:latin typeface="Times New Roman" panose="02020603050405020304" pitchFamily="18" charset="0"/>
-                <a:cs typeface="Times New Roman" panose="02020603050405020304" pitchFamily="18" charset="0"/>
-              </a:rPr>
-              <a:t>5. Demo</a:t>
-            </a:r>
-            <a:endParaRPr sz="3000" dirty="0">
-              <a:latin typeface="Times New Roman" panose="02020603050405020304" pitchFamily="18" charset="0"/>
-              <a:cs typeface="Times New Roman" panose="02020603050405020304" pitchFamily="18" charset="0"/>
-            </a:endParaRPr>
-          </a:p>
-        </p:txBody>
-      </p:sp>
-      <p:sp>
-        <p:nvSpPr>
-          <p:cNvPr id="73" name="Google Shape;73;p14"/>
-          <p:cNvSpPr txBox="1">
-            <a:spLocks noGrp="1"/>
-          </p:cNvSpPr>
-          <p:nvPr>
-            <p:ph type="sldNum" idx="12"/>
-          </p:nvPr>
-        </p:nvSpPr>
-        <p:spPr>
-          <a:prstGeom prst="rect">
-            <a:avLst/>
-          </a:prstGeom>
-        </p:spPr>
-        <p:txBody>
-          <a:bodyPr spcFirstLastPara="1" wrap="square" lIns="91425" tIns="91425" rIns="91425" bIns="91425" anchor="t" anchorCtr="0">
-            <a:noAutofit/>
-          </a:bodyPr>
-          <a:lstStyle/>
-          <a:p>
-            <a:pPr marL="0" lvl="0" indent="0" algn="r" rtl="0">
-              <a:spcBef>
-                <a:spcPts val="0"/>
-              </a:spcBef>
-              <a:spcAft>
-                <a:spcPts val="0"/>
-              </a:spcAft>
-              <a:buNone/>
-            </a:pPr>
-            <a:fld id="{00000000-1234-1234-1234-123412341234}" type="slidenum">
-              <a:rPr lang="en"/>
-              <a:t>17</a:t>
-            </a:fld>
-            <a:endParaRPr/>
-          </a:p>
-        </p:txBody>
-      </p:sp>
-    </p:spTree>
-    <p:extLst>
-      <p:ext uri="{BB962C8B-B14F-4D97-AF65-F5344CB8AC3E}">
-        <p14:creationId xmlns:p14="http://schemas.microsoft.com/office/powerpoint/2010/main" val="808773343"/>
-      </p:ext>
-    </p:extLst>
-  </p:cSld>
-  <p:clrMapOvr>
-    <a:masterClrMapping/>
-  </p:clrMapOvr>
-  <p:transition spd="slow">
-    <p:push dir="u"/>
-  </p:transition>
   <p:timing>
     <p:tnLst>
       <p:par>
@@ -13756,11 +18069,18 @@
               <a:buNone/>
             </a:pPr>
             <a:r>
+              <a:rPr lang="en" sz="3000" dirty="0">
+                <a:latin typeface="Times New Roman" panose="02020603050405020304" pitchFamily="18" charset="0"/>
+                <a:cs typeface="Times New Roman" panose="02020603050405020304" pitchFamily="18" charset="0"/>
+              </a:rPr>
+              <a:t>4</a:t>
+            </a:r>
+            <a:r>
               <a:rPr lang="en" sz="3000" smtClean="0">
                 <a:latin typeface="Times New Roman" panose="02020603050405020304" pitchFamily="18" charset="0"/>
                 <a:cs typeface="Times New Roman" panose="02020603050405020304" pitchFamily="18" charset="0"/>
               </a:rPr>
-              <a:t>5. Kết luận</a:t>
+              <a:t>. Thực nghiệm</a:t>
             </a:r>
             <a:endParaRPr sz="3000" dirty="0">
               <a:latin typeface="Times New Roman" panose="02020603050405020304" pitchFamily="18" charset="0"/>
@@ -13802,6 +18122,1032 @@
             <a:fld id="{00000000-1234-1234-1234-123412341234}" type="slidenum">
               <a:rPr lang="en"/>
               <a:t>18</a:t>
+            </a:fld>
+            <a:endParaRPr/>
+          </a:p>
+        </p:txBody>
+      </p:sp>
+      <p:sp>
+        <p:nvSpPr>
+          <p:cNvPr id="2" name="TextBox 1"/>
+          <p:cNvSpPr txBox="1"/>
+          <p:nvPr/>
+        </p:nvSpPr>
+        <p:spPr>
+          <a:xfrm>
+            <a:off x="2971800" y="389865"/>
+            <a:ext cx="3377045" cy="369332"/>
+          </a:xfrm>
+          <a:prstGeom prst="rect">
+            <a:avLst/>
+          </a:prstGeom>
+          <a:noFill/>
+        </p:spPr>
+        <p:txBody>
+          <a:bodyPr wrap="square" rtlCol="0">
+            <a:spAutoFit/>
+          </a:bodyPr>
+          <a:lstStyle/>
+          <a:p>
+            <a:r>
+              <a:rPr lang="en-US" smtClean="0"/>
+              <a:t>Xây dựng mô hình</a:t>
+            </a:r>
+            <a:endParaRPr lang="en-US"/>
+          </a:p>
+        </p:txBody>
+      </p:sp>
+      <p:pic>
+        <p:nvPicPr>
+          <p:cNvPr id="4" name="Picture 3"/>
+          <p:cNvPicPr>
+            <a:picLocks noChangeAspect="1"/>
+          </p:cNvPicPr>
+          <p:nvPr/>
+        </p:nvPicPr>
+        <p:blipFill>
+          <a:blip r:embed="rId3"/>
+          <a:stretch>
+            <a:fillRect/>
+          </a:stretch>
+        </p:blipFill>
+        <p:spPr>
+          <a:xfrm>
+            <a:off x="2720872" y="931642"/>
+            <a:ext cx="6276975" cy="3686175"/>
+          </a:xfrm>
+          <a:prstGeom prst="rect">
+            <a:avLst/>
+          </a:prstGeom>
+        </p:spPr>
+      </p:pic>
+    </p:spTree>
+    <p:extLst>
+      <p:ext uri="{BB962C8B-B14F-4D97-AF65-F5344CB8AC3E}">
+        <p14:creationId xmlns:p14="http://schemas.microsoft.com/office/powerpoint/2010/main" val="3763472416"/>
+      </p:ext>
+    </p:extLst>
+  </p:cSld>
+  <p:clrMapOvr>
+    <a:masterClrMapping/>
+  </p:clrMapOvr>
+  <p:transition spd="slow">
+    <p:push dir="u"/>
+  </p:transition>
+  <p:timing>
+    <p:tnLst>
+      <p:par>
+        <p:cTn id="1" dur="indefinite" restart="never" nodeType="tmRoot"/>
+      </p:par>
+    </p:tnLst>
+  </p:timing>
+</p:sld>
+</file>
+
+<file path=ppt/slides/slide19.xml><?xml version="1.0" encoding="utf-8"?>
+<p:sld xmlns:a="http://schemas.openxmlformats.org/drawingml/2006/main" xmlns:r="http://schemas.openxmlformats.org/officeDocument/2006/relationships" xmlns:p="http://schemas.openxmlformats.org/presentationml/2006/main">
+  <p:cSld>
+    <p:spTree>
+      <p:nvGrpSpPr>
+        <p:cNvPr id="1" name="Shape 62"/>
+        <p:cNvGrpSpPr/>
+        <p:nvPr/>
+      </p:nvGrpSpPr>
+      <p:grpSpPr>
+        <a:xfrm>
+          <a:off x="0" y="0"/>
+          <a:ext cx="0" cy="0"/>
+          <a:chOff x="0" y="0"/>
+          <a:chExt cx="0" cy="0"/>
+        </a:xfrm>
+      </p:grpSpPr>
+      <p:sp>
+        <p:nvSpPr>
+          <p:cNvPr id="63" name="Google Shape;63;p14"/>
+          <p:cNvSpPr txBox="1">
+            <a:spLocks noGrp="1"/>
+          </p:cNvSpPr>
+          <p:nvPr>
+            <p:ph type="title"/>
+          </p:nvPr>
+        </p:nvSpPr>
+        <p:spPr>
+          <a:xfrm>
+            <a:off x="217516" y="574531"/>
+            <a:ext cx="1700700" cy="2200199"/>
+          </a:xfrm>
+          <a:prstGeom prst="rect">
+            <a:avLst/>
+          </a:prstGeom>
+        </p:spPr>
+        <p:txBody>
+          <a:bodyPr spcFirstLastPara="1" wrap="square" lIns="91425" tIns="91425" rIns="91425" bIns="91425" anchor="t" anchorCtr="0">
+            <a:noAutofit/>
+          </a:bodyPr>
+          <a:lstStyle/>
+          <a:p>
+            <a:pPr marL="0" lvl="0" indent="0" algn="ctr" rtl="0">
+              <a:spcBef>
+                <a:spcPts val="0"/>
+              </a:spcBef>
+              <a:spcAft>
+                <a:spcPts val="0"/>
+              </a:spcAft>
+              <a:buNone/>
+            </a:pPr>
+            <a:r>
+              <a:rPr lang="en" sz="3000" dirty="0">
+                <a:latin typeface="Times New Roman" panose="02020603050405020304" pitchFamily="18" charset="0"/>
+                <a:cs typeface="Times New Roman" panose="02020603050405020304" pitchFamily="18" charset="0"/>
+              </a:rPr>
+              <a:t>4</a:t>
+            </a:r>
+            <a:r>
+              <a:rPr lang="en" sz="3000" smtClean="0">
+                <a:latin typeface="Times New Roman" panose="02020603050405020304" pitchFamily="18" charset="0"/>
+                <a:cs typeface="Times New Roman" panose="02020603050405020304" pitchFamily="18" charset="0"/>
+              </a:rPr>
+              <a:t>. Thực nghiệm</a:t>
+            </a:r>
+            <a:endParaRPr sz="3000" dirty="0">
+              <a:latin typeface="Times New Roman" panose="02020603050405020304" pitchFamily="18" charset="0"/>
+              <a:cs typeface="Times New Roman" panose="02020603050405020304" pitchFamily="18" charset="0"/>
+            </a:endParaRPr>
+          </a:p>
+        </p:txBody>
+      </p:sp>
+      <p:sp>
+        <p:nvSpPr>
+          <p:cNvPr id="73" name="Google Shape;73;p14"/>
+          <p:cNvSpPr txBox="1">
+            <a:spLocks noGrp="1"/>
+          </p:cNvSpPr>
+          <p:nvPr>
+            <p:ph type="sldNum" idx="12"/>
+          </p:nvPr>
+        </p:nvSpPr>
+        <p:spPr>
+          <a:prstGeom prst="rect">
+            <a:avLst/>
+          </a:prstGeom>
+        </p:spPr>
+        <p:txBody>
+          <a:bodyPr spcFirstLastPara="1" wrap="square" lIns="91425" tIns="91425" rIns="91425" bIns="91425" anchor="t" anchorCtr="0">
+            <a:noAutofit/>
+          </a:bodyPr>
+          <a:lstStyle/>
+          <a:p>
+            <a:pPr marL="0" lvl="0" indent="0" algn="r" rtl="0">
+              <a:spcBef>
+                <a:spcPts val="0"/>
+              </a:spcBef>
+              <a:spcAft>
+                <a:spcPts val="0"/>
+              </a:spcAft>
+              <a:buNone/>
+            </a:pPr>
+            <a:fld id="{00000000-1234-1234-1234-123412341234}" type="slidenum">
+              <a:rPr lang="en"/>
+              <a:t>19</a:t>
+            </a:fld>
+            <a:endParaRPr/>
+          </a:p>
+        </p:txBody>
+      </p:sp>
+      <p:sp>
+        <p:nvSpPr>
+          <p:cNvPr id="2" name="TextBox 1"/>
+          <p:cNvSpPr txBox="1"/>
+          <p:nvPr/>
+        </p:nvSpPr>
+        <p:spPr>
+          <a:xfrm>
+            <a:off x="3002973" y="296346"/>
+            <a:ext cx="3377045" cy="369332"/>
+          </a:xfrm>
+          <a:prstGeom prst="rect">
+            <a:avLst/>
+          </a:prstGeom>
+          <a:noFill/>
+        </p:spPr>
+        <p:txBody>
+          <a:bodyPr wrap="square" rtlCol="0">
+            <a:spAutoFit/>
+          </a:bodyPr>
+          <a:lstStyle/>
+          <a:p>
+            <a:r>
+              <a:rPr lang="en-US" smtClean="0"/>
+              <a:t>Xây dựng website</a:t>
+            </a:r>
+            <a:endParaRPr lang="en-US"/>
+          </a:p>
+        </p:txBody>
+      </p:sp>
+      <p:pic>
+        <p:nvPicPr>
+          <p:cNvPr id="3" name="Picture 2"/>
+          <p:cNvPicPr>
+            <a:picLocks noChangeAspect="1"/>
+          </p:cNvPicPr>
+          <p:nvPr/>
+        </p:nvPicPr>
+        <p:blipFill>
+          <a:blip r:embed="rId3"/>
+          <a:stretch>
+            <a:fillRect/>
+          </a:stretch>
+        </p:blipFill>
+        <p:spPr>
+          <a:xfrm>
+            <a:off x="2824929" y="796788"/>
+            <a:ext cx="6006205" cy="3722596"/>
+          </a:xfrm>
+          <a:prstGeom prst="rect">
+            <a:avLst/>
+          </a:prstGeom>
+        </p:spPr>
+      </p:pic>
+    </p:spTree>
+    <p:extLst>
+      <p:ext uri="{BB962C8B-B14F-4D97-AF65-F5344CB8AC3E}">
+        <p14:creationId xmlns:p14="http://schemas.microsoft.com/office/powerpoint/2010/main" val="2637342104"/>
+      </p:ext>
+    </p:extLst>
+  </p:cSld>
+  <p:clrMapOvr>
+    <a:masterClrMapping/>
+  </p:clrMapOvr>
+  <p:transition spd="slow">
+    <p:push dir="u"/>
+  </p:transition>
+  <p:timing>
+    <p:tnLst>
+      <p:par>
+        <p:cTn id="1" dur="indefinite" restart="never" nodeType="tmRoot"/>
+      </p:par>
+    </p:tnLst>
+  </p:timing>
+</p:sld>
+</file>
+
+<file path=ppt/slides/slide2.xml><?xml version="1.0" encoding="utf-8"?>
+<p:sld xmlns:a="http://schemas.openxmlformats.org/drawingml/2006/main" xmlns:r="http://schemas.openxmlformats.org/officeDocument/2006/relationships" xmlns:p="http://schemas.openxmlformats.org/presentationml/2006/main">
+  <p:cSld>
+    <p:spTree>
+      <p:nvGrpSpPr>
+        <p:cNvPr id="1" name=""/>
+        <p:cNvGrpSpPr/>
+        <p:nvPr/>
+      </p:nvGrpSpPr>
+      <p:grpSpPr>
+        <a:xfrm>
+          <a:off x="0" y="0"/>
+          <a:ext cx="0" cy="0"/>
+          <a:chOff x="0" y="0"/>
+          <a:chExt cx="0" cy="0"/>
+        </a:xfrm>
+      </p:grpSpPr>
+      <p:sp>
+        <p:nvSpPr>
+          <p:cNvPr id="2" name="Title 1"/>
+          <p:cNvSpPr>
+            <a:spLocks noGrp="1"/>
+          </p:cNvSpPr>
+          <p:nvPr>
+            <p:ph type="title"/>
+          </p:nvPr>
+        </p:nvSpPr>
+        <p:spPr>
+          <a:xfrm>
+            <a:off x="231252" y="727363"/>
+            <a:ext cx="2221002" cy="3420929"/>
+          </a:xfrm>
+        </p:spPr>
+        <p:txBody>
+          <a:bodyPr/>
+          <a:lstStyle/>
+          <a:p>
+            <a:r>
+              <a:rPr lang="en-US" sz="2800">
+                <a:solidFill>
+                  <a:schemeClr val="bg1"/>
+                </a:solidFill>
+                <a:latin typeface="Times New Roman" panose="02020603050405020304" pitchFamily="18" charset="0"/>
+                <a:cs typeface="Times New Roman" panose="02020603050405020304" pitchFamily="18" charset="0"/>
+              </a:rPr>
+              <a:t>Sinh Viên Thực Hiện</a:t>
+            </a:r>
+            <a:r>
+              <a:rPr lang="en-US" sz="2800">
+                <a:solidFill>
+                  <a:schemeClr val="tx1"/>
+                </a:solidFill>
+                <a:latin typeface="Times New Roman" panose="02020603050405020304" pitchFamily="18" charset="0"/>
+                <a:cs typeface="Times New Roman" panose="02020603050405020304" pitchFamily="18" charset="0"/>
+              </a:rPr>
+              <a:t/>
+            </a:r>
+            <a:br>
+              <a:rPr lang="en-US" sz="2800">
+                <a:solidFill>
+                  <a:schemeClr val="tx1"/>
+                </a:solidFill>
+                <a:latin typeface="Times New Roman" panose="02020603050405020304" pitchFamily="18" charset="0"/>
+                <a:cs typeface="Times New Roman" panose="02020603050405020304" pitchFamily="18" charset="0"/>
+              </a:rPr>
+            </a:br>
+            <a:endParaRPr lang="en-US"/>
+          </a:p>
+        </p:txBody>
+      </p:sp>
+      <p:sp>
+        <p:nvSpPr>
+          <p:cNvPr id="3" name="Content Placeholder 2"/>
+          <p:cNvSpPr>
+            <a:spLocks noGrp="1"/>
+          </p:cNvSpPr>
+          <p:nvPr>
+            <p:ph idx="1"/>
+          </p:nvPr>
+        </p:nvSpPr>
+        <p:spPr>
+          <a:xfrm>
+            <a:off x="2839605" y="596127"/>
+            <a:ext cx="5486400" cy="3840480"/>
+          </a:xfrm>
+        </p:spPr>
+        <p:txBody>
+          <a:bodyPr/>
+          <a:lstStyle/>
+          <a:p>
+            <a:pPr marL="914400" lvl="2" indent="0">
+              <a:buFont typeface="Cabin"/>
+              <a:buNone/>
+            </a:pPr>
+            <a:r>
+              <a:rPr lang="en-US" sz="2000">
+                <a:solidFill>
+                  <a:schemeClr val="tx1"/>
+                </a:solidFill>
+                <a:latin typeface="Times New Roman" panose="02020603050405020304" pitchFamily="18" charset="0"/>
+                <a:cs typeface="Times New Roman" panose="02020603050405020304" pitchFamily="18" charset="0"/>
+              </a:rPr>
+              <a:t>Họ và tên: Hoàng kim Tuyến</a:t>
+            </a:r>
+          </a:p>
+          <a:p>
+            <a:pPr marL="914400" lvl="2" indent="0">
+              <a:buFont typeface="Cabin"/>
+              <a:buNone/>
+            </a:pPr>
+            <a:r>
+              <a:rPr lang="en-US" sz="2000">
+                <a:solidFill>
+                  <a:schemeClr val="tx1"/>
+                </a:solidFill>
+                <a:latin typeface="Times New Roman" panose="02020603050405020304" pitchFamily="18" charset="0"/>
+                <a:cs typeface="Times New Roman" panose="02020603050405020304" pitchFamily="18" charset="0"/>
+              </a:rPr>
+              <a:t>Mssv:        182480104043</a:t>
+            </a:r>
+          </a:p>
+          <a:p>
+            <a:pPr marL="914400" lvl="2" indent="0">
+              <a:buFont typeface="Cabin"/>
+              <a:buNone/>
+            </a:pPr>
+            <a:r>
+              <a:rPr lang="en-US" sz="2000">
+                <a:solidFill>
+                  <a:schemeClr val="tx1"/>
+                </a:solidFill>
+                <a:latin typeface="Times New Roman" panose="02020603050405020304" pitchFamily="18" charset="0"/>
+                <a:cs typeface="Times New Roman" panose="02020603050405020304" pitchFamily="18" charset="0"/>
+              </a:rPr>
+              <a:t>Lớp:          </a:t>
+            </a:r>
+            <a:r>
+              <a:rPr lang="en-US" sz="2000" smtClean="0">
+                <a:solidFill>
+                  <a:schemeClr val="tx1"/>
+                </a:solidFill>
+                <a:latin typeface="Times New Roman" panose="02020603050405020304" pitchFamily="18" charset="0"/>
+                <a:cs typeface="Times New Roman" panose="02020603050405020304" pitchFamily="18" charset="0"/>
+              </a:rPr>
+              <a:t>D18HT01</a:t>
+            </a:r>
+          </a:p>
+          <a:p>
+            <a:pPr marL="914400" lvl="2" indent="0">
+              <a:buFont typeface="Cabin"/>
+              <a:buNone/>
+            </a:pPr>
+            <a:endParaRPr lang="en-US" sz="2000" smtClean="0">
+              <a:solidFill>
+                <a:schemeClr val="tx1"/>
+              </a:solidFill>
+              <a:latin typeface="Times New Roman" panose="02020603050405020304" pitchFamily="18" charset="0"/>
+              <a:cs typeface="Times New Roman" panose="02020603050405020304" pitchFamily="18" charset="0"/>
+            </a:endParaRPr>
+          </a:p>
+          <a:p>
+            <a:pPr marL="914400" lvl="2" indent="0">
+              <a:buFont typeface="Cabin"/>
+              <a:buNone/>
+            </a:pPr>
+            <a:r>
+              <a:rPr lang="en-US" sz="2000">
+                <a:solidFill>
+                  <a:schemeClr val="tx1"/>
+                </a:solidFill>
+                <a:latin typeface="Times New Roman" panose="02020603050405020304" pitchFamily="18" charset="0"/>
+                <a:cs typeface="Times New Roman" panose="02020603050405020304" pitchFamily="18" charset="0"/>
+              </a:rPr>
+              <a:t>Họ và tên: Trần Quốc Dũng</a:t>
+            </a:r>
+          </a:p>
+          <a:p>
+            <a:pPr marL="914400" lvl="2" indent="0">
+              <a:buFont typeface="Cabin"/>
+              <a:buNone/>
+            </a:pPr>
+            <a:r>
+              <a:rPr lang="en-US" sz="2000">
+                <a:solidFill>
+                  <a:schemeClr val="tx1"/>
+                </a:solidFill>
+                <a:latin typeface="Times New Roman" panose="02020603050405020304" pitchFamily="18" charset="0"/>
+                <a:cs typeface="Times New Roman" panose="02020603050405020304" pitchFamily="18" charset="0"/>
+              </a:rPr>
+              <a:t>Mssv:        182480104013</a:t>
+            </a:r>
+          </a:p>
+          <a:p>
+            <a:pPr marL="914400" lvl="2" indent="0">
+              <a:buFont typeface="Cabin"/>
+              <a:buNone/>
+            </a:pPr>
+            <a:r>
+              <a:rPr lang="en-US" sz="2000">
+                <a:solidFill>
+                  <a:schemeClr val="tx1"/>
+                </a:solidFill>
+                <a:latin typeface="Times New Roman" panose="02020603050405020304" pitchFamily="18" charset="0"/>
+                <a:cs typeface="Times New Roman" panose="02020603050405020304" pitchFamily="18" charset="0"/>
+              </a:rPr>
+              <a:t>Lớp:           D18HT01</a:t>
+            </a:r>
+          </a:p>
+          <a:p>
+            <a:pPr marL="914400" lvl="2" indent="0">
+              <a:buFont typeface="Cabin"/>
+              <a:buNone/>
+            </a:pPr>
+            <a:endParaRPr lang="en-US" sz="2000">
+              <a:solidFill>
+                <a:schemeClr val="tx1"/>
+              </a:solidFill>
+              <a:latin typeface="Times New Roman" panose="02020603050405020304" pitchFamily="18" charset="0"/>
+              <a:cs typeface="Times New Roman" panose="02020603050405020304" pitchFamily="18" charset="0"/>
+            </a:endParaRPr>
+          </a:p>
+          <a:p>
+            <a:endParaRPr lang="en-US"/>
+          </a:p>
+        </p:txBody>
+      </p:sp>
+      <p:sp>
+        <p:nvSpPr>
+          <p:cNvPr id="4" name="Slide Number Placeholder 3"/>
+          <p:cNvSpPr>
+            <a:spLocks noGrp="1"/>
+          </p:cNvSpPr>
+          <p:nvPr>
+            <p:ph type="sldNum" sz="quarter" idx="12"/>
+          </p:nvPr>
+        </p:nvSpPr>
+        <p:spPr/>
+        <p:txBody>
+          <a:bodyPr/>
+          <a:lstStyle/>
+          <a:p>
+            <a:pPr marL="0" lvl="0" indent="0" algn="r" rtl="0">
+              <a:spcBef>
+                <a:spcPts val="0"/>
+              </a:spcBef>
+              <a:spcAft>
+                <a:spcPts val="0"/>
+              </a:spcAft>
+              <a:buNone/>
+            </a:pPr>
+            <a:fld id="{00000000-1234-1234-1234-123412341234}" type="slidenum">
+              <a:rPr lang="en" smtClean="0"/>
+              <a:t>2</a:t>
+            </a:fld>
+            <a:endParaRPr lang="en"/>
+          </a:p>
+        </p:txBody>
+      </p:sp>
+    </p:spTree>
+    <p:extLst>
+      <p:ext uri="{BB962C8B-B14F-4D97-AF65-F5344CB8AC3E}">
+        <p14:creationId xmlns:p14="http://schemas.microsoft.com/office/powerpoint/2010/main" val="2576871498"/>
+      </p:ext>
+    </p:extLst>
+  </p:cSld>
+  <p:clrMapOvr>
+    <a:masterClrMapping/>
+  </p:clrMapOvr>
+  <p:timing>
+    <p:tnLst>
+      <p:par>
+        <p:cTn id="1" dur="indefinite" restart="never" nodeType="tmRoot"/>
+      </p:par>
+    </p:tnLst>
+  </p:timing>
+</p:sld>
+</file>
+
+<file path=ppt/slides/slide20.xml><?xml version="1.0" encoding="utf-8"?>
+<p:sld xmlns:a="http://schemas.openxmlformats.org/drawingml/2006/main" xmlns:r="http://schemas.openxmlformats.org/officeDocument/2006/relationships" xmlns:p="http://schemas.openxmlformats.org/presentationml/2006/main">
+  <p:cSld>
+    <p:spTree>
+      <p:nvGrpSpPr>
+        <p:cNvPr id="1" name="Shape 62"/>
+        <p:cNvGrpSpPr/>
+        <p:nvPr/>
+      </p:nvGrpSpPr>
+      <p:grpSpPr>
+        <a:xfrm>
+          <a:off x="0" y="0"/>
+          <a:ext cx="0" cy="0"/>
+          <a:chOff x="0" y="0"/>
+          <a:chExt cx="0" cy="0"/>
+        </a:xfrm>
+      </p:grpSpPr>
+      <p:sp>
+        <p:nvSpPr>
+          <p:cNvPr id="63" name="Google Shape;63;p14"/>
+          <p:cNvSpPr txBox="1">
+            <a:spLocks noGrp="1"/>
+          </p:cNvSpPr>
+          <p:nvPr>
+            <p:ph type="title"/>
+          </p:nvPr>
+        </p:nvSpPr>
+        <p:spPr>
+          <a:xfrm>
+            <a:off x="217516" y="574531"/>
+            <a:ext cx="1700700" cy="2200199"/>
+          </a:xfrm>
+          <a:prstGeom prst="rect">
+            <a:avLst/>
+          </a:prstGeom>
+        </p:spPr>
+        <p:txBody>
+          <a:bodyPr spcFirstLastPara="1" wrap="square" lIns="91425" tIns="91425" rIns="91425" bIns="91425" anchor="t" anchorCtr="0">
+            <a:noAutofit/>
+          </a:bodyPr>
+          <a:lstStyle/>
+          <a:p>
+            <a:pPr marL="0" lvl="0" indent="0" algn="ctr" rtl="0">
+              <a:spcBef>
+                <a:spcPts val="0"/>
+              </a:spcBef>
+              <a:spcAft>
+                <a:spcPts val="0"/>
+              </a:spcAft>
+              <a:buNone/>
+            </a:pPr>
+            <a:r>
+              <a:rPr lang="en" sz="3000" dirty="0">
+                <a:latin typeface="Times New Roman" panose="02020603050405020304" pitchFamily="18" charset="0"/>
+                <a:cs typeface="Times New Roman" panose="02020603050405020304" pitchFamily="18" charset="0"/>
+              </a:rPr>
+              <a:t>4</a:t>
+            </a:r>
+            <a:r>
+              <a:rPr lang="en" sz="3000" smtClean="0">
+                <a:latin typeface="Times New Roman" panose="02020603050405020304" pitchFamily="18" charset="0"/>
+                <a:cs typeface="Times New Roman" panose="02020603050405020304" pitchFamily="18" charset="0"/>
+              </a:rPr>
+              <a:t>. Thực nghiệm</a:t>
+            </a:r>
+            <a:endParaRPr sz="3000" dirty="0">
+              <a:latin typeface="Times New Roman" panose="02020603050405020304" pitchFamily="18" charset="0"/>
+              <a:cs typeface="Times New Roman" panose="02020603050405020304" pitchFamily="18" charset="0"/>
+            </a:endParaRPr>
+          </a:p>
+        </p:txBody>
+      </p:sp>
+      <p:sp>
+        <p:nvSpPr>
+          <p:cNvPr id="73" name="Google Shape;73;p14"/>
+          <p:cNvSpPr txBox="1">
+            <a:spLocks noGrp="1"/>
+          </p:cNvSpPr>
+          <p:nvPr>
+            <p:ph type="sldNum" idx="12"/>
+          </p:nvPr>
+        </p:nvSpPr>
+        <p:spPr>
+          <a:prstGeom prst="rect">
+            <a:avLst/>
+          </a:prstGeom>
+        </p:spPr>
+        <p:txBody>
+          <a:bodyPr spcFirstLastPara="1" wrap="square" lIns="91425" tIns="91425" rIns="91425" bIns="91425" anchor="t" anchorCtr="0">
+            <a:noAutofit/>
+          </a:bodyPr>
+          <a:lstStyle/>
+          <a:p>
+            <a:pPr marL="0" lvl="0" indent="0" algn="r" rtl="0">
+              <a:spcBef>
+                <a:spcPts val="0"/>
+              </a:spcBef>
+              <a:spcAft>
+                <a:spcPts val="0"/>
+              </a:spcAft>
+              <a:buNone/>
+            </a:pPr>
+            <a:fld id="{00000000-1234-1234-1234-123412341234}" type="slidenum">
+              <a:rPr lang="en"/>
+              <a:t>20</a:t>
+            </a:fld>
+            <a:endParaRPr/>
+          </a:p>
+        </p:txBody>
+      </p:sp>
+      <p:sp>
+        <p:nvSpPr>
+          <p:cNvPr id="2" name="TextBox 1"/>
+          <p:cNvSpPr txBox="1"/>
+          <p:nvPr/>
+        </p:nvSpPr>
+        <p:spPr>
+          <a:xfrm>
+            <a:off x="3002973" y="296346"/>
+            <a:ext cx="3377045" cy="369332"/>
+          </a:xfrm>
+          <a:prstGeom prst="rect">
+            <a:avLst/>
+          </a:prstGeom>
+          <a:noFill/>
+        </p:spPr>
+        <p:txBody>
+          <a:bodyPr wrap="square" rtlCol="0">
+            <a:spAutoFit/>
+          </a:bodyPr>
+          <a:lstStyle/>
+          <a:p>
+            <a:r>
+              <a:rPr lang="en-US" smtClean="0"/>
+              <a:t>Xây dựng website</a:t>
+            </a:r>
+            <a:endParaRPr lang="en-US"/>
+          </a:p>
+        </p:txBody>
+      </p:sp>
+      <p:pic>
+        <p:nvPicPr>
+          <p:cNvPr id="4" name="Picture 3"/>
+          <p:cNvPicPr>
+            <a:picLocks noChangeAspect="1"/>
+          </p:cNvPicPr>
+          <p:nvPr/>
+        </p:nvPicPr>
+        <p:blipFill>
+          <a:blip r:embed="rId3"/>
+          <a:stretch>
+            <a:fillRect/>
+          </a:stretch>
+        </p:blipFill>
+        <p:spPr>
+          <a:xfrm>
+            <a:off x="2652323" y="836510"/>
+            <a:ext cx="6076041" cy="3715286"/>
+          </a:xfrm>
+          <a:prstGeom prst="rect">
+            <a:avLst/>
+          </a:prstGeom>
+        </p:spPr>
+      </p:pic>
+    </p:spTree>
+    <p:extLst>
+      <p:ext uri="{BB962C8B-B14F-4D97-AF65-F5344CB8AC3E}">
+        <p14:creationId xmlns:p14="http://schemas.microsoft.com/office/powerpoint/2010/main" val="3357538157"/>
+      </p:ext>
+    </p:extLst>
+  </p:cSld>
+  <p:clrMapOvr>
+    <a:masterClrMapping/>
+  </p:clrMapOvr>
+  <p:transition spd="slow">
+    <p:push dir="u"/>
+  </p:transition>
+  <p:timing>
+    <p:tnLst>
+      <p:par>
+        <p:cTn id="1" dur="indefinite" restart="never" nodeType="tmRoot"/>
+      </p:par>
+    </p:tnLst>
+  </p:timing>
+</p:sld>
+</file>
+
+<file path=ppt/slides/slide21.xml><?xml version="1.0" encoding="utf-8"?>
+<p:sld xmlns:a="http://schemas.openxmlformats.org/drawingml/2006/main" xmlns:r="http://schemas.openxmlformats.org/officeDocument/2006/relationships" xmlns:p="http://schemas.openxmlformats.org/presentationml/2006/main">
+  <p:cSld>
+    <p:spTree>
+      <p:nvGrpSpPr>
+        <p:cNvPr id="1" name="Shape 62"/>
+        <p:cNvGrpSpPr/>
+        <p:nvPr/>
+      </p:nvGrpSpPr>
+      <p:grpSpPr>
+        <a:xfrm>
+          <a:off x="0" y="0"/>
+          <a:ext cx="0" cy="0"/>
+          <a:chOff x="0" y="0"/>
+          <a:chExt cx="0" cy="0"/>
+        </a:xfrm>
+      </p:grpSpPr>
+      <p:sp>
+        <p:nvSpPr>
+          <p:cNvPr id="63" name="Google Shape;63;p14"/>
+          <p:cNvSpPr txBox="1">
+            <a:spLocks noGrp="1"/>
+          </p:cNvSpPr>
+          <p:nvPr>
+            <p:ph type="title"/>
+          </p:nvPr>
+        </p:nvSpPr>
+        <p:spPr>
+          <a:xfrm>
+            <a:off x="217516" y="574531"/>
+            <a:ext cx="1700700" cy="2200199"/>
+          </a:xfrm>
+          <a:prstGeom prst="rect">
+            <a:avLst/>
+          </a:prstGeom>
+        </p:spPr>
+        <p:txBody>
+          <a:bodyPr spcFirstLastPara="1" wrap="square" lIns="91425" tIns="91425" rIns="91425" bIns="91425" anchor="t" anchorCtr="0">
+            <a:noAutofit/>
+          </a:bodyPr>
+          <a:lstStyle/>
+          <a:p>
+            <a:pPr marL="0" lvl="0" indent="0" algn="ctr" rtl="0">
+              <a:spcBef>
+                <a:spcPts val="0"/>
+              </a:spcBef>
+              <a:spcAft>
+                <a:spcPts val="0"/>
+              </a:spcAft>
+              <a:buNone/>
+            </a:pPr>
+            <a:r>
+              <a:rPr lang="en" sz="3000" dirty="0">
+                <a:latin typeface="Times New Roman" panose="02020603050405020304" pitchFamily="18" charset="0"/>
+                <a:cs typeface="Times New Roman" panose="02020603050405020304" pitchFamily="18" charset="0"/>
+              </a:rPr>
+              <a:t>4</a:t>
+            </a:r>
+            <a:r>
+              <a:rPr lang="en" sz="3000" smtClean="0">
+                <a:latin typeface="Times New Roman" panose="02020603050405020304" pitchFamily="18" charset="0"/>
+                <a:cs typeface="Times New Roman" panose="02020603050405020304" pitchFamily="18" charset="0"/>
+              </a:rPr>
+              <a:t>. Thực nghiệm</a:t>
+            </a:r>
+            <a:endParaRPr sz="3000" dirty="0">
+              <a:latin typeface="Times New Roman" panose="02020603050405020304" pitchFamily="18" charset="0"/>
+              <a:cs typeface="Times New Roman" panose="02020603050405020304" pitchFamily="18" charset="0"/>
+            </a:endParaRPr>
+          </a:p>
+        </p:txBody>
+      </p:sp>
+      <p:sp>
+        <p:nvSpPr>
+          <p:cNvPr id="73" name="Google Shape;73;p14"/>
+          <p:cNvSpPr txBox="1">
+            <a:spLocks noGrp="1"/>
+          </p:cNvSpPr>
+          <p:nvPr>
+            <p:ph type="sldNum" idx="12"/>
+          </p:nvPr>
+        </p:nvSpPr>
+        <p:spPr>
+          <a:prstGeom prst="rect">
+            <a:avLst/>
+          </a:prstGeom>
+        </p:spPr>
+        <p:txBody>
+          <a:bodyPr spcFirstLastPara="1" wrap="square" lIns="91425" tIns="91425" rIns="91425" bIns="91425" anchor="t" anchorCtr="0">
+            <a:noAutofit/>
+          </a:bodyPr>
+          <a:lstStyle/>
+          <a:p>
+            <a:pPr marL="0" lvl="0" indent="0" algn="r" rtl="0">
+              <a:spcBef>
+                <a:spcPts val="0"/>
+              </a:spcBef>
+              <a:spcAft>
+                <a:spcPts val="0"/>
+              </a:spcAft>
+              <a:buNone/>
+            </a:pPr>
+            <a:fld id="{00000000-1234-1234-1234-123412341234}" type="slidenum">
+              <a:rPr lang="en"/>
+              <a:t>21</a:t>
+            </a:fld>
+            <a:endParaRPr/>
+          </a:p>
+        </p:txBody>
+      </p:sp>
+      <p:sp>
+        <p:nvSpPr>
+          <p:cNvPr id="2" name="TextBox 1"/>
+          <p:cNvSpPr txBox="1"/>
+          <p:nvPr/>
+        </p:nvSpPr>
+        <p:spPr>
+          <a:xfrm>
+            <a:off x="3002973" y="296346"/>
+            <a:ext cx="3377045" cy="369332"/>
+          </a:xfrm>
+          <a:prstGeom prst="rect">
+            <a:avLst/>
+          </a:prstGeom>
+          <a:noFill/>
+        </p:spPr>
+        <p:txBody>
+          <a:bodyPr wrap="square" rtlCol="0">
+            <a:spAutoFit/>
+          </a:bodyPr>
+          <a:lstStyle/>
+          <a:p>
+            <a:r>
+              <a:rPr lang="en-US" smtClean="0"/>
+              <a:t>Xây dựng website</a:t>
+            </a:r>
+            <a:endParaRPr lang="en-US"/>
+          </a:p>
+        </p:txBody>
+      </p:sp>
+      <p:pic>
+        <p:nvPicPr>
+          <p:cNvPr id="3" name="Picture 2"/>
+          <p:cNvPicPr>
+            <a:picLocks noChangeAspect="1"/>
+          </p:cNvPicPr>
+          <p:nvPr/>
+        </p:nvPicPr>
+        <p:blipFill>
+          <a:blip r:embed="rId3"/>
+          <a:stretch>
+            <a:fillRect/>
+          </a:stretch>
+        </p:blipFill>
+        <p:spPr>
+          <a:xfrm>
+            <a:off x="2773629" y="789709"/>
+            <a:ext cx="6057505" cy="3752324"/>
+          </a:xfrm>
+          <a:prstGeom prst="rect">
+            <a:avLst/>
+          </a:prstGeom>
+        </p:spPr>
+      </p:pic>
+    </p:spTree>
+    <p:extLst>
+      <p:ext uri="{BB962C8B-B14F-4D97-AF65-F5344CB8AC3E}">
+        <p14:creationId xmlns:p14="http://schemas.microsoft.com/office/powerpoint/2010/main" val="3307101164"/>
+      </p:ext>
+    </p:extLst>
+  </p:cSld>
+  <p:clrMapOvr>
+    <a:masterClrMapping/>
+  </p:clrMapOvr>
+  <p:transition spd="slow">
+    <p:push dir="u"/>
+  </p:transition>
+  <p:timing>
+    <p:tnLst>
+      <p:par>
+        <p:cTn id="1" dur="indefinite" restart="never" nodeType="tmRoot"/>
+      </p:par>
+    </p:tnLst>
+  </p:timing>
+</p:sld>
+</file>
+
+<file path=ppt/slides/slide22.xml><?xml version="1.0" encoding="utf-8"?>
+<p:sld xmlns:a="http://schemas.openxmlformats.org/drawingml/2006/main" xmlns:r="http://schemas.openxmlformats.org/officeDocument/2006/relationships" xmlns:p="http://schemas.openxmlformats.org/presentationml/2006/main">
+  <p:cSld>
+    <p:spTree>
+      <p:nvGrpSpPr>
+        <p:cNvPr id="1" name="Shape 62"/>
+        <p:cNvGrpSpPr/>
+        <p:nvPr/>
+      </p:nvGrpSpPr>
+      <p:grpSpPr>
+        <a:xfrm>
+          <a:off x="0" y="0"/>
+          <a:ext cx="0" cy="0"/>
+          <a:chOff x="0" y="0"/>
+          <a:chExt cx="0" cy="0"/>
+        </a:xfrm>
+      </p:grpSpPr>
+      <p:sp>
+        <p:nvSpPr>
+          <p:cNvPr id="63" name="Google Shape;63;p14"/>
+          <p:cNvSpPr txBox="1">
+            <a:spLocks noGrp="1"/>
+          </p:cNvSpPr>
+          <p:nvPr>
+            <p:ph type="title"/>
+          </p:nvPr>
+        </p:nvSpPr>
+        <p:spPr>
+          <a:xfrm>
+            <a:off x="217516" y="574531"/>
+            <a:ext cx="1700700" cy="2200199"/>
+          </a:xfrm>
+          <a:prstGeom prst="rect">
+            <a:avLst/>
+          </a:prstGeom>
+        </p:spPr>
+        <p:txBody>
+          <a:bodyPr spcFirstLastPara="1" wrap="square" lIns="91425" tIns="91425" rIns="91425" bIns="91425" anchor="t" anchorCtr="0">
+            <a:noAutofit/>
+          </a:bodyPr>
+          <a:lstStyle/>
+          <a:p>
+            <a:pPr marL="0" lvl="0" indent="0" algn="ctr" rtl="0">
+              <a:spcBef>
+                <a:spcPts val="0"/>
+              </a:spcBef>
+              <a:spcAft>
+                <a:spcPts val="0"/>
+              </a:spcAft>
+              <a:buNone/>
+            </a:pPr>
+            <a:r>
+              <a:rPr lang="en" sz="3000" smtClean="0">
+                <a:latin typeface="Times New Roman" panose="02020603050405020304" pitchFamily="18" charset="0"/>
+                <a:cs typeface="Times New Roman" panose="02020603050405020304" pitchFamily="18" charset="0"/>
+              </a:rPr>
+              <a:t>5. </a:t>
+            </a:r>
+            <a:r>
+              <a:rPr lang="en" sz="3000" smtClean="0">
+                <a:latin typeface="Times New Roman" panose="02020603050405020304" pitchFamily="18" charset="0"/>
+                <a:cs typeface="Times New Roman" panose="02020603050405020304" pitchFamily="18" charset="0"/>
+              </a:rPr>
+              <a:t>Kết luận</a:t>
+            </a:r>
+            <a:endParaRPr sz="3000" dirty="0">
+              <a:latin typeface="Times New Roman" panose="02020603050405020304" pitchFamily="18" charset="0"/>
+              <a:cs typeface="Times New Roman" panose="02020603050405020304" pitchFamily="18" charset="0"/>
+            </a:endParaRPr>
+          </a:p>
+        </p:txBody>
+      </p:sp>
+      <p:sp>
+        <p:nvSpPr>
+          <p:cNvPr id="73" name="Google Shape;73;p14"/>
+          <p:cNvSpPr txBox="1">
+            <a:spLocks noGrp="1"/>
+          </p:cNvSpPr>
+          <p:nvPr>
+            <p:ph type="sldNum" idx="12"/>
+          </p:nvPr>
+        </p:nvSpPr>
+        <p:spPr>
+          <a:prstGeom prst="rect">
+            <a:avLst/>
+          </a:prstGeom>
+        </p:spPr>
+        <p:txBody>
+          <a:bodyPr spcFirstLastPara="1" wrap="square" lIns="91425" tIns="91425" rIns="91425" bIns="91425" anchor="t" anchorCtr="0">
+            <a:noAutofit/>
+          </a:bodyPr>
+          <a:lstStyle/>
+          <a:p>
+            <a:pPr marL="0" lvl="0" indent="0" algn="r" rtl="0">
+              <a:spcBef>
+                <a:spcPts val="0"/>
+              </a:spcBef>
+              <a:spcAft>
+                <a:spcPts val="0"/>
+              </a:spcAft>
+              <a:buNone/>
+            </a:pPr>
+            <a:fld id="{00000000-1234-1234-1234-123412341234}" type="slidenum">
+              <a:rPr lang="en"/>
+              <a:t>22</a:t>
             </a:fld>
             <a:endParaRPr/>
           </a:p>
@@ -13835,11 +19181,7 @@
             </a:r>
             <a:r>
               <a:rPr lang="vi-VN" sz="1400"/>
-              <a:t>một quá trình xây dựng phần back-end và front-end cho ứng dụng, cơ bản đã xây dựng được 1 sản phẩm demo về hệ tư vấn sử dụng phương pháp lọc cộng tác, biểu diễn một cách trực quan trên website</a:t>
-            </a:r>
-            <a:r>
-              <a:rPr lang="vi-VN" sz="1400"/>
-              <a:t>. </a:t>
+              <a:t>một quá trình xây dựng phần back-end và front-end cho ứng dụng, cơ bản đã xây dựng được 1 sản phẩm demo về hệ tư vấn sử dụng phương pháp lọc cộng tác, biểu diễn một cách trực quan trên website. </a:t>
             </a:r>
             <a:endParaRPr lang="en-US" sz="1400" smtClean="0"/>
           </a:p>
@@ -13885,7 +19227,148 @@
 </p:sld>
 </file>
 
-<file path=ppt/slides/slide19.xml><?xml version="1.0" encoding="utf-8"?>
+<file path=ppt/slides/slide23.xml><?xml version="1.0" encoding="utf-8"?>
+<p:sld xmlns:a="http://schemas.openxmlformats.org/drawingml/2006/main" xmlns:r="http://schemas.openxmlformats.org/officeDocument/2006/relationships" xmlns:p="http://schemas.openxmlformats.org/presentationml/2006/main">
+  <p:cSld>
+    <p:bg>
+      <p:bgPr>
+        <a:solidFill>
+          <a:schemeClr val="bg1"/>
+        </a:solidFill>
+        <a:effectLst/>
+      </p:bgPr>
+    </p:bg>
+    <p:spTree>
+      <p:nvGrpSpPr>
+        <p:cNvPr id="1" name="Shape 62"/>
+        <p:cNvGrpSpPr/>
+        <p:nvPr/>
+      </p:nvGrpSpPr>
+      <p:grpSpPr>
+        <a:xfrm>
+          <a:off x="0" y="0"/>
+          <a:ext cx="0" cy="0"/>
+          <a:chOff x="0" y="0"/>
+          <a:chExt cx="0" cy="0"/>
+        </a:xfrm>
+      </p:grpSpPr>
+      <p:sp>
+        <p:nvSpPr>
+          <p:cNvPr id="63" name="Google Shape;63;p14"/>
+          <p:cNvSpPr txBox="1">
+            <a:spLocks noGrp="1"/>
+          </p:cNvSpPr>
+          <p:nvPr>
+            <p:ph type="title"/>
+          </p:nvPr>
+        </p:nvSpPr>
+        <p:spPr>
+          <a:xfrm>
+            <a:off x="217516" y="574531"/>
+            <a:ext cx="1700700" cy="2200199"/>
+          </a:xfrm>
+          <a:prstGeom prst="rect">
+            <a:avLst/>
+          </a:prstGeom>
+        </p:spPr>
+        <p:txBody>
+          <a:bodyPr spcFirstLastPara="1" wrap="square" lIns="91425" tIns="91425" rIns="91425" bIns="91425" anchor="t" anchorCtr="0">
+            <a:noAutofit/>
+          </a:bodyPr>
+          <a:lstStyle/>
+          <a:p>
+            <a:pPr marL="0" lvl="0" indent="0" algn="ctr" rtl="0">
+              <a:spcBef>
+                <a:spcPts val="0"/>
+              </a:spcBef>
+              <a:spcAft>
+                <a:spcPts val="0"/>
+              </a:spcAft>
+              <a:buNone/>
+            </a:pPr>
+            <a:r>
+              <a:rPr lang="en" sz="3000" smtClean="0">
+                <a:latin typeface="Times New Roman" panose="02020603050405020304" pitchFamily="18" charset="0"/>
+                <a:cs typeface="Times New Roman" panose="02020603050405020304" pitchFamily="18" charset="0"/>
+              </a:rPr>
+              <a:t>6. </a:t>
+            </a:r>
+            <a:r>
+              <a:rPr lang="en" sz="3000" smtClean="0">
+                <a:latin typeface="Times New Roman" panose="02020603050405020304" pitchFamily="18" charset="0"/>
+                <a:cs typeface="Times New Roman" panose="02020603050405020304" pitchFamily="18" charset="0"/>
+              </a:rPr>
+              <a:t>Demo</a:t>
+            </a:r>
+            <a:endParaRPr sz="3000" dirty="0">
+              <a:latin typeface="Times New Roman" panose="02020603050405020304" pitchFamily="18" charset="0"/>
+              <a:cs typeface="Times New Roman" panose="02020603050405020304" pitchFamily="18" charset="0"/>
+            </a:endParaRPr>
+          </a:p>
+        </p:txBody>
+      </p:sp>
+      <p:sp>
+        <p:nvSpPr>
+          <p:cNvPr id="73" name="Google Shape;73;p14"/>
+          <p:cNvSpPr txBox="1">
+            <a:spLocks noGrp="1"/>
+          </p:cNvSpPr>
+          <p:nvPr>
+            <p:ph type="sldNum" idx="12"/>
+          </p:nvPr>
+        </p:nvSpPr>
+        <p:spPr>
+          <a:prstGeom prst="rect">
+            <a:avLst/>
+          </a:prstGeom>
+        </p:spPr>
+        <p:txBody>
+          <a:bodyPr spcFirstLastPara="1" wrap="square" lIns="91425" tIns="91425" rIns="91425" bIns="91425" anchor="t" anchorCtr="0">
+            <a:noAutofit/>
+          </a:bodyPr>
+          <a:lstStyle/>
+          <a:p>
+            <a:pPr marL="0" lvl="0" indent="0" algn="r" rtl="0">
+              <a:spcBef>
+                <a:spcPts val="0"/>
+              </a:spcBef>
+              <a:spcAft>
+                <a:spcPts val="0"/>
+              </a:spcAft>
+              <a:buNone/>
+            </a:pPr>
+            <a:fld id="{00000000-1234-1234-1234-123412341234}" type="slidenum">
+              <a:rPr lang="en"/>
+              <a:t>23</a:t>
+            </a:fld>
+            <a:endParaRPr/>
+          </a:p>
+        </p:txBody>
+      </p:sp>
+    </p:spTree>
+    <p:extLst>
+      <p:ext uri="{BB962C8B-B14F-4D97-AF65-F5344CB8AC3E}">
+        <p14:creationId xmlns:p14="http://schemas.microsoft.com/office/powerpoint/2010/main" val="808773343"/>
+      </p:ext>
+    </p:extLst>
+  </p:cSld>
+  <p:clrMapOvr>
+    <a:masterClrMapping/>
+  </p:clrMapOvr>
+  <p:transition spd="slow">
+    <p:push dir="u"/>
+  </p:transition>
+  <p:timing>
+    <p:tnLst>
+      <p:par>
+        <p:cTn id="1" dur="indefinite" restart="never" nodeType="tmRoot"/>
+      </p:par>
+    </p:tnLst>
+  </p:timing>
+</p:sld>
+</file>
+
+<file path=ppt/slides/slide24.xml><?xml version="1.0" encoding="utf-8"?>
 <p:sld xmlns:a="http://schemas.openxmlformats.org/drawingml/2006/main" xmlns:r="http://schemas.openxmlformats.org/officeDocument/2006/relationships" xmlns:p="http://schemas.openxmlformats.org/presentationml/2006/main">
   <p:cSld>
     <p:spTree>
@@ -13972,7 +19455,7 @@
             </a:pPr>
             <a:fld id="{00000000-1234-1234-1234-123412341234}" type="slidenum">
               <a:rPr lang="en" smtClean="0"/>
-              <a:t>19</a:t>
+              <a:t>24</a:t>
             </a:fld>
             <a:endParaRPr lang="en"/>
           </a:p>
@@ -14037,294 +19520,6 @@
 </p:sld>
 </file>
 
-<file path=ppt/slides/slide2.xml><?xml version="1.0" encoding="utf-8"?>
-<p:sld xmlns:a="http://schemas.openxmlformats.org/drawingml/2006/main" xmlns:r="http://schemas.openxmlformats.org/officeDocument/2006/relationships" xmlns:p="http://schemas.openxmlformats.org/presentationml/2006/main">
-  <p:cSld>
-    <p:spTree>
-      <p:nvGrpSpPr>
-        <p:cNvPr id="1" name=""/>
-        <p:cNvGrpSpPr/>
-        <p:nvPr/>
-      </p:nvGrpSpPr>
-      <p:grpSpPr>
-        <a:xfrm>
-          <a:off x="0" y="0"/>
-          <a:ext cx="0" cy="0"/>
-          <a:chOff x="0" y="0"/>
-          <a:chExt cx="0" cy="0"/>
-        </a:xfrm>
-      </p:grpSpPr>
-      <p:sp>
-        <p:nvSpPr>
-          <p:cNvPr id="2" name="Title 1"/>
-          <p:cNvSpPr>
-            <a:spLocks noGrp="1"/>
-          </p:cNvSpPr>
-          <p:nvPr>
-            <p:ph type="title"/>
-          </p:nvPr>
-        </p:nvSpPr>
-        <p:spPr>
-          <a:xfrm>
-            <a:off x="231252" y="727363"/>
-            <a:ext cx="2221002" cy="3420929"/>
-          </a:xfrm>
-        </p:spPr>
-        <p:txBody>
-          <a:bodyPr/>
-          <a:lstStyle/>
-          <a:p>
-            <a:r>
-              <a:rPr lang="en-US" sz="2800">
-                <a:solidFill>
-                  <a:schemeClr val="bg1"/>
-                </a:solidFill>
-                <a:latin typeface="Times New Roman" panose="02020603050405020304" pitchFamily="18" charset="0"/>
-                <a:cs typeface="Times New Roman" panose="02020603050405020304" pitchFamily="18" charset="0"/>
-              </a:rPr>
-              <a:t>Sinh Viên Thực Hiện</a:t>
-            </a:r>
-            <a:r>
-              <a:rPr lang="en-US" sz="2800">
-                <a:solidFill>
-                  <a:schemeClr val="tx1"/>
-                </a:solidFill>
-                <a:latin typeface="Times New Roman" panose="02020603050405020304" pitchFamily="18" charset="0"/>
-                <a:cs typeface="Times New Roman" panose="02020603050405020304" pitchFamily="18" charset="0"/>
-              </a:rPr>
-              <a:t/>
-            </a:r>
-            <a:br>
-              <a:rPr lang="en-US" sz="2800">
-                <a:solidFill>
-                  <a:schemeClr val="tx1"/>
-                </a:solidFill>
-                <a:latin typeface="Times New Roman" panose="02020603050405020304" pitchFamily="18" charset="0"/>
-                <a:cs typeface="Times New Roman" panose="02020603050405020304" pitchFamily="18" charset="0"/>
-              </a:rPr>
-            </a:br>
-            <a:endParaRPr lang="en-US"/>
-          </a:p>
-        </p:txBody>
-      </p:sp>
-      <p:sp>
-        <p:nvSpPr>
-          <p:cNvPr id="3" name="Content Placeholder 2"/>
-          <p:cNvSpPr>
-            <a:spLocks noGrp="1"/>
-          </p:cNvSpPr>
-          <p:nvPr>
-            <p:ph idx="1"/>
-          </p:nvPr>
-        </p:nvSpPr>
-        <p:spPr>
-          <a:xfrm>
-            <a:off x="2839605" y="596127"/>
-            <a:ext cx="5486400" cy="3840480"/>
-          </a:xfrm>
-        </p:spPr>
-        <p:txBody>
-          <a:bodyPr/>
-          <a:lstStyle/>
-          <a:p>
-            <a:pPr marL="914400" lvl="2" indent="0">
-              <a:buFont typeface="Cabin"/>
-              <a:buNone/>
-            </a:pPr>
-            <a:r>
-              <a:rPr lang="en-US" sz="2000">
-                <a:solidFill>
-                  <a:schemeClr val="tx1"/>
-                </a:solidFill>
-                <a:latin typeface="Times New Roman" panose="02020603050405020304" pitchFamily="18" charset="0"/>
-                <a:cs typeface="Times New Roman" panose="02020603050405020304" pitchFamily="18" charset="0"/>
-              </a:rPr>
-              <a:t>Họ và tên: Hoàng kim Tuyến</a:t>
-            </a:r>
-          </a:p>
-          <a:p>
-            <a:pPr marL="914400" lvl="2" indent="0">
-              <a:buFont typeface="Cabin"/>
-              <a:buNone/>
-            </a:pPr>
-            <a:r>
-              <a:rPr lang="en-US" sz="2000">
-                <a:solidFill>
-                  <a:schemeClr val="tx1"/>
-                </a:solidFill>
-                <a:latin typeface="Times New Roman" panose="02020603050405020304" pitchFamily="18" charset="0"/>
-                <a:cs typeface="Times New Roman" panose="02020603050405020304" pitchFamily="18" charset="0"/>
-              </a:rPr>
-              <a:t>Mssv:        182480104043</a:t>
-            </a:r>
-          </a:p>
-          <a:p>
-            <a:pPr marL="914400" lvl="2" indent="0">
-              <a:buFont typeface="Cabin"/>
-              <a:buNone/>
-            </a:pPr>
-            <a:r>
-              <a:rPr lang="en-US" sz="2000">
-                <a:solidFill>
-                  <a:schemeClr val="tx1"/>
-                </a:solidFill>
-                <a:latin typeface="Times New Roman" panose="02020603050405020304" pitchFamily="18" charset="0"/>
-                <a:cs typeface="Times New Roman" panose="02020603050405020304" pitchFamily="18" charset="0"/>
-              </a:rPr>
-              <a:t>Lớp</a:t>
-            </a:r>
-            <a:r>
-              <a:rPr lang="en-US" sz="2000">
-                <a:solidFill>
-                  <a:schemeClr val="tx1"/>
-                </a:solidFill>
-                <a:latin typeface="Times New Roman" panose="02020603050405020304" pitchFamily="18" charset="0"/>
-                <a:cs typeface="Times New Roman" panose="02020603050405020304" pitchFamily="18" charset="0"/>
-              </a:rPr>
-              <a:t>:          </a:t>
-            </a:r>
-            <a:r>
-              <a:rPr lang="en-US" sz="2000" smtClean="0">
-                <a:solidFill>
-                  <a:schemeClr val="tx1"/>
-                </a:solidFill>
-                <a:latin typeface="Times New Roman" panose="02020603050405020304" pitchFamily="18" charset="0"/>
-                <a:cs typeface="Times New Roman" panose="02020603050405020304" pitchFamily="18" charset="0"/>
-              </a:rPr>
-              <a:t>D18HT01</a:t>
-            </a:r>
-          </a:p>
-          <a:p>
-            <a:pPr marL="914400" lvl="2" indent="0">
-              <a:buFont typeface="Cabin"/>
-              <a:buNone/>
-            </a:pPr>
-            <a:endParaRPr lang="en-US" sz="2000" smtClean="0">
-              <a:solidFill>
-                <a:schemeClr val="tx1"/>
-              </a:solidFill>
-              <a:latin typeface="Times New Roman" panose="02020603050405020304" pitchFamily="18" charset="0"/>
-              <a:cs typeface="Times New Roman" panose="02020603050405020304" pitchFamily="18" charset="0"/>
-            </a:endParaRPr>
-          </a:p>
-          <a:p>
-            <a:pPr marL="914400" lvl="2" indent="0">
-              <a:buFont typeface="Cabin"/>
-              <a:buNone/>
-            </a:pPr>
-            <a:r>
-              <a:rPr lang="en-US" sz="2000">
-                <a:solidFill>
-                  <a:schemeClr val="tx1"/>
-                </a:solidFill>
-                <a:latin typeface="Times New Roman" panose="02020603050405020304" pitchFamily="18" charset="0"/>
-                <a:cs typeface="Times New Roman" panose="02020603050405020304" pitchFamily="18" charset="0"/>
-              </a:rPr>
-              <a:t>Họ và tên: Trần Quốc Dũng</a:t>
-            </a:r>
-          </a:p>
-          <a:p>
-            <a:pPr marL="914400" lvl="2" indent="0">
-              <a:buFont typeface="Cabin"/>
-              <a:buNone/>
-            </a:pPr>
-            <a:r>
-              <a:rPr lang="en-US" sz="2000">
-                <a:solidFill>
-                  <a:schemeClr val="tx1"/>
-                </a:solidFill>
-                <a:latin typeface="Times New Roman" panose="02020603050405020304" pitchFamily="18" charset="0"/>
-                <a:cs typeface="Times New Roman" panose="02020603050405020304" pitchFamily="18" charset="0"/>
-              </a:rPr>
-              <a:t>Mssv:        182480104013</a:t>
-            </a:r>
-          </a:p>
-          <a:p>
-            <a:pPr marL="914400" lvl="2" indent="0">
-              <a:buFont typeface="Cabin"/>
-              <a:buNone/>
-            </a:pPr>
-            <a:r>
-              <a:rPr lang="en-US" sz="2000">
-                <a:solidFill>
-                  <a:schemeClr val="tx1"/>
-                </a:solidFill>
-                <a:latin typeface="Times New Roman" panose="02020603050405020304" pitchFamily="18" charset="0"/>
-                <a:cs typeface="Times New Roman" panose="02020603050405020304" pitchFamily="18" charset="0"/>
-              </a:rPr>
-              <a:t>Lớp:           D18HT01</a:t>
-            </a:r>
-          </a:p>
-          <a:p>
-            <a:pPr marL="914400" lvl="2" indent="0">
-              <a:buFont typeface="Cabin"/>
-              <a:buNone/>
-            </a:pPr>
-            <a:endParaRPr lang="en-US" sz="2000">
-              <a:solidFill>
-                <a:schemeClr val="tx1"/>
-              </a:solidFill>
-              <a:latin typeface="Times New Roman" panose="02020603050405020304" pitchFamily="18" charset="0"/>
-              <a:cs typeface="Times New Roman" panose="02020603050405020304" pitchFamily="18" charset="0"/>
-            </a:endParaRPr>
-          </a:p>
-          <a:p>
-            <a:endParaRPr lang="en-US"/>
-          </a:p>
-        </p:txBody>
-      </p:sp>
-      <p:sp>
-        <p:nvSpPr>
-          <p:cNvPr id="4" name="Slide Number Placeholder 3"/>
-          <p:cNvSpPr>
-            <a:spLocks noGrp="1"/>
-          </p:cNvSpPr>
-          <p:nvPr>
-            <p:ph type="sldNum" sz="quarter" idx="12"/>
-          </p:nvPr>
-        </p:nvSpPr>
-        <p:spPr/>
-        <p:txBody>
-          <a:bodyPr/>
-          <a:lstStyle/>
-          <a:p>
-            <a:pPr marL="0" lvl="0" indent="0" algn="r" rtl="0">
-              <a:spcBef>
-                <a:spcPts val="0"/>
-              </a:spcBef>
-              <a:spcAft>
-                <a:spcPts val="0"/>
-              </a:spcAft>
-              <a:buNone/>
-            </a:pPr>
-            <a:fld id="{00000000-1234-1234-1234-123412341234}" type="slidenum">
-              <a:rPr lang="en" smtClean="0"/>
-              <a:t>2</a:t>
-            </a:fld>
-            <a:endParaRPr lang="en"/>
-          </a:p>
-        </p:txBody>
-      </p:sp>
-    </p:spTree>
-    <p:extLst>
-      <p:ext uri="{BB962C8B-B14F-4D97-AF65-F5344CB8AC3E}">
-        <p14:creationId xmlns:p14="http://schemas.microsoft.com/office/powerpoint/2010/main" val="2576871498"/>
-      </p:ext>
-    </p:extLst>
-  </p:cSld>
-  <p:clrMapOvr>
-    <a:masterClrMapping/>
-  </p:clrMapOvr>
-  <p:timing>
-    <p:tnLst>
-      <p:par>
-        <p:cTn id="1" dur="indefinite" restart="never" nodeType="tmRoot"/>
-      </p:par>
-    </p:tnLst>
-  </p:timing>
-</p:sld>
-</file>
-
 <file path=ppt/slides/slide3.xml><?xml version="1.0" encoding="utf-8"?>
 <p:sld xmlns:a="http://schemas.openxmlformats.org/drawingml/2006/main" xmlns:r="http://schemas.openxmlformats.org/officeDocument/2006/relationships" xmlns:p="http://schemas.openxmlformats.org/presentationml/2006/main">
   <p:cSld>
@@ -14431,7 +19626,7 @@
           <p:nvPr>
             <p:extLst>
               <p:ext uri="{D42A27DB-BD31-4B8C-83A1-F6EECF244321}">
-                <p14:modId xmlns:p14="http://schemas.microsoft.com/office/powerpoint/2010/main" val="1153197495"/>
+                <p14:modId xmlns:p14="http://schemas.microsoft.com/office/powerpoint/2010/main" val="3292730222"/>
               </p:ext>
             </p:extLst>
           </p:nvPr>
@@ -14537,14 +19732,7 @@
                 <a:latin typeface="Times New Roman" panose="02020603050405020304" pitchFamily="18" charset="0"/>
                 <a:cs typeface="Times New Roman" panose="02020603050405020304" pitchFamily="18" charset="0"/>
               </a:rPr>
-              <a:t>. </a:t>
-            </a:r>
-            <a:r>
-              <a:rPr lang="en" sz="3000" smtClean="0">
-                <a:latin typeface="Times New Roman" panose="02020603050405020304" pitchFamily="18" charset="0"/>
-                <a:cs typeface="Times New Roman" panose="02020603050405020304" pitchFamily="18" charset="0"/>
-              </a:rPr>
-              <a:t>Giới thiệu</a:t>
+              <a:t>. Giới thiệu</a:t>
             </a:r>
             <a:endParaRPr sz="3000" dirty="0">
               <a:latin typeface="Times New Roman" panose="02020603050405020304" pitchFamily="18" charset="0"/>
@@ -14620,11 +19808,7 @@
             </a:pPr>
             <a:r>
               <a:rPr lang="vi-VN" sz="1400"/>
-              <a:t>Hệ thống gợi ý (Recommender System) là 1 nhánh con của hệ thống lọc thông tin (Infomation filtering system), nhằm tìm cách dự đoán việc đánh giá (rating) của người dùng (user) sẽ đưa ra cho 1 sản phẩm (item). Chúng chủ yếu được dùng trong các ứng dụng thương mại điện </a:t>
-            </a:r>
-            <a:r>
-              <a:rPr lang="vi-VN" sz="1400"/>
-              <a:t>tử</a:t>
+              <a:t>Hệ thống gợi ý (Recommender System) là 1 nhánh con của hệ thống lọc thông tin (Infomation filtering system), nhằm tìm cách dự đoán việc đánh giá (rating) của người dùng (user) sẽ đưa ra cho 1 sản phẩm (item). Chúng chủ yếu được dùng trong các ứng dụng thương mại điện tử</a:t>
             </a:r>
             <a:r>
               <a:rPr lang="vi-VN" sz="1400" smtClean="0"/>
@@ -14878,14 +20062,7 @@
                 <a:latin typeface="Times New Roman" panose="02020603050405020304" pitchFamily="18" charset="0"/>
                 <a:cs typeface="Times New Roman" panose="02020603050405020304" pitchFamily="18" charset="0"/>
               </a:rPr>
-              <a:t>. </a:t>
-            </a:r>
-            <a:r>
-              <a:rPr lang="en" sz="3000" smtClean="0">
-                <a:latin typeface="Times New Roman" panose="02020603050405020304" pitchFamily="18" charset="0"/>
-                <a:cs typeface="Times New Roman" panose="02020603050405020304" pitchFamily="18" charset="0"/>
-              </a:rPr>
-              <a:t>Giới thiệu</a:t>
+              <a:t>. Giới thiệu</a:t>
             </a:r>
             <a:endParaRPr sz="3000" dirty="0">
               <a:latin typeface="Times New Roman" panose="02020603050405020304" pitchFamily="18" charset="0"/>
@@ -16353,11 +21530,7 @@
             </a:pPr>
             <a:r>
               <a:rPr lang="vi-VN" sz="1400"/>
-              <a:t>Thực chất, vấn đề của hệ gợi ý là xác định ánh xạ (u, i) -&gt; R, trong đó u là biểu diễn cho 1 người dùng, i biểu diễn cho 1 sản phẩm và R là đánh giá của u lên i. Sau đó, </a:t>
-            </a:r>
-            <a:r>
-              <a:rPr lang="vi-VN" sz="1400"/>
-              <a:t>các </a:t>
+              <a:t>Thực chất, vấn đề của hệ gợi ý là xác định ánh xạ (u, i) -&gt; R, trong đó u là biểu diễn cho 1 người dùng, i biểu diễn cho 1 sản phẩm và R là đánh giá của u lên i. Sau đó, các </a:t>
             </a:r>
             <a:r>
               <a:rPr lang="en-US" sz="1400" smtClean="0"/>
@@ -17352,11 +22525,7 @@
           <a:p>
             <a:r>
               <a:rPr lang="vi-VN" sz="1400"/>
-              <a:t>Sử dụng các thư viện python trích xuất, loại bỏ các thẻ html, </a:t>
-            </a:r>
-            <a:r>
-              <a:rPr lang="vi-VN" sz="1400"/>
-              <a:t>thu </a:t>
+              <a:t>Sử dụng các thư viện python trích xuất, loại bỏ các thẻ html, thu </a:t>
             </a:r>
             <a:r>
               <a:rPr lang="vi-VN" sz="1400" smtClean="0"/>

--- a/Báo cáo/thuyết trình báo cáo.pptx
+++ b/Báo cáo/thuyết trình báo cáo.pptx
@@ -37,34 +37,34 @@
   <p:notesSz cx="6858000" cy="9144000"/>
   <p:embeddedFontLst>
     <p:embeddedFont>
-      <p:font typeface="Wingdings 2" panose="05020102010507070707" pitchFamily="18" charset="2"/>
+      <p:font typeface="Verdana" panose="020B0604030504040204" pitchFamily="34" charset="0"/>
       <p:regular r:id="rId27"/>
+      <p:bold r:id="rId28"/>
+      <p:italic r:id="rId29"/>
+      <p:boldItalic r:id="rId30"/>
     </p:embeddedFont>
     <p:embeddedFont>
-      <p:font typeface="Verdana" panose="020B0604030504040204" pitchFamily="34" charset="0"/>
-      <p:regular r:id="rId28"/>
-      <p:bold r:id="rId29"/>
-      <p:italic r:id="rId30"/>
-      <p:boldItalic r:id="rId31"/>
+      <p:font typeface="Cabin" panose="020B0604020202020204" charset="0"/>
+      <p:regular r:id="rId31"/>
+      <p:bold r:id="rId32"/>
+      <p:italic r:id="rId33"/>
+      <p:boldItalic r:id="rId34"/>
     </p:embeddedFont>
     <p:embeddedFont>
       <p:font typeface="Tahoma" panose="020B0604030504040204" pitchFamily="34" charset="0"/>
-      <p:regular r:id="rId32"/>
-      <p:bold r:id="rId33"/>
+      <p:regular r:id="rId35"/>
+      <p:bold r:id="rId36"/>
     </p:embeddedFont>
     <p:embeddedFont>
       <p:font typeface="Corbel" panose="020B0503020204020204" pitchFamily="34" charset="0"/>
-      <p:regular r:id="rId34"/>
-      <p:bold r:id="rId35"/>
-      <p:italic r:id="rId36"/>
-      <p:boldItalic r:id="rId37"/>
+      <p:regular r:id="rId37"/>
+      <p:bold r:id="rId38"/>
+      <p:italic r:id="rId39"/>
+      <p:boldItalic r:id="rId40"/>
     </p:embeddedFont>
     <p:embeddedFont>
-      <p:font typeface="Cabin" panose="020B0604020202020204" charset="0"/>
-      <p:regular r:id="rId38"/>
-      <p:bold r:id="rId39"/>
-      <p:italic r:id="rId40"/>
-      <p:boldItalic r:id="rId41"/>
+      <p:font typeface="Wingdings 2" panose="05020102010507070707" pitchFamily="18" charset="2"/>
+      <p:regular r:id="rId41"/>
     </p:embeddedFont>
   </p:embeddedFontLst>
   <p:defaultTextStyle>
@@ -2017,11 +2017,7 @@
         <a:p>
           <a:r>
             <a:rPr lang="en-US" smtClean="0"/>
-            <a:t>5. </a:t>
-          </a:r>
-          <a:r>
-            <a:rPr lang="en-US" smtClean="0"/>
-            <a:t>Kết luận</a:t>
+            <a:t>5. Kết luận</a:t>
           </a:r>
           <a:endParaRPr lang="en-US"/>
         </a:p>
@@ -2058,11 +2054,7 @@
         <a:p>
           <a:r>
             <a:rPr lang="en-US" smtClean="0"/>
-            <a:t>6. </a:t>
-          </a:r>
-          <a:r>
-            <a:rPr lang="en-US" smtClean="0"/>
-            <a:t>Demo</a:t>
+            <a:t>6. Demo</a:t>
           </a:r>
           <a:endParaRPr lang="en-US"/>
         </a:p>
@@ -2738,11 +2730,7 @@
           </a:pPr>
           <a:r>
             <a:rPr lang="en-US" sz="1900" kern="1200" smtClean="0"/>
-            <a:t>5. </a:t>
-          </a:r>
-          <a:r>
-            <a:rPr lang="en-US" sz="1900" kern="1200" smtClean="0"/>
-            <a:t>Kết luận</a:t>
+            <a:t>5. Kết luận</a:t>
           </a:r>
           <a:endParaRPr lang="en-US" sz="1900" kern="1200"/>
         </a:p>
@@ -2867,11 +2855,7 @@
           </a:pPr>
           <a:r>
             <a:rPr lang="en-US" sz="1900" kern="1200" smtClean="0"/>
-            <a:t>6. </a:t>
-          </a:r>
-          <a:r>
-            <a:rPr lang="en-US" sz="1900" kern="1200" smtClean="0"/>
-            <a:t>Demo</a:t>
+            <a:t>6. Demo</a:t>
           </a:r>
           <a:endParaRPr lang="en-US" sz="1900" kern="1200"/>
         </a:p>
@@ -7562,6 +7546,31 @@
           </a:bodyPr>
           <a:lstStyle/>
           <a:p>
+            <a:pPr marL="0" marR="0" lvl="0" indent="0" algn="l" defTabSz="914400" rtl="0" eaLnBrk="1" fontAlgn="auto" latinLnBrk="0" hangingPunct="1">
+              <a:lnSpc>
+                <a:spcPct val="100000"/>
+              </a:lnSpc>
+              <a:spcBef>
+                <a:spcPts val="0"/>
+              </a:spcBef>
+              <a:spcAft>
+                <a:spcPts val="0"/>
+              </a:spcAft>
+              <a:buClr>
+                <a:srgbClr val="000000"/>
+              </a:buClr>
+              <a:buSzPts val="1400"/>
+              <a:buFont typeface="Arial"/>
+              <a:buNone/>
+              <a:tabLst/>
+              <a:defRPr/>
+            </a:pPr>
+            <a:r>
+              <a:rPr lang="en-US" sz="1100" smtClean="0"/>
+              <a:t>Tuy nhiên để áp dụng vào bộ dữ liệu lớn hơn thì chúng ta cần phải có công thức tính độ “cùng gu” đó là tính độ tương đồng(similar) giữa các user,  sau khi có độ tương đồng giữa các user, hệ thống sẽ chấm điểm vào các đồ uống mà user chưa chấm, và thu được ma trận tương đồng giữa các đồ uống. Dựa vào đó mà đưa ra gợi ý.</a:t>
+            </a:r>
+          </a:p>
+          <a:p>
             <a:pPr marL="0" lvl="0" indent="0" algn="l" rtl="0">
               <a:spcBef>
                 <a:spcPts val="0"/>
@@ -7813,7 +7822,7 @@
             <a:fld id="{5586B75A-687E-405C-8A0B-8D00578BA2C3}" type="datetimeFigureOut">
               <a:rPr lang="en-US" dirty="0"/>
               <a:pPr/>
-              <a:t>3/30/2022</a:t>
+              <a:t>4/1/2022</a:t>
             </a:fld>
             <a:endParaRPr lang="en-US" dirty="0"/>
           </a:p>
@@ -7994,7 +8003,7 @@
             <a:fld id="{5586B75A-687E-405C-8A0B-8D00578BA2C3}" type="datetimeFigureOut">
               <a:rPr lang="en-US" dirty="0"/>
               <a:pPr/>
-              <a:t>3/30/2022</a:t>
+              <a:t>4/1/2022</a:t>
             </a:fld>
             <a:endParaRPr lang="en-US" dirty="0"/>
           </a:p>
@@ -8185,7 +8194,7 @@
             <a:fld id="{5586B75A-687E-405C-8A0B-8D00578BA2C3}" type="datetimeFigureOut">
               <a:rPr lang="en-US" dirty="0"/>
               <a:pPr/>
-              <a:t>3/30/2022</a:t>
+              <a:t>4/1/2022</a:t>
             </a:fld>
             <a:endParaRPr lang="en-US" dirty="0"/>
           </a:p>
@@ -8971,7 +8980,7 @@
             <a:fld id="{5586B75A-687E-405C-8A0B-8D00578BA2C3}" type="datetimeFigureOut">
               <a:rPr lang="en-US" dirty="0"/>
               <a:pPr/>
-              <a:t>3/30/2022</a:t>
+              <a:t>4/1/2022</a:t>
             </a:fld>
             <a:endParaRPr lang="en-US" dirty="0"/>
           </a:p>
@@ -9240,7 +9249,7 @@
             <a:fld id="{5586B75A-687E-405C-8A0B-8D00578BA2C3}" type="datetimeFigureOut">
               <a:rPr lang="en-US" dirty="0"/>
               <a:pPr/>
-              <a:t>3/30/2022</a:t>
+              <a:t>4/1/2022</a:t>
             </a:fld>
             <a:endParaRPr lang="en-US" dirty="0"/>
           </a:p>
@@ -9539,7 +9548,7 @@
             <a:fld id="{5586B75A-687E-405C-8A0B-8D00578BA2C3}" type="datetimeFigureOut">
               <a:rPr lang="en-US" dirty="0"/>
               <a:pPr/>
-              <a:t>3/30/2022</a:t>
+              <a:t>4/1/2022</a:t>
             </a:fld>
             <a:endParaRPr lang="en-US" dirty="0"/>
           </a:p>
@@ -9992,7 +10001,7 @@
             <a:fld id="{5586B75A-687E-405C-8A0B-8D00578BA2C3}" type="datetimeFigureOut">
               <a:rPr lang="en-US" dirty="0"/>
               <a:pPr/>
-              <a:t>3/30/2022</a:t>
+              <a:t>4/1/2022</a:t>
             </a:fld>
             <a:endParaRPr lang="en-US" dirty="0"/>
           </a:p>
@@ -10121,7 +10130,7 @@
             <a:fld id="{5586B75A-687E-405C-8A0B-8D00578BA2C3}" type="datetimeFigureOut">
               <a:rPr lang="en-US" dirty="0"/>
               <a:pPr/>
-              <a:t>3/30/2022</a:t>
+              <a:t>4/1/2022</a:t>
             </a:fld>
             <a:endParaRPr lang="en-US" dirty="0"/>
           </a:p>
@@ -10227,7 +10236,7 @@
             <a:fld id="{5586B75A-687E-405C-8A0B-8D00578BA2C3}" type="datetimeFigureOut">
               <a:rPr lang="en-US" dirty="0"/>
               <a:pPr/>
-              <a:t>3/30/2022</a:t>
+              <a:t>4/1/2022</a:t>
             </a:fld>
             <a:endParaRPr lang="en-US" dirty="0"/>
           </a:p>
@@ -10526,7 +10535,7 @@
             <a:fld id="{5586B75A-687E-405C-8A0B-8D00578BA2C3}" type="datetimeFigureOut">
               <a:rPr lang="en-US" dirty="0"/>
               <a:pPr/>
-              <a:t>3/30/2022</a:t>
+              <a:t>4/1/2022</a:t>
             </a:fld>
             <a:endParaRPr lang="en-US" dirty="0"/>
           </a:p>
@@ -10810,7 +10819,7 @@
             <a:fld id="{5586B75A-687E-405C-8A0B-8D00578BA2C3}" type="datetimeFigureOut">
               <a:rPr lang="en-US" dirty="0"/>
               <a:pPr/>
-              <a:t>3/30/2022</a:t>
+              <a:t>4/1/2022</a:t>
             </a:fld>
             <a:endParaRPr lang="en-US" dirty="0"/>
           </a:p>
@@ -11118,7 +11127,7 @@
             <a:fld id="{5586B75A-687E-405C-8A0B-8D00578BA2C3}" type="datetimeFigureOut">
               <a:rPr lang="en-US" dirty="0"/>
               <a:pPr/>
-              <a:t>3/30/2022</a:t>
+              <a:t>4/1/2022</a:t>
             </a:fld>
             <a:endParaRPr lang="en-US" dirty="0"/>
           </a:p>
@@ -13226,11 +13235,7 @@
           <a:p>
             <a:r>
               <a:rPr lang="vi-VN" sz="1400"/>
-              <a:t>Đầu tiên vấn đề đặt ra là làm thế nào mà các website như facebook</a:t>
-            </a:r>
-            <a:r>
-              <a:rPr lang="vi-VN" sz="1400"/>
-              <a:t>, </a:t>
+              <a:t>Đầu tiên vấn đề đặt ra là làm thế nào mà các website như facebook, </a:t>
             </a:r>
             <a:r>
               <a:rPr lang="vi-VN" sz="1400" smtClean="0"/>
@@ -13238,11 +13243,7 @@
             </a:r>
             <a:r>
               <a:rPr lang="vi-VN" sz="1400"/>
-              <a:t>ra được mấy cái </a:t>
-            </a:r>
-            <a:r>
-              <a:rPr lang="vi-VN" sz="1400"/>
-              <a:t>chỗ </a:t>
+              <a:t>ra được mấy cái chỗ </a:t>
             </a:r>
             <a:r>
               <a:rPr lang="vi-VN" sz="1400" smtClean="0"/>
@@ -13250,11 +13251,7 @@
             </a:r>
             <a:r>
               <a:rPr lang="vi-VN" sz="1400"/>
-              <a:t>nhiều khi rất là không liên </a:t>
-            </a:r>
-            <a:r>
-              <a:rPr lang="vi-VN" sz="1400"/>
-              <a:t>quan </a:t>
+              <a:t>nhiều khi rất là không liên quan </a:t>
             </a:r>
             <a:r>
               <a:rPr lang="vi-VN" sz="1400" smtClean="0"/>
@@ -13262,11 +13259,7 @@
             </a:r>
             <a:r>
               <a:rPr lang="vi-VN" sz="1400"/>
-              <a:t>ý bạn có 1 bạn chung </a:t>
-            </a:r>
-            <a:r>
-              <a:rPr lang="vi-VN" sz="1400"/>
-              <a:t>với </a:t>
+              <a:t>ý bạn có 1 bạn chung với </a:t>
             </a:r>
             <a:r>
               <a:rPr lang="vi-VN" sz="1400" smtClean="0"/>
@@ -13282,11 +13275,7 @@
             </a:r>
             <a:r>
               <a:rPr lang="vi-VN" sz="1400"/>
-              <a:t>giản là họ có một hệ thống gợi ý </a:t>
-            </a:r>
-            <a:r>
-              <a:rPr lang="vi-VN" sz="1400"/>
-              <a:t>- </a:t>
+              <a:t>giản là họ có một hệ thống gợi ý - </a:t>
             </a:r>
             <a:r>
               <a:rPr lang="vi-VN" sz="1400" smtClean="0"/>
@@ -13320,11 +13309,7 @@
           <a:p>
             <a:r>
               <a:rPr lang="vi-VN" sz="1400"/>
-              <a:t>Trong trường </a:t>
-            </a:r>
-            <a:r>
-              <a:rPr lang="vi-VN" sz="1400"/>
-              <a:t>hợp </a:t>
+              <a:t>Trong trường hợp </a:t>
             </a:r>
             <a:r>
               <a:rPr lang="vi-VN" sz="1400" smtClean="0"/>
@@ -13332,11 +13317,7 @@
             </a:r>
             <a:r>
               <a:rPr lang="vi-VN" sz="1400"/>
-              <a:t>thì gợi ý bạn bè có thể đưa ra theo kiểu: cùng quê, cùng nơi đang sống, làm việc, </a:t>
-            </a:r>
-            <a:r>
-              <a:rPr lang="vi-VN" sz="1400"/>
-              <a:t>học </a:t>
+              <a:t>thì gợi ý bạn bè có thể đưa ra theo kiểu: cùng quê, cùng nơi đang sống, làm việc, học </a:t>
             </a:r>
             <a:r>
               <a:rPr lang="vi-VN" sz="1400" smtClean="0"/>
@@ -13390,11 +13371,7 @@
           <a:p>
             <a:r>
               <a:rPr lang="vi-VN" sz="1400"/>
-              <a:t>Tuy nhiên có các đối tượng có nội dung không rõ ràng như </a:t>
-            </a:r>
-            <a:r>
-              <a:rPr lang="vi-VN" sz="1400"/>
-              <a:t>nhạc </a:t>
+              <a:t>Tuy nhiên có các đối tượng có nội dung không rõ ràng như nhạc </a:t>
             </a:r>
             <a:r>
               <a:rPr lang="en-US" sz="1400" smtClean="0">
@@ -13412,11 +13389,7 @@
             </a:r>
             <a:r>
               <a:rPr lang="vi-VN" sz="1400"/>
-              <a:t>hó mà phân biệt được chính xác </a:t>
-            </a:r>
-            <a:r>
-              <a:rPr lang="vi-VN" sz="1400"/>
-              <a:t>nội </a:t>
+              <a:t>hó mà phân biệt được chính xác nội </a:t>
             </a:r>
             <a:r>
               <a:rPr lang="vi-VN" sz="1400" smtClean="0"/>
@@ -13438,14 +13411,7 @@
                 <a:latin typeface="Verdana" panose="020B0604030504040204" pitchFamily="34" charset="0"/>
                 <a:ea typeface="Verdana" panose="020B0604030504040204" pitchFamily="34" charset="0"/>
               </a:rPr>
-              <a:t>Có thể dùng tác giả, thể loại vv.. làm căn cứ </a:t>
-            </a:r>
-            <a:r>
-              <a:rPr lang="en-US" sz="1400">
-                <a:latin typeface="Verdana" panose="020B0604030504040204" pitchFamily="34" charset="0"/>
-                <a:ea typeface="Verdana" panose="020B0604030504040204" pitchFamily="34" charset="0"/>
-              </a:rPr>
-              <a:t>tuy </a:t>
+              <a:t>Có thể dùng tác giả, thể loại vv.. làm căn cứ tuy </a:t>
             </a:r>
             <a:r>
               <a:rPr lang="en-US" sz="1400" smtClean="0">
@@ -13948,12 +13914,8 @@
           <a:lstStyle/>
           <a:p>
             <a:r>
-              <a:rPr lang="vi-VN" sz="1400"/>
-              <a:t>Rất </a:t>
-            </a:r>
-            <a:r>
-              <a:rPr lang="vi-VN" sz="1400"/>
-              <a:t>may </a:t>
+              <a:rPr lang="vi-VN" sz="1400" smtClean="0"/>
+              <a:t>Rất may </a:t>
             </a:r>
             <a:r>
               <a:rPr lang="en-US" sz="1400" smtClean="0">
@@ -13964,19 +13926,7 @@
             </a:r>
             <a:r>
               <a:rPr lang="vi-VN" sz="1400" smtClean="0"/>
-              <a:t>rất </a:t>
-            </a:r>
-            <a:r>
-              <a:rPr lang="vi-VN" sz="1400"/>
-              <a:t>tuyệt vời, đó là Collaborative Filtering (Lọc cộng tác - CF). Cách này dựa vào Luật số lớn và Trí tuệ đám đông. Điều đó không có nghĩa là Đám đông lúc nào cũng đúng mà phải là đám đông “liên quan” đến </a:t>
-            </a:r>
-            <a:r>
-              <a:rPr lang="vi-VN" sz="1400"/>
-              <a:t>mình </a:t>
-            </a:r>
-            <a:r>
-              <a:rPr lang="vi-VN" sz="1400" smtClean="0"/>
-              <a:t>(</a:t>
+              <a:t>rất tuyệt vời, đó là Collaborative Filtering (Lọc cộng tác - CF). Cách này dựa vào Luật số lớn và Trí tuệ đám đông. Điều đó không có nghĩa là Đám đông lúc nào cũng đúng mà phải là đám đông “liên quan” đến mình (</a:t>
             </a:r>
             <a:r>
               <a:rPr lang="en-US" sz="1400" smtClean="0">
@@ -13987,11 +13937,7 @@
             </a:r>
             <a:r>
               <a:rPr lang="vi-VN" sz="1400" smtClean="0"/>
-              <a:t>mới </a:t>
-            </a:r>
-            <a:r>
-              <a:rPr lang="vi-VN" sz="1400"/>
-              <a:t>phải lọc).</a:t>
+              <a:t>mới phải lọc).</a:t>
             </a:r>
             <a:endParaRPr lang="en-US" sz="1400"/>
           </a:p>
@@ -16157,129 +16103,6 @@
           </a:graphicData>
         </a:graphic>
       </p:graphicFrame>
-      <p:sp>
-        <p:nvSpPr>
-          <p:cNvPr id="5" name="TextBox 4"/>
-          <p:cNvSpPr txBox="1"/>
-          <p:nvPr/>
-        </p:nvSpPr>
-        <p:spPr>
-          <a:xfrm>
-            <a:off x="2735134" y="3215058"/>
-            <a:ext cx="5902036" cy="1169551"/>
-          </a:xfrm>
-          <a:prstGeom prst="rect">
-            <a:avLst/>
-          </a:prstGeom>
-          <a:noFill/>
-        </p:spPr>
-        <p:txBody>
-          <a:bodyPr wrap="square" rtlCol="0">
-            <a:spAutoFit/>
-          </a:bodyPr>
-          <a:lstStyle/>
-          <a:p>
-            <a:r>
-              <a:rPr lang="en-US" sz="1400" smtClean="0"/>
-              <a:t>User 1 và User 2 có lẽ thích uống </a:t>
-            </a:r>
-            <a:r>
-              <a:rPr lang="en-US" sz="1400" b="1" smtClean="0"/>
-              <a:t>trà tắc </a:t>
-            </a:r>
-            <a:r>
-              <a:rPr lang="en-US" sz="1400" smtClean="0"/>
-              <a:t>và  </a:t>
-            </a:r>
-            <a:r>
-              <a:rPr lang="en-US" sz="1400" b="1" smtClean="0"/>
-              <a:t>nước lọc</a:t>
-            </a:r>
-            <a:r>
-              <a:rPr lang="en-US" sz="1400" smtClean="0"/>
-              <a:t>. Vì vậy có thể 2 user này cùng sở thích, cùng gu. </a:t>
-            </a:r>
-            <a:br>
-              <a:rPr lang="en-US" sz="1400" smtClean="0"/>
-            </a:br>
-            <a:r>
-              <a:rPr lang="en-US" sz="1400" smtClean="0"/>
-              <a:t>Cho nên nếu </a:t>
-            </a:r>
-            <a:r>
-              <a:rPr lang="en-US" sz="1400" b="1" smtClean="0"/>
-              <a:t>User 2</a:t>
-            </a:r>
-            <a:r>
-              <a:rPr lang="en-US" sz="1400" smtClean="0"/>
-              <a:t> muốn uống gì đó thì </a:t>
-            </a:r>
-            <a:r>
-              <a:rPr lang="en-US" sz="1400" b="1" smtClean="0"/>
-              <a:t>user 1</a:t>
-            </a:r>
-            <a:r>
-              <a:rPr lang="en-US" sz="1400" smtClean="0"/>
-              <a:t> sẽ gợi ý những đồ uống mà user thích(có điểm số cao). Cụ thể </a:t>
-            </a:r>
-            <a:r>
-              <a:rPr lang="en-US" sz="1400" b="1" smtClean="0"/>
-              <a:t>user 1</a:t>
-            </a:r>
-            <a:r>
-              <a:rPr lang="en-US" sz="1400" smtClean="0"/>
-              <a:t> sẽ gợi ý cho </a:t>
-            </a:r>
-            <a:r>
-              <a:rPr lang="en-US" sz="1400" b="1" smtClean="0"/>
-              <a:t>user 2</a:t>
-            </a:r>
-            <a:r>
-              <a:rPr lang="en-US" sz="1400" smtClean="0"/>
-              <a:t> uống </a:t>
-            </a:r>
-            <a:r>
-              <a:rPr lang="en-US" sz="1400" b="1" smtClean="0"/>
-              <a:t>cam xả </a:t>
-            </a:r>
-            <a:r>
-              <a:rPr lang="en-US" sz="1400" smtClean="0"/>
-              <a:t>(vì có số điểm cao = 4). </a:t>
-            </a:r>
-            <a:endParaRPr lang="en-US" sz="1400"/>
-          </a:p>
-        </p:txBody>
-      </p:sp>
-      <p:sp>
-        <p:nvSpPr>
-          <p:cNvPr id="9" name="TextBox 8"/>
-          <p:cNvSpPr txBox="1"/>
-          <p:nvPr/>
-        </p:nvSpPr>
-        <p:spPr>
-          <a:xfrm>
-            <a:off x="2832116" y="3336568"/>
-            <a:ext cx="5902036" cy="738664"/>
-          </a:xfrm>
-          <a:prstGeom prst="rect">
-            <a:avLst/>
-          </a:prstGeom>
-          <a:noFill/>
-        </p:spPr>
-        <p:txBody>
-          <a:bodyPr wrap="square" rtlCol="0">
-            <a:spAutoFit/>
-          </a:bodyPr>
-          <a:lstStyle/>
-          <a:p>
-            <a:r>
-              <a:rPr lang="en-US" sz="1400"/>
-              <a:t>Vì hợp gu với user 1 nên có thể user 2 sẽ uống cam xả và chấm cho cam xả 3 điểm chẳng hạn. Và hệ thống lọc cộng tác  cần làm việc đó thay user 2, và đưa ra gợi ý.</a:t>
-            </a:r>
-            <a:endParaRPr lang="en-US" sz="1400"/>
-          </a:p>
-        </p:txBody>
-      </p:sp>
     </p:spTree>
     <p:extLst>
       <p:ext uri="{BB962C8B-B14F-4D97-AF65-F5344CB8AC3E}">
@@ -16296,188 +16119,9 @@
   <p:timing>
     <p:tnLst>
       <p:par>
-        <p:cTn id="1" dur="indefinite" restart="never" nodeType="tmRoot">
-          <p:childTnLst>
-            <p:seq concurrent="1" nextAc="seek">
-              <p:cTn id="2" dur="indefinite" nodeType="mainSeq">
-                <p:childTnLst>
-                  <p:par>
-                    <p:cTn id="3" fill="hold">
-                      <p:stCondLst>
-                        <p:cond delay="indefinite"/>
-                      </p:stCondLst>
-                      <p:childTnLst>
-                        <p:par>
-                          <p:cTn id="4" fill="hold">
-                            <p:stCondLst>
-                              <p:cond delay="0"/>
-                            </p:stCondLst>
-                            <p:childTnLst>
-                              <p:par>
-                                <p:cTn id="5" presetID="42" presetClass="exit" presetSubtype="0" fill="hold" grpId="0" nodeType="clickEffect">
-                                  <p:stCondLst>
-                                    <p:cond delay="0"/>
-                                  </p:stCondLst>
-                                  <p:childTnLst>
-                                    <p:animEffect transition="out" filter="fade">
-                                      <p:cBhvr>
-                                        <p:cTn id="6" dur="1000"/>
-                                        <p:tgtEl>
-                                          <p:spTgt spid="5"/>
-                                        </p:tgtEl>
-                                      </p:cBhvr>
-                                    </p:animEffect>
-                                    <p:anim calcmode="lin" valueType="num">
-                                      <p:cBhvr>
-                                        <p:cTn id="7" dur="1000"/>
-                                        <p:tgtEl>
-                                          <p:spTgt spid="5"/>
-                                        </p:tgtEl>
-                                        <p:attrNameLst>
-                                          <p:attrName>ppt_x</p:attrName>
-                                        </p:attrNameLst>
-                                      </p:cBhvr>
-                                      <p:tavLst>
-                                        <p:tav tm="0">
-                                          <p:val>
-                                            <p:strVal val="ppt_x"/>
-                                          </p:val>
-                                        </p:tav>
-                                        <p:tav tm="100000">
-                                          <p:val>
-                                            <p:strVal val="ppt_x"/>
-                                          </p:val>
-                                        </p:tav>
-                                      </p:tavLst>
-                                    </p:anim>
-                                    <p:anim calcmode="lin" valueType="num">
-                                      <p:cBhvr>
-                                        <p:cTn id="8" dur="1000"/>
-                                        <p:tgtEl>
-                                          <p:spTgt spid="5"/>
-                                        </p:tgtEl>
-                                        <p:attrNameLst>
-                                          <p:attrName>ppt_y</p:attrName>
-                                        </p:attrNameLst>
-                                      </p:cBhvr>
-                                      <p:tavLst>
-                                        <p:tav tm="0">
-                                          <p:val>
-                                            <p:strVal val="ppt_y"/>
-                                          </p:val>
-                                        </p:tav>
-                                        <p:tav tm="100000">
-                                          <p:val>
-                                            <p:strVal val="ppt_y+.1"/>
-                                          </p:val>
-                                        </p:tav>
-                                      </p:tavLst>
-                                    </p:anim>
-                                    <p:set>
-                                      <p:cBhvr>
-                                        <p:cTn id="9" dur="1" fill="hold">
-                                          <p:stCondLst>
-                                            <p:cond delay="999"/>
-                                          </p:stCondLst>
-                                        </p:cTn>
-                                        <p:tgtEl>
-                                          <p:spTgt spid="5"/>
-                                        </p:tgtEl>
-                                        <p:attrNameLst>
-                                          <p:attrName>style.visibility</p:attrName>
-                                        </p:attrNameLst>
-                                      </p:cBhvr>
-                                      <p:to>
-                                        <p:strVal val="hidden"/>
-                                      </p:to>
-                                    </p:set>
-                                  </p:childTnLst>
-                                </p:cTn>
-                              </p:par>
-                            </p:childTnLst>
-                          </p:cTn>
-                        </p:par>
-                      </p:childTnLst>
-                    </p:cTn>
-                  </p:par>
-                  <p:par>
-                    <p:cTn id="10" fill="hold">
-                      <p:stCondLst>
-                        <p:cond delay="indefinite"/>
-                      </p:stCondLst>
-                      <p:childTnLst>
-                        <p:par>
-                          <p:cTn id="11" fill="hold">
-                            <p:stCondLst>
-                              <p:cond delay="0"/>
-                            </p:stCondLst>
-                            <p:childTnLst>
-                              <p:par>
-                                <p:cTn id="12" presetID="16" presetClass="entr" presetSubtype="21" fill="hold" grpId="0" nodeType="clickEffect">
-                                  <p:stCondLst>
-                                    <p:cond delay="0"/>
-                                  </p:stCondLst>
-                                  <p:childTnLst>
-                                    <p:set>
-                                      <p:cBhvr>
-                                        <p:cTn id="13" dur="1" fill="hold">
-                                          <p:stCondLst>
-                                            <p:cond delay="0"/>
-                                          </p:stCondLst>
-                                        </p:cTn>
-                                        <p:tgtEl>
-                                          <p:spTgt spid="9"/>
-                                        </p:tgtEl>
-                                        <p:attrNameLst>
-                                          <p:attrName>style.visibility</p:attrName>
-                                        </p:attrNameLst>
-                                      </p:cBhvr>
-                                      <p:to>
-                                        <p:strVal val="visible"/>
-                                      </p:to>
-                                    </p:set>
-                                    <p:animEffect transition="in" filter="barn(inVertical)">
-                                      <p:cBhvr>
-                                        <p:cTn id="14" dur="500"/>
-                                        <p:tgtEl>
-                                          <p:spTgt spid="9"/>
-                                        </p:tgtEl>
-                                      </p:cBhvr>
-                                    </p:animEffect>
-                                  </p:childTnLst>
-                                </p:cTn>
-                              </p:par>
-                            </p:childTnLst>
-                          </p:cTn>
-                        </p:par>
-                      </p:childTnLst>
-                    </p:cTn>
-                  </p:par>
-                </p:childTnLst>
-              </p:cTn>
-              <p:prevCondLst>
-                <p:cond evt="onPrev" delay="0">
-                  <p:tgtEl>
-                    <p:sldTgt/>
-                  </p:tgtEl>
-                </p:cond>
-              </p:prevCondLst>
-              <p:nextCondLst>
-                <p:cond evt="onNext" delay="0">
-                  <p:tgtEl>
-                    <p:sldTgt/>
-                  </p:tgtEl>
-                </p:cond>
-              </p:nextCondLst>
-            </p:seq>
-          </p:childTnLst>
-        </p:cTn>
+        <p:cTn id="1" dur="indefinite" restart="never" nodeType="tmRoot"/>
       </p:par>
     </p:tnLst>
-    <p:bldLst>
-      <p:bldP spid="5" grpId="0"/>
-      <p:bldP spid="9" grpId="0"/>
-    </p:bldLst>
   </p:timing>
 </p:sld>
 </file>
@@ -17294,36 +16938,6 @@
       </p:graphicFrame>
       <p:sp>
         <p:nvSpPr>
-          <p:cNvPr id="8" name="TextBox 7"/>
-          <p:cNvSpPr txBox="1"/>
-          <p:nvPr/>
-        </p:nvSpPr>
-        <p:spPr>
-          <a:xfrm>
-            <a:off x="2832116" y="587541"/>
-            <a:ext cx="5902036" cy="1169551"/>
-          </a:xfrm>
-          <a:prstGeom prst="rect">
-            <a:avLst/>
-          </a:prstGeom>
-          <a:noFill/>
-        </p:spPr>
-        <p:txBody>
-          <a:bodyPr wrap="square" rtlCol="0">
-            <a:spAutoFit/>
-          </a:bodyPr>
-          <a:lstStyle/>
-          <a:p>
-            <a:r>
-              <a:rPr lang="en-US" sz="1400" smtClean="0"/>
-              <a:t>Tuy nhiên để áp dụng vào bộ dữ liệu lớn hơn thì chúng ta cần phải có công thức tính độ “cùng gu” đó là tính độ tương đồng(similar) giữa các user,  sau khi có độ tương đồng giữa các user, hệ thống sẽ chấm điểm vào các đồ uống mà user chưa chấm, và thu được ma trận tương đồng giữa các đồ uống. Dựa vào đó mà đưa ra gợi ý.</a:t>
-            </a:r>
-            <a:endParaRPr lang="en-US" sz="1400"/>
-          </a:p>
-        </p:txBody>
-      </p:sp>
-      <p:sp>
-        <p:nvSpPr>
           <p:cNvPr id="10" name="TextBox 9"/>
           <p:cNvSpPr txBox="1"/>
           <p:nvPr/>
@@ -17386,113 +17000,14 @@
                             </p:stCondLst>
                             <p:childTnLst>
                               <p:par>
-                                <p:cTn id="5" presetID="42" presetClass="exit" presetSubtype="0" fill="hold" grpId="0" nodeType="clickEffect">
-                                  <p:stCondLst>
-                                    <p:cond delay="0"/>
-                                  </p:stCondLst>
-                                  <p:childTnLst>
-                                    <p:animEffect transition="out" filter="fade">
-                                      <p:cBhvr>
-                                        <p:cTn id="6" dur="1000"/>
-                                        <p:tgtEl>
-                                          <p:spTgt spid="8"/>
-                                        </p:tgtEl>
-                                      </p:cBhvr>
-                                    </p:animEffect>
-                                    <p:anim calcmode="lin" valueType="num">
-                                      <p:cBhvr>
-                                        <p:cTn id="7" dur="1000"/>
-                                        <p:tgtEl>
-                                          <p:spTgt spid="8"/>
-                                        </p:tgtEl>
-                                        <p:attrNameLst>
-                                          <p:attrName>ppt_x</p:attrName>
-                                        </p:attrNameLst>
-                                      </p:cBhvr>
-                                      <p:tavLst>
-                                        <p:tav tm="0">
-                                          <p:val>
-                                            <p:strVal val="ppt_x"/>
-                                          </p:val>
-                                        </p:tav>
-                                        <p:tav tm="100000">
-                                          <p:val>
-                                            <p:strVal val="ppt_x"/>
-                                          </p:val>
-                                        </p:tav>
-                                      </p:tavLst>
-                                    </p:anim>
-                                    <p:anim calcmode="lin" valueType="num">
-                                      <p:cBhvr>
-                                        <p:cTn id="8" dur="1000"/>
-                                        <p:tgtEl>
-                                          <p:spTgt spid="8"/>
-                                        </p:tgtEl>
-                                        <p:attrNameLst>
-                                          <p:attrName>ppt_y</p:attrName>
-                                        </p:attrNameLst>
-                                      </p:cBhvr>
-                                      <p:tavLst>
-                                        <p:tav tm="0">
-                                          <p:val>
-                                            <p:strVal val="ppt_y"/>
-                                          </p:val>
-                                        </p:tav>
-                                        <p:tav tm="100000">
-                                          <p:val>
-                                            <p:strVal val="ppt_y+.1"/>
-                                          </p:val>
-                                        </p:tav>
-                                      </p:tavLst>
-                                    </p:anim>
-                                    <p:set>
-                                      <p:cBhvr>
-                                        <p:cTn id="9" dur="1" fill="hold">
-                                          <p:stCondLst>
-                                            <p:cond delay="999"/>
-                                          </p:stCondLst>
-                                        </p:cTn>
-                                        <p:tgtEl>
-                                          <p:spTgt spid="8"/>
-                                        </p:tgtEl>
-                                        <p:attrNameLst>
-                                          <p:attrName>style.visibility</p:attrName>
-                                        </p:attrNameLst>
-                                      </p:cBhvr>
-                                      <p:to>
-                                        <p:strVal val="hidden"/>
-                                      </p:to>
-                                    </p:set>
-                                  </p:childTnLst>
-                                </p:cTn>
-                              </p:par>
-                            </p:childTnLst>
-                          </p:cTn>
-                        </p:par>
-                      </p:childTnLst>
-                    </p:cTn>
-                  </p:par>
-                  <p:par>
-                    <p:cTn id="10" fill="hold">
-                      <p:stCondLst>
-                        <p:cond delay="indefinite"/>
-                      </p:stCondLst>
-                      <p:childTnLst>
-                        <p:par>
-                          <p:cTn id="11" fill="hold">
-                            <p:stCondLst>
-                              <p:cond delay="0"/>
-                            </p:stCondLst>
-                            <p:childTnLst>
-                              <p:par>
-                                <p:cTn id="12" presetID="42" presetClass="entr" presetSubtype="0" fill="hold" nodeType="clickEffect">
+                                <p:cTn id="5" presetID="42" presetClass="entr" presetSubtype="0" fill="hold" nodeType="clickEffect">
                                   <p:stCondLst>
                                     <p:cond delay="0"/>
                                   </p:stCondLst>
                                   <p:childTnLst>
                                     <p:set>
                                       <p:cBhvr>
-                                        <p:cTn id="13" dur="1" fill="hold">
+                                        <p:cTn id="6" dur="1" fill="hold">
                                           <p:stCondLst>
                                             <p:cond delay="0"/>
                                           </p:stCondLst>
@@ -17510,7 +17025,7 @@
                                     </p:set>
                                     <p:animEffect transition="in" filter="fade">
                                       <p:cBhvr>
-                                        <p:cTn id="14" dur="1000"/>
+                                        <p:cTn id="7" dur="1000"/>
                                         <p:tgtEl>
                                           <p:spTgt spid="4"/>
                                         </p:tgtEl>
@@ -17518,7 +17033,7 @@
                                     </p:animEffect>
                                     <p:anim calcmode="lin" valueType="num">
                                       <p:cBhvr>
-                                        <p:cTn id="15" dur="1000" fill="hold"/>
+                                        <p:cTn id="8" dur="1000" fill="hold"/>
                                         <p:tgtEl>
                                           <p:spTgt spid="4"/>
                                         </p:tgtEl>
@@ -17541,7 +17056,7 @@
                                     </p:anim>
                                     <p:anim calcmode="lin" valueType="num">
                                       <p:cBhvr>
-                                        <p:cTn id="16" dur="1000" fill="hold"/>
+                                        <p:cTn id="9" dur="1000" fill="hold"/>
                                         <p:tgtEl>
                                           <p:spTgt spid="4"/>
                                         </p:tgtEl>
@@ -17572,26 +17087,26 @@
                     </p:cTn>
                   </p:par>
                   <p:par>
-                    <p:cTn id="17" fill="hold">
+                    <p:cTn id="10" fill="hold">
                       <p:stCondLst>
                         <p:cond delay="indefinite"/>
                       </p:stCondLst>
                       <p:childTnLst>
                         <p:par>
-                          <p:cTn id="18" fill="hold">
+                          <p:cTn id="11" fill="hold">
                             <p:stCondLst>
                               <p:cond delay="0"/>
                             </p:stCondLst>
                             <p:childTnLst>
                               <p:par>
-                                <p:cTn id="19" presetID="42" presetClass="entr" presetSubtype="0" fill="hold" grpId="0" nodeType="clickEffect">
+                                <p:cTn id="12" presetID="42" presetClass="entr" presetSubtype="0" fill="hold" grpId="0" nodeType="clickEffect">
                                   <p:stCondLst>
                                     <p:cond delay="0"/>
                                   </p:stCondLst>
                                   <p:childTnLst>
                                     <p:set>
                                       <p:cBhvr>
-                                        <p:cTn id="20" dur="1" fill="hold">
+                                        <p:cTn id="13" dur="1" fill="hold">
                                           <p:stCondLst>
                                             <p:cond delay="0"/>
                                           </p:stCondLst>
@@ -17609,7 +17124,7 @@
                                     </p:set>
                                     <p:animEffect transition="in" filter="fade">
                                       <p:cBhvr>
-                                        <p:cTn id="21" dur="1000"/>
+                                        <p:cTn id="14" dur="1000"/>
                                         <p:tgtEl>
                                           <p:spTgt spid="10"/>
                                         </p:tgtEl>
@@ -17617,7 +17132,7 @@
                                     </p:animEffect>
                                     <p:anim calcmode="lin" valueType="num">
                                       <p:cBhvr>
-                                        <p:cTn id="22" dur="1000" fill="hold"/>
+                                        <p:cTn id="15" dur="1000" fill="hold"/>
                                         <p:tgtEl>
                                           <p:spTgt spid="10"/>
                                         </p:tgtEl>
@@ -17640,7 +17155,7 @@
                                     </p:anim>
                                     <p:anim calcmode="lin" valueType="num">
                                       <p:cBhvr>
-                                        <p:cTn id="23" dur="1000" fill="hold"/>
+                                        <p:cTn id="16" dur="1000" fill="hold"/>
                                         <p:tgtEl>
                                           <p:spTgt spid="10"/>
                                         </p:tgtEl>
@@ -17692,7 +17207,6 @@
       </p:par>
     </p:tnLst>
     <p:bldLst>
-      <p:bldP spid="8" grpId="0"/>
       <p:bldP spid="10" grpId="0"/>
     </p:bldLst>
   </p:timing>
@@ -19099,14 +18613,7 @@
                 <a:latin typeface="Times New Roman" panose="02020603050405020304" pitchFamily="18" charset="0"/>
                 <a:cs typeface="Times New Roman" panose="02020603050405020304" pitchFamily="18" charset="0"/>
               </a:rPr>
-              <a:t>5. </a:t>
-            </a:r>
-            <a:r>
-              <a:rPr lang="en" sz="3000" smtClean="0">
-                <a:latin typeface="Times New Roman" panose="02020603050405020304" pitchFamily="18" charset="0"/>
-                <a:cs typeface="Times New Roman" panose="02020603050405020304" pitchFamily="18" charset="0"/>
-              </a:rPr>
-              <a:t>Kết luận</a:t>
+              <a:t>5. Kết luận</a:t>
             </a:r>
             <a:endParaRPr sz="3000" dirty="0">
               <a:latin typeface="Times New Roman" panose="02020603050405020304" pitchFamily="18" charset="0"/>
@@ -19291,14 +18798,7 @@
                 <a:latin typeface="Times New Roman" panose="02020603050405020304" pitchFamily="18" charset="0"/>
                 <a:cs typeface="Times New Roman" panose="02020603050405020304" pitchFamily="18" charset="0"/>
               </a:rPr>
-              <a:t>6. </a:t>
-            </a:r>
-            <a:r>
-              <a:rPr lang="en" sz="3000" smtClean="0">
-                <a:latin typeface="Times New Roman" panose="02020603050405020304" pitchFamily="18" charset="0"/>
-                <a:cs typeface="Times New Roman" panose="02020603050405020304" pitchFamily="18" charset="0"/>
-              </a:rPr>
-              <a:t>Demo</a:t>
+              <a:t>6. Demo</a:t>
             </a:r>
             <a:endParaRPr sz="3000" dirty="0">
               <a:latin typeface="Times New Roman" panose="02020603050405020304" pitchFamily="18" charset="0"/>
